--- a/PowerPoint/ABY.pptx
+++ b/PowerPoint/ABY.pptx
@@ -12580,8 +12580,8 @@
           </a:fontRef>
         </p:style>
       </p:cxnSp>
-      <mc:AlternateContent xmlns:mc="http://schemas.openxmlformats.org/markup-compatibility/2006">
-        <mc:Choice xmlns:a14="http://schemas.microsoft.com/office/drawing/2010/main" Requires="a14">
+      <mc:AlternateContent xmlns:mc="http://schemas.openxmlformats.org/markup-compatibility/2006" xmlns:a14="http://schemas.microsoft.com/office/drawing/2010/main">
+        <mc:Choice Requires="a14">
           <p:sp>
             <p:nvSpPr>
               <p:cNvPr id="9" name="文本框 8">
@@ -12705,7 +12705,7 @@
             </p:txBody>
           </p:sp>
         </mc:Choice>
-        <mc:Fallback>
+        <mc:Fallback xmlns="">
           <p:sp>
             <p:nvSpPr>
               <p:cNvPr id="9" name="文本框 8">
@@ -12750,8 +12750,8 @@
           </p:sp>
         </mc:Fallback>
       </mc:AlternateContent>
-      <mc:AlternateContent xmlns:mc="http://schemas.openxmlformats.org/markup-compatibility/2006">
-        <mc:Choice xmlns:a14="http://schemas.microsoft.com/office/drawing/2010/main" Requires="a14">
+      <mc:AlternateContent xmlns:mc="http://schemas.openxmlformats.org/markup-compatibility/2006" xmlns:a14="http://schemas.microsoft.com/office/drawing/2010/main">
+        <mc:Choice Requires="a14">
           <p:sp>
             <p:nvSpPr>
               <p:cNvPr id="11" name="文本框 10">
@@ -12811,7 +12811,7 @@
             </p:txBody>
           </p:sp>
         </mc:Choice>
-        <mc:Fallback>
+        <mc:Fallback xmlns="">
           <p:sp>
             <p:nvSpPr>
               <p:cNvPr id="11" name="文本框 10">
@@ -12897,8 +12897,8 @@
           </a:fontRef>
         </p:style>
       </p:cxnSp>
-      <mc:AlternateContent xmlns:mc="http://schemas.openxmlformats.org/markup-compatibility/2006">
-        <mc:Choice xmlns:a14="http://schemas.microsoft.com/office/drawing/2010/main" Requires="a14">
+      <mc:AlternateContent xmlns:mc="http://schemas.openxmlformats.org/markup-compatibility/2006" xmlns:a14="http://schemas.microsoft.com/office/drawing/2010/main">
+        <mc:Choice Requires="a14">
           <p:sp>
             <p:nvSpPr>
               <p:cNvPr id="14" name="文本框 13">
@@ -12998,7 +12998,7 @@
             </p:txBody>
           </p:sp>
         </mc:Choice>
-        <mc:Fallback>
+        <mc:Fallback xmlns="">
           <p:sp>
             <p:nvSpPr>
               <p:cNvPr id="14" name="文本框 13">
@@ -13043,8 +13043,8 @@
           </p:sp>
         </mc:Fallback>
       </mc:AlternateContent>
-      <mc:AlternateContent xmlns:mc="http://schemas.openxmlformats.org/markup-compatibility/2006">
-        <mc:Choice xmlns:a14="http://schemas.microsoft.com/office/drawing/2010/main" Requires="a14">
+      <mc:AlternateContent xmlns:mc="http://schemas.openxmlformats.org/markup-compatibility/2006" xmlns:a14="http://schemas.microsoft.com/office/drawing/2010/main">
+        <mc:Choice Requires="a14">
           <p:sp>
             <p:nvSpPr>
               <p:cNvPr id="16" name="文本框 15">
@@ -13128,7 +13128,7 @@
             </p:txBody>
           </p:sp>
         </mc:Choice>
-        <mc:Fallback>
+        <mc:Fallback xmlns="">
           <p:sp>
             <p:nvSpPr>
               <p:cNvPr id="16" name="文本框 15">
@@ -13173,8 +13173,8 @@
           </p:sp>
         </mc:Fallback>
       </mc:AlternateContent>
-      <mc:AlternateContent xmlns:mc="http://schemas.openxmlformats.org/markup-compatibility/2006">
-        <mc:Choice xmlns:a14="http://schemas.microsoft.com/office/drawing/2010/main" Requires="a14">
+      <mc:AlternateContent xmlns:mc="http://schemas.openxmlformats.org/markup-compatibility/2006" xmlns:a14="http://schemas.microsoft.com/office/drawing/2010/main">
+        <mc:Choice Requires="a14">
           <p:sp>
             <p:nvSpPr>
               <p:cNvPr id="17" name="文本框 16">
@@ -13432,7 +13432,7 @@
             </p:txBody>
           </p:sp>
         </mc:Choice>
-        <mc:Fallback>
+        <mc:Fallback xmlns="">
           <p:sp>
             <p:nvSpPr>
               <p:cNvPr id="17" name="文本框 16">
@@ -13477,8 +13477,8 @@
           </p:sp>
         </mc:Fallback>
       </mc:AlternateContent>
-      <mc:AlternateContent xmlns:mc="http://schemas.openxmlformats.org/markup-compatibility/2006">
-        <mc:Choice xmlns:a14="http://schemas.microsoft.com/office/drawing/2010/main" Requires="a14">
+      <mc:AlternateContent xmlns:mc="http://schemas.openxmlformats.org/markup-compatibility/2006" xmlns:a14="http://schemas.microsoft.com/office/drawing/2010/main">
+        <mc:Choice Requires="a14">
           <p:sp>
             <p:nvSpPr>
               <p:cNvPr id="18" name="文本框 17">
@@ -13594,7 +13594,7 @@
             </p:txBody>
           </p:sp>
         </mc:Choice>
-        <mc:Fallback>
+        <mc:Fallback xmlns="">
           <p:sp>
             <p:nvSpPr>
               <p:cNvPr id="18" name="文本框 17">
@@ -13639,8 +13639,8 @@
           </p:sp>
         </mc:Fallback>
       </mc:AlternateContent>
-      <mc:AlternateContent xmlns:mc="http://schemas.openxmlformats.org/markup-compatibility/2006">
-        <mc:Choice xmlns:a14="http://schemas.microsoft.com/office/drawing/2010/main" Requires="a14">
+      <mc:AlternateContent xmlns:mc="http://schemas.openxmlformats.org/markup-compatibility/2006" xmlns:a14="http://schemas.microsoft.com/office/drawing/2010/main">
+        <mc:Choice Requires="a14">
           <p:sp>
             <p:nvSpPr>
               <p:cNvPr id="19" name="文本框 18">
@@ -13891,7 +13891,7 @@
             </p:txBody>
           </p:sp>
         </mc:Choice>
-        <mc:Fallback>
+        <mc:Fallback xmlns="">
           <p:sp>
             <p:nvSpPr>
               <p:cNvPr id="19" name="文本框 18">

--- a/PowerPoint/ABY.pptx
+++ b/PowerPoint/ABY.pptx
@@ -5,7 +5,7 @@
     <p:sldMasterId id="2147483648" r:id="rId1"/>
   </p:sldMasterIdLst>
   <p:notesMasterIdLst>
-    <p:notesMasterId r:id="rId13"/>
+    <p:notesMasterId r:id="rId17"/>
   </p:notesMasterIdLst>
   <p:sldIdLst>
     <p:sldId id="256" r:id="rId2"/>
@@ -15,10 +15,14 @@
     <p:sldId id="259" r:id="rId6"/>
     <p:sldId id="260" r:id="rId7"/>
     <p:sldId id="263" r:id="rId8"/>
-    <p:sldId id="264" r:id="rId9"/>
-    <p:sldId id="277" r:id="rId10"/>
-    <p:sldId id="276" r:id="rId11"/>
-    <p:sldId id="261" r:id="rId12"/>
+    <p:sldId id="282" r:id="rId9"/>
+    <p:sldId id="264" r:id="rId10"/>
+    <p:sldId id="278" r:id="rId11"/>
+    <p:sldId id="277" r:id="rId12"/>
+    <p:sldId id="276" r:id="rId13"/>
+    <p:sldId id="279" r:id="rId14"/>
+    <p:sldId id="280" r:id="rId15"/>
+    <p:sldId id="281" r:id="rId16"/>
   </p:sldIdLst>
   <p:sldSz cx="12192000" cy="6858000"/>
   <p:notesSz cx="6858000" cy="9144000"/>
@@ -210,7 +214,7 @@
           <a:p>
             <a:fld id="{06057D3B-BB52-460E-889C-615B478E4835}" type="datetimeFigureOut">
               <a:rPr lang="zh-CN" altLang="en-US" smtClean="0"/>
-              <a:t>2021/3/16</a:t>
+              <a:t>2021/3/17</a:t>
             </a:fld>
             <a:endParaRPr lang="zh-CN" altLang="en-US"/>
           </a:p>
@@ -666,7 +670,7 @@
             <a:fld id="{B61BEF0D-F0BB-DE4B-95CE-6DB70DBA9567}" type="datetimeFigureOut">
               <a:rPr lang="en-US" dirty="0"/>
               <a:pPr/>
-              <a:t>3/16/2021</a:t>
+              <a:t>3/17/2021</a:t>
             </a:fld>
             <a:endParaRPr lang="en-US" dirty="0"/>
           </a:p>
@@ -1001,7 +1005,7 @@
             <a:fld id="{B61BEF0D-F0BB-DE4B-95CE-6DB70DBA9567}" type="datetimeFigureOut">
               <a:rPr lang="en-US" dirty="0"/>
               <a:pPr/>
-              <a:t>3/16/2021</a:t>
+              <a:t>3/17/2021</a:t>
             </a:fld>
             <a:endParaRPr lang="en-US" dirty="0"/>
           </a:p>
@@ -1399,7 +1403,7 @@
             <a:fld id="{B61BEF0D-F0BB-DE4B-95CE-6DB70DBA9567}" type="datetimeFigureOut">
               <a:rPr lang="en-US" dirty="0"/>
               <a:pPr/>
-              <a:t>3/16/2021</a:t>
+              <a:t>3/17/2021</a:t>
             </a:fld>
             <a:endParaRPr lang="en-US" dirty="0"/>
           </a:p>
@@ -1732,7 +1736,7 @@
             <a:fld id="{B61BEF0D-F0BB-DE4B-95CE-6DB70DBA9567}" type="datetimeFigureOut">
               <a:rPr lang="en-US" dirty="0"/>
               <a:pPr/>
-              <a:t>3/16/2021</a:t>
+              <a:t>3/17/2021</a:t>
             </a:fld>
             <a:endParaRPr lang="en-US" dirty="0"/>
           </a:p>
@@ -2049,7 +2053,7 @@
             <a:fld id="{B61BEF0D-F0BB-DE4B-95CE-6DB70DBA9567}" type="datetimeFigureOut">
               <a:rPr lang="en-US" dirty="0"/>
               <a:pPr/>
-              <a:t>3/16/2021</a:t>
+              <a:t>3/17/2021</a:t>
             </a:fld>
             <a:endParaRPr lang="en-US" dirty="0"/>
           </a:p>
@@ -2442,7 +2446,7 @@
             <a:fld id="{B61BEF0D-F0BB-DE4B-95CE-6DB70DBA9567}" type="datetimeFigureOut">
               <a:rPr lang="en-US" dirty="0"/>
               <a:pPr/>
-              <a:t>3/16/2021</a:t>
+              <a:t>3/17/2021</a:t>
             </a:fld>
             <a:endParaRPr lang="en-US" dirty="0"/>
           </a:p>
@@ -2696,7 +2700,7 @@
             <a:fld id="{B61BEF0D-F0BB-DE4B-95CE-6DB70DBA9567}" type="datetimeFigureOut">
               <a:rPr lang="en-US" dirty="0"/>
               <a:pPr/>
-              <a:t>3/16/2021</a:t>
+              <a:t>3/17/2021</a:t>
             </a:fld>
             <a:endParaRPr lang="en-US" dirty="0"/>
           </a:p>
@@ -2955,7 +2959,7 @@
             <a:fld id="{B61BEF0D-F0BB-DE4B-95CE-6DB70DBA9567}" type="datetimeFigureOut">
               <a:rPr lang="en-US" dirty="0"/>
               <a:pPr/>
-              <a:t>3/16/2021</a:t>
+              <a:t>3/17/2021</a:t>
             </a:fld>
             <a:endParaRPr lang="en-US" dirty="0"/>
           </a:p>
@@ -3230,7 +3234,7 @@
             <a:fld id="{B61BEF0D-F0BB-DE4B-95CE-6DB70DBA9567}" type="datetimeFigureOut">
               <a:rPr lang="en-US" dirty="0"/>
               <a:pPr/>
-              <a:t>3/16/2021</a:t>
+              <a:t>3/17/2021</a:t>
             </a:fld>
             <a:endParaRPr lang="en-US" dirty="0"/>
           </a:p>
@@ -3556,7 +3560,7 @@
             <a:fld id="{B61BEF0D-F0BB-DE4B-95CE-6DB70DBA9567}" type="datetimeFigureOut">
               <a:rPr lang="en-US" dirty="0"/>
               <a:pPr/>
-              <a:t>3/16/2021</a:t>
+              <a:t>3/17/2021</a:t>
             </a:fld>
             <a:endParaRPr lang="en-US" dirty="0"/>
           </a:p>
@@ -3876,7 +3880,7 @@
             <a:fld id="{B61BEF0D-F0BB-DE4B-95CE-6DB70DBA9567}" type="datetimeFigureOut">
               <a:rPr lang="en-US" dirty="0"/>
               <a:pPr/>
-              <a:t>3/16/2021</a:t>
+              <a:t>3/17/2021</a:t>
             </a:fld>
             <a:endParaRPr lang="en-US" dirty="0"/>
           </a:p>
@@ -4330,7 +4334,7 @@
             <a:fld id="{B61BEF0D-F0BB-DE4B-95CE-6DB70DBA9567}" type="datetimeFigureOut">
               <a:rPr lang="en-US" dirty="0"/>
               <a:pPr/>
-              <a:t>3/16/2021</a:t>
+              <a:t>3/17/2021</a:t>
             </a:fld>
             <a:endParaRPr lang="en-US" dirty="0"/>
           </a:p>
@@ -4532,7 +4536,7 @@
             <a:fld id="{B61BEF0D-F0BB-DE4B-95CE-6DB70DBA9567}" type="datetimeFigureOut">
               <a:rPr lang="en-US" dirty="0"/>
               <a:pPr/>
-              <a:t>3/16/2021</a:t>
+              <a:t>3/17/2021</a:t>
             </a:fld>
             <a:endParaRPr lang="en-US" dirty="0"/>
           </a:p>
@@ -4706,7 +4710,7 @@
             <a:fld id="{B61BEF0D-F0BB-DE4B-95CE-6DB70DBA9567}" type="datetimeFigureOut">
               <a:rPr lang="en-US" dirty="0"/>
               <a:pPr/>
-              <a:t>3/16/2021</a:t>
+              <a:t>3/17/2021</a:t>
             </a:fld>
             <a:endParaRPr lang="en-US" dirty="0"/>
           </a:p>
@@ -5036,7 +5040,7 @@
             <a:fld id="{B61BEF0D-F0BB-DE4B-95CE-6DB70DBA9567}" type="datetimeFigureOut">
               <a:rPr lang="en-US" dirty="0"/>
               <a:pPr/>
-              <a:t>3/16/2021</a:t>
+              <a:t>3/17/2021</a:t>
             </a:fld>
             <a:endParaRPr lang="en-US" dirty="0"/>
           </a:p>
@@ -5378,7 +5382,7 @@
             <a:fld id="{B61BEF0D-F0BB-DE4B-95CE-6DB70DBA9567}" type="datetimeFigureOut">
               <a:rPr lang="en-US" dirty="0"/>
               <a:pPr/>
-              <a:t>3/16/2021</a:t>
+              <a:t>3/17/2021</a:t>
             </a:fld>
             <a:endParaRPr lang="en-US" dirty="0"/>
           </a:p>
@@ -7492,7 +7496,7 @@
             <a:fld id="{B61BEF0D-F0BB-DE4B-95CE-6DB70DBA9567}" type="datetimeFigureOut">
               <a:rPr lang="en-US" dirty="0"/>
               <a:pPr/>
-              <a:t>3/16/2021</a:t>
+              <a:t>3/17/2021</a:t>
             </a:fld>
             <a:endParaRPr lang="en-US" dirty="0"/>
           </a:p>
@@ -8083,6 +8087,2690 @@
 </file>
 
 <file path=ppt/slides/slide10.xml><?xml version="1.0" encoding="utf-8"?>
+<p:sld xmlns:a="http://schemas.openxmlformats.org/drawingml/2006/main" xmlns:r="http://schemas.openxmlformats.org/officeDocument/2006/relationships" xmlns:p="http://schemas.openxmlformats.org/presentationml/2006/main">
+  <p:cSld>
+    <p:spTree>
+      <p:nvGrpSpPr>
+        <p:cNvPr id="1" name=""/>
+        <p:cNvGrpSpPr/>
+        <p:nvPr/>
+      </p:nvGrpSpPr>
+      <p:grpSpPr>
+        <a:xfrm>
+          <a:off x="0" y="0"/>
+          <a:ext cx="0" cy="0"/>
+          <a:chOff x="0" y="0"/>
+          <a:chExt cx="0" cy="0"/>
+        </a:xfrm>
+      </p:grpSpPr>
+      <p:sp>
+        <p:nvSpPr>
+          <p:cNvPr id="2" name="标题 1">
+            <a:extLst>
+              <a:ext uri="{FF2B5EF4-FFF2-40B4-BE49-F238E27FC236}">
+                <a16:creationId xmlns:a16="http://schemas.microsoft.com/office/drawing/2014/main" id="{8D076189-706D-45A6-B000-36336372D0C1}"/>
+              </a:ext>
+            </a:extLst>
+          </p:cNvPr>
+          <p:cNvSpPr>
+            <a:spLocks noGrp="1"/>
+          </p:cNvSpPr>
+          <p:nvPr>
+            <p:ph type="title"/>
+          </p:nvPr>
+        </p:nvSpPr>
+        <p:spPr/>
+        <p:txBody>
+          <a:bodyPr/>
+          <a:lstStyle/>
+          <a:p>
+            <a:r>
+              <a:rPr lang="en-US" altLang="zh-CN" dirty="0"/>
+              <a:t>GMW protocol for MPC</a:t>
+            </a:r>
+            <a:endParaRPr lang="zh-CN" altLang="en-US" dirty="0"/>
+          </a:p>
+        </p:txBody>
+      </p:sp>
+      <mc:AlternateContent xmlns:mc="http://schemas.openxmlformats.org/markup-compatibility/2006">
+        <mc:Choice xmlns:a14="http://schemas.microsoft.com/office/drawing/2010/main" Requires="a14">
+          <p:sp>
+            <p:nvSpPr>
+              <p:cNvPr id="4" name="内容占位符 3">
+                <a:extLst>
+                  <a:ext uri="{FF2B5EF4-FFF2-40B4-BE49-F238E27FC236}">
+                    <a16:creationId xmlns:a16="http://schemas.microsoft.com/office/drawing/2014/main" id="{D96DF796-ED10-4335-A931-D1422BE0E2A9}"/>
+                  </a:ext>
+                </a:extLst>
+              </p:cNvPr>
+              <p:cNvSpPr>
+                <a:spLocks noGrp="1"/>
+              </p:cNvSpPr>
+              <p:nvPr>
+                <p:ph idx="1"/>
+              </p:nvPr>
+            </p:nvSpPr>
+            <p:spPr/>
+            <p:txBody>
+              <a:bodyPr/>
+              <a:lstStyle/>
+              <a:p>
+                <a:r>
+                  <a:rPr lang="en-US" altLang="zh-CN" dirty="0"/>
+                  <a:t>Secret Sharing Generation Phrase</a:t>
+                </a:r>
+              </a:p>
+              <a:p>
+                <a:pPr lvl="1"/>
+                <a:r>
+                  <a:rPr lang="en-US" altLang="zh-CN" dirty="0"/>
+                  <a:t>Generate n-1 random </a:t>
+                </a:r>
+                <a14:m>
+                  <m:oMath xmlns:m="http://schemas.openxmlformats.org/officeDocument/2006/math">
+                    <m:sSub>
+                      <m:sSubPr>
+                        <m:ctrlPr>
+                          <a:rPr lang="en-US" altLang="zh-CN" b="0" i="1" smtClean="0">
+                            <a:latin typeface="Cambria Math" panose="02040503050406030204" pitchFamily="18" charset="0"/>
+                          </a:rPr>
+                        </m:ctrlPr>
+                      </m:sSubPr>
+                      <m:e>
+                        <m:r>
+                          <a:rPr lang="en-US" altLang="zh-CN" b="0" i="1" smtClean="0">
+                            <a:latin typeface="Cambria Math" panose="02040503050406030204" pitchFamily="18" charset="0"/>
+                          </a:rPr>
+                          <m:t>𝑟</m:t>
+                        </m:r>
+                      </m:e>
+                      <m:sub>
+                        <m:r>
+                          <a:rPr lang="en-US" altLang="zh-CN" b="0" i="1" smtClean="0">
+                            <a:latin typeface="Cambria Math" panose="02040503050406030204" pitchFamily="18" charset="0"/>
+                          </a:rPr>
+                          <m:t>𝑖</m:t>
+                        </m:r>
+                      </m:sub>
+                    </m:sSub>
+                    <m:sSub>
+                      <m:sSubPr>
+                        <m:ctrlPr>
+                          <a:rPr lang="en-US" altLang="zh-CN" b="0" i="1" smtClean="0">
+                            <a:latin typeface="Cambria Math" panose="02040503050406030204" pitchFamily="18" charset="0"/>
+                          </a:rPr>
+                        </m:ctrlPr>
+                      </m:sSubPr>
+                      <m:e>
+                        <m:r>
+                          <a:rPr lang="en-US" altLang="zh-CN" b="0" i="1" smtClean="0">
+                            <a:latin typeface="Cambria Math" panose="02040503050406030204" pitchFamily="18" charset="0"/>
+                          </a:rPr>
+                          <m:t>∈</m:t>
+                        </m:r>
+                      </m:e>
+                      <m:sub>
+                        <m:r>
+                          <a:rPr lang="en-US" altLang="zh-CN" b="0" i="1" smtClean="0">
+                            <a:latin typeface="Cambria Math" panose="02040503050406030204" pitchFamily="18" charset="0"/>
+                          </a:rPr>
+                          <m:t>𝑅</m:t>
+                        </m:r>
+                      </m:sub>
+                    </m:sSub>
+                    <m:d>
+                      <m:dPr>
+                        <m:begChr m:val="{"/>
+                        <m:endChr m:val="}"/>
+                        <m:ctrlPr>
+                          <a:rPr lang="en-US" altLang="zh-CN" b="0" i="1" smtClean="0">
+                            <a:latin typeface="Cambria Math" panose="02040503050406030204" pitchFamily="18" charset="0"/>
+                          </a:rPr>
+                        </m:ctrlPr>
+                      </m:dPr>
+                      <m:e>
+                        <m:r>
+                          <a:rPr lang="en-US" altLang="zh-CN" b="0" i="1" smtClean="0">
+                            <a:latin typeface="Cambria Math" panose="02040503050406030204" pitchFamily="18" charset="0"/>
+                          </a:rPr>
+                          <m:t>0,1</m:t>
+                        </m:r>
+                      </m:e>
+                    </m:d>
+                  </m:oMath>
+                </a14:m>
+                <a:r>
+                  <a:rPr lang="en-US" altLang="zh-CN" dirty="0"/>
+                  <a:t>, and send to other party</a:t>
+                </a:r>
+              </a:p>
+              <a:p>
+                <a:r>
+                  <a:rPr lang="en-US" altLang="zh-CN" dirty="0"/>
+                  <a:t>For And Gate </a:t>
+                </a:r>
+                <a14:m>
+                  <m:oMath xmlns:m="http://schemas.openxmlformats.org/officeDocument/2006/math">
+                    <m:r>
+                      <a:rPr lang="en-US" altLang="zh-CN" b="0" i="1" smtClean="0">
+                        <a:latin typeface="Cambria Math" panose="02040503050406030204" pitchFamily="18" charset="0"/>
+                      </a:rPr>
+                      <m:t>𝑐</m:t>
+                    </m:r>
+                    <m:r>
+                      <a:rPr lang="en-US" altLang="zh-CN" b="0" i="1" smtClean="0">
+                        <a:latin typeface="Cambria Math" panose="02040503050406030204" pitchFamily="18" charset="0"/>
+                      </a:rPr>
+                      <m:t>=</m:t>
+                    </m:r>
+                    <m:r>
+                      <a:rPr lang="en-US" altLang="zh-CN" b="0" i="1" smtClean="0">
+                        <a:latin typeface="Cambria Math" panose="02040503050406030204" pitchFamily="18" charset="0"/>
+                      </a:rPr>
+                      <m:t>𝑎</m:t>
+                    </m:r>
+                    <m:r>
+                      <a:rPr lang="en-US" altLang="zh-CN" b="0" i="1" smtClean="0">
+                        <a:latin typeface="Cambria Math" panose="02040503050406030204" pitchFamily="18" charset="0"/>
+                      </a:rPr>
+                      <m:t>∧</m:t>
+                    </m:r>
+                    <m:r>
+                      <a:rPr lang="en-US" altLang="zh-CN" b="0" i="1" smtClean="0">
+                        <a:latin typeface="Cambria Math" panose="02040503050406030204" pitchFamily="18" charset="0"/>
+                      </a:rPr>
+                      <m:t>𝑏</m:t>
+                    </m:r>
+                  </m:oMath>
+                </a14:m>
+                <a:r>
+                  <a:rPr lang="en-US" altLang="zh-CN" dirty="0"/>
+                  <a:t> </a:t>
+                </a:r>
+              </a:p>
+              <a:p>
+                <a:pPr marL="457200" lvl="1" indent="0">
+                  <a:buNone/>
+                </a:pPr>
+                <a14:m>
+                  <m:oMathPara xmlns:m="http://schemas.openxmlformats.org/officeDocument/2006/math">
+                    <m:oMathParaPr>
+                      <m:jc m:val="centerGroup"/>
+                    </m:oMathParaPr>
+                    <m:oMath xmlns:m="http://schemas.openxmlformats.org/officeDocument/2006/math">
+                      <m:r>
+                        <a:rPr lang="en-US" altLang="zh-CN" b="0" i="1" smtClean="0">
+                          <a:latin typeface="Cambria Math" panose="02040503050406030204" pitchFamily="18" charset="0"/>
+                        </a:rPr>
+                        <m:t>𝑐</m:t>
+                      </m:r>
+                      <m:r>
+                        <a:rPr lang="en-US" altLang="zh-CN" b="0" i="1" smtClean="0">
+                          <a:latin typeface="Cambria Math" panose="02040503050406030204" pitchFamily="18" charset="0"/>
+                        </a:rPr>
+                        <m:t>=</m:t>
+                      </m:r>
+                      <m:r>
+                        <a:rPr lang="en-US" altLang="zh-CN" b="0" i="1" smtClean="0">
+                          <a:latin typeface="Cambria Math" panose="02040503050406030204" pitchFamily="18" charset="0"/>
+                        </a:rPr>
+                        <m:t>𝑎</m:t>
+                      </m:r>
+                      <m:r>
+                        <a:rPr lang="en-US" altLang="zh-CN" b="0" i="1" smtClean="0">
+                          <a:latin typeface="Cambria Math" panose="02040503050406030204" pitchFamily="18" charset="0"/>
+                        </a:rPr>
+                        <m:t>∧</m:t>
+                      </m:r>
+                      <m:r>
+                        <a:rPr lang="en-US" altLang="zh-CN" b="0" i="1" smtClean="0">
+                          <a:latin typeface="Cambria Math" panose="02040503050406030204" pitchFamily="18" charset="0"/>
+                        </a:rPr>
+                        <m:t>𝑏</m:t>
+                      </m:r>
+                      <m:r>
+                        <a:rPr lang="en-US" altLang="zh-CN" b="0" i="1" smtClean="0">
+                          <a:latin typeface="Cambria Math" panose="02040503050406030204" pitchFamily="18" charset="0"/>
+                        </a:rPr>
+                        <m:t>=</m:t>
+                      </m:r>
+                      <m:d>
+                        <m:dPr>
+                          <m:ctrlPr>
+                            <a:rPr lang="en-US" altLang="zh-CN" b="0" i="1" smtClean="0">
+                              <a:latin typeface="Cambria Math" panose="02040503050406030204" pitchFamily="18" charset="0"/>
+                            </a:rPr>
+                          </m:ctrlPr>
+                        </m:dPr>
+                        <m:e>
+                          <m:sSub>
+                            <m:sSubPr>
+                              <m:ctrlPr>
+                                <a:rPr lang="en-US" altLang="zh-CN" b="0" i="1" smtClean="0">
+                                  <a:latin typeface="Cambria Math" panose="02040503050406030204" pitchFamily="18" charset="0"/>
+                                </a:rPr>
+                              </m:ctrlPr>
+                            </m:sSubPr>
+                            <m:e>
+                              <m:r>
+                                <a:rPr lang="en-US" altLang="zh-CN" b="0" i="1" smtClean="0">
+                                  <a:latin typeface="Cambria Math" panose="02040503050406030204" pitchFamily="18" charset="0"/>
+                                </a:rPr>
+                                <m:t>𝑎</m:t>
+                              </m:r>
+                            </m:e>
+                            <m:sub>
+                              <m:r>
+                                <a:rPr lang="en-US" altLang="zh-CN" b="0" i="1" smtClean="0">
+                                  <a:latin typeface="Cambria Math" panose="02040503050406030204" pitchFamily="18" charset="0"/>
+                                </a:rPr>
+                                <m:t>1</m:t>
+                              </m:r>
+                            </m:sub>
+                          </m:sSub>
+                          <m:r>
+                            <a:rPr lang="en-US" altLang="zh-CN" b="0" i="1" smtClean="0">
+                              <a:latin typeface="Cambria Math" panose="02040503050406030204" pitchFamily="18" charset="0"/>
+                            </a:rPr>
+                            <m:t>⊕…⊕</m:t>
+                          </m:r>
+                          <m:sSub>
+                            <m:sSubPr>
+                              <m:ctrlPr>
+                                <a:rPr lang="en-US" altLang="zh-CN" b="0" i="1" smtClean="0">
+                                  <a:latin typeface="Cambria Math" panose="02040503050406030204" pitchFamily="18" charset="0"/>
+                                </a:rPr>
+                              </m:ctrlPr>
+                            </m:sSubPr>
+                            <m:e>
+                              <m:r>
+                                <a:rPr lang="en-US" altLang="zh-CN" b="0" i="1" smtClean="0">
+                                  <a:latin typeface="Cambria Math" panose="02040503050406030204" pitchFamily="18" charset="0"/>
+                                </a:rPr>
+                                <m:t>𝑎</m:t>
+                              </m:r>
+                            </m:e>
+                            <m:sub>
+                              <m:r>
+                                <a:rPr lang="en-US" altLang="zh-CN" b="0" i="1" smtClean="0">
+                                  <a:latin typeface="Cambria Math" panose="02040503050406030204" pitchFamily="18" charset="0"/>
+                                </a:rPr>
+                                <m:t>𝑛</m:t>
+                              </m:r>
+                            </m:sub>
+                          </m:sSub>
+                        </m:e>
+                      </m:d>
+                      <m:r>
+                        <a:rPr lang="en-US" altLang="zh-CN" b="0" i="1" smtClean="0">
+                          <a:latin typeface="Cambria Math" panose="02040503050406030204" pitchFamily="18" charset="0"/>
+                        </a:rPr>
+                        <m:t>∧</m:t>
+                      </m:r>
+                      <m:d>
+                        <m:dPr>
+                          <m:ctrlPr>
+                            <a:rPr lang="en-US" altLang="zh-CN" b="0" i="1" smtClean="0">
+                              <a:latin typeface="Cambria Math" panose="02040503050406030204" pitchFamily="18" charset="0"/>
+                            </a:rPr>
+                          </m:ctrlPr>
+                        </m:dPr>
+                        <m:e>
+                          <m:sSub>
+                            <m:sSubPr>
+                              <m:ctrlPr>
+                                <a:rPr lang="en-US" altLang="zh-CN" b="0" i="1" smtClean="0">
+                                  <a:latin typeface="Cambria Math" panose="02040503050406030204" pitchFamily="18" charset="0"/>
+                                </a:rPr>
+                              </m:ctrlPr>
+                            </m:sSubPr>
+                            <m:e>
+                              <m:r>
+                                <a:rPr lang="en-US" altLang="zh-CN" b="0" i="1" smtClean="0">
+                                  <a:latin typeface="Cambria Math" panose="02040503050406030204" pitchFamily="18" charset="0"/>
+                                </a:rPr>
+                                <m:t>𝑏</m:t>
+                              </m:r>
+                            </m:e>
+                            <m:sub>
+                              <m:r>
+                                <a:rPr lang="en-US" altLang="zh-CN" b="0" i="1" smtClean="0">
+                                  <a:latin typeface="Cambria Math" panose="02040503050406030204" pitchFamily="18" charset="0"/>
+                                </a:rPr>
+                                <m:t>1</m:t>
+                              </m:r>
+                            </m:sub>
+                          </m:sSub>
+                          <m:r>
+                            <a:rPr lang="en-US" altLang="zh-CN" b="0" i="1" smtClean="0">
+                              <a:latin typeface="Cambria Math" panose="02040503050406030204" pitchFamily="18" charset="0"/>
+                            </a:rPr>
+                            <m:t>⊕…⊕</m:t>
+                          </m:r>
+                          <m:sSub>
+                            <m:sSubPr>
+                              <m:ctrlPr>
+                                <a:rPr lang="en-US" altLang="zh-CN" b="0" i="1" smtClean="0">
+                                  <a:latin typeface="Cambria Math" panose="02040503050406030204" pitchFamily="18" charset="0"/>
+                                </a:rPr>
+                              </m:ctrlPr>
+                            </m:sSubPr>
+                            <m:e>
+                              <m:r>
+                                <a:rPr lang="en-US" altLang="zh-CN" b="0" i="1" smtClean="0">
+                                  <a:latin typeface="Cambria Math" panose="02040503050406030204" pitchFamily="18" charset="0"/>
+                                </a:rPr>
+                                <m:t>𝑏</m:t>
+                              </m:r>
+                            </m:e>
+                            <m:sub>
+                              <m:r>
+                                <a:rPr lang="en-US" altLang="zh-CN" b="0" i="1" smtClean="0">
+                                  <a:latin typeface="Cambria Math" panose="02040503050406030204" pitchFamily="18" charset="0"/>
+                                </a:rPr>
+                                <m:t>𝑛</m:t>
+                              </m:r>
+                            </m:sub>
+                          </m:sSub>
+                        </m:e>
+                      </m:d>
+                      <m:r>
+                        <a:rPr lang="en-US" altLang="zh-CN" b="0" i="1" smtClean="0">
+                          <a:latin typeface="Cambria Math" panose="02040503050406030204" pitchFamily="18" charset="0"/>
+                        </a:rPr>
+                        <m:t>=</m:t>
+                      </m:r>
+                      <m:d>
+                        <m:dPr>
+                          <m:ctrlPr>
+                            <a:rPr lang="en-US" altLang="zh-CN" b="0" i="1" smtClean="0">
+                              <a:latin typeface="Cambria Math" panose="02040503050406030204" pitchFamily="18" charset="0"/>
+                            </a:rPr>
+                          </m:ctrlPr>
+                        </m:dPr>
+                        <m:e>
+                          <m:nary>
+                            <m:naryPr>
+                              <m:chr m:val="⨁"/>
+                              <m:ctrlPr>
+                                <a:rPr lang="en-US" altLang="zh-CN" b="0" i="1" smtClean="0">
+                                  <a:latin typeface="Cambria Math" panose="02040503050406030204" pitchFamily="18" charset="0"/>
+                                </a:rPr>
+                              </m:ctrlPr>
+                            </m:naryPr>
+                            <m:sub>
+                              <m:r>
+                                <a:rPr lang="en-US" altLang="zh-CN" b="0" i="1" smtClean="0">
+                                  <a:latin typeface="Cambria Math" panose="02040503050406030204" pitchFamily="18" charset="0"/>
+                                </a:rPr>
+                                <m:t>𝑖</m:t>
+                              </m:r>
+                              <m:r>
+                                <a:rPr lang="en-US" altLang="zh-CN" b="0" i="1" smtClean="0">
+                                  <a:latin typeface="Cambria Math" panose="02040503050406030204" pitchFamily="18" charset="0"/>
+                                </a:rPr>
+                                <m:t>=1</m:t>
+                              </m:r>
+                            </m:sub>
+                            <m:sup>
+                              <m:r>
+                                <a:rPr lang="en-US" altLang="zh-CN" b="0" i="1" smtClean="0">
+                                  <a:latin typeface="Cambria Math" panose="02040503050406030204" pitchFamily="18" charset="0"/>
+                                </a:rPr>
+                                <m:t>𝑛</m:t>
+                              </m:r>
+                            </m:sup>
+                            <m:e>
+                              <m:sSub>
+                                <m:sSubPr>
+                                  <m:ctrlPr>
+                                    <a:rPr lang="en-US" altLang="zh-CN" b="0" i="1" smtClean="0">
+                                      <a:latin typeface="Cambria Math" panose="02040503050406030204" pitchFamily="18" charset="0"/>
+                                    </a:rPr>
+                                  </m:ctrlPr>
+                                </m:sSubPr>
+                                <m:e>
+                                  <m:r>
+                                    <a:rPr lang="en-US" altLang="zh-CN" b="0" i="1" smtClean="0">
+                                      <a:latin typeface="Cambria Math" panose="02040503050406030204" pitchFamily="18" charset="0"/>
+                                    </a:rPr>
+                                    <m:t>𝑎</m:t>
+                                  </m:r>
+                                </m:e>
+                                <m:sub>
+                                  <m:r>
+                                    <a:rPr lang="en-US" altLang="zh-CN" b="0" i="1" smtClean="0">
+                                      <a:latin typeface="Cambria Math" panose="02040503050406030204" pitchFamily="18" charset="0"/>
+                                    </a:rPr>
+                                    <m:t>𝑖</m:t>
+                                  </m:r>
+                                </m:sub>
+                              </m:sSub>
+                              <m:r>
+                                <a:rPr lang="en-US" altLang="zh-CN" b="0" i="1" smtClean="0">
+                                  <a:latin typeface="Cambria Math" panose="02040503050406030204" pitchFamily="18" charset="0"/>
+                                </a:rPr>
+                                <m:t>∧</m:t>
+                              </m:r>
+                              <m:sSub>
+                                <m:sSubPr>
+                                  <m:ctrlPr>
+                                    <a:rPr lang="en-US" altLang="zh-CN" b="0" i="1" smtClean="0">
+                                      <a:latin typeface="Cambria Math" panose="02040503050406030204" pitchFamily="18" charset="0"/>
+                                    </a:rPr>
+                                  </m:ctrlPr>
+                                </m:sSubPr>
+                                <m:e>
+                                  <m:r>
+                                    <a:rPr lang="en-US" altLang="zh-CN" b="0" i="1" smtClean="0">
+                                      <a:latin typeface="Cambria Math" panose="02040503050406030204" pitchFamily="18" charset="0"/>
+                                    </a:rPr>
+                                    <m:t>𝑏</m:t>
+                                  </m:r>
+                                </m:e>
+                                <m:sub>
+                                  <m:r>
+                                    <a:rPr lang="en-US" altLang="zh-CN" b="0" i="1" smtClean="0">
+                                      <a:latin typeface="Cambria Math" panose="02040503050406030204" pitchFamily="18" charset="0"/>
+                                    </a:rPr>
+                                    <m:t>𝑖</m:t>
+                                  </m:r>
+                                </m:sub>
+                              </m:sSub>
+                            </m:e>
+                          </m:nary>
+                        </m:e>
+                      </m:d>
+                      <m:r>
+                        <a:rPr lang="en-US" altLang="zh-CN" b="0" i="1" smtClean="0">
+                          <a:latin typeface="Cambria Math" panose="02040503050406030204" pitchFamily="18" charset="0"/>
+                        </a:rPr>
+                        <m:t>⊕(</m:t>
+                      </m:r>
+                      <m:nary>
+                        <m:naryPr>
+                          <m:chr m:val="⨁"/>
+                          <m:supHide m:val="on"/>
+                          <m:ctrlPr>
+                            <a:rPr lang="en-US" altLang="zh-CN" b="0" i="1" smtClean="0">
+                              <a:latin typeface="Cambria Math" panose="02040503050406030204" pitchFamily="18" charset="0"/>
+                            </a:rPr>
+                          </m:ctrlPr>
+                        </m:naryPr>
+                        <m:sub>
+                          <m:r>
+                            <a:rPr lang="en-US" altLang="zh-CN" b="0" i="1" smtClean="0">
+                              <a:latin typeface="Cambria Math" panose="02040503050406030204" pitchFamily="18" charset="0"/>
+                            </a:rPr>
+                            <m:t>𝑗</m:t>
+                          </m:r>
+                          <m:r>
+                            <a:rPr lang="en-US" altLang="zh-CN" b="0" i="1" smtClean="0">
+                              <a:latin typeface="Cambria Math" panose="02040503050406030204" pitchFamily="18" charset="0"/>
+                            </a:rPr>
+                            <m:t>≠</m:t>
+                          </m:r>
+                          <m:r>
+                            <a:rPr lang="en-US" altLang="zh-CN" b="0" i="1" smtClean="0">
+                              <a:latin typeface="Cambria Math" panose="02040503050406030204" pitchFamily="18" charset="0"/>
+                            </a:rPr>
+                            <m:t>𝑗</m:t>
+                          </m:r>
+                        </m:sub>
+                        <m:sup/>
+                        <m:e>
+                          <m:sSub>
+                            <m:sSubPr>
+                              <m:ctrlPr>
+                                <a:rPr lang="en-US" altLang="zh-CN" b="0" i="1" smtClean="0">
+                                  <a:latin typeface="Cambria Math" panose="02040503050406030204" pitchFamily="18" charset="0"/>
+                                </a:rPr>
+                              </m:ctrlPr>
+                            </m:sSubPr>
+                            <m:e>
+                              <m:r>
+                                <a:rPr lang="en-US" altLang="zh-CN" b="0" i="1" smtClean="0">
+                                  <a:latin typeface="Cambria Math" panose="02040503050406030204" pitchFamily="18" charset="0"/>
+                                </a:rPr>
+                                <m:t>𝑎</m:t>
+                              </m:r>
+                            </m:e>
+                            <m:sub>
+                              <m:r>
+                                <a:rPr lang="en-US" altLang="zh-CN" b="0" i="1" smtClean="0">
+                                  <a:latin typeface="Cambria Math" panose="02040503050406030204" pitchFamily="18" charset="0"/>
+                                </a:rPr>
+                                <m:t>𝑖</m:t>
+                              </m:r>
+                            </m:sub>
+                          </m:sSub>
+                          <m:r>
+                            <a:rPr lang="en-US" altLang="zh-CN" b="0" i="1" smtClean="0">
+                              <a:latin typeface="Cambria Math" panose="02040503050406030204" pitchFamily="18" charset="0"/>
+                            </a:rPr>
+                            <m:t>∧</m:t>
+                          </m:r>
+                          <m:sSub>
+                            <m:sSubPr>
+                              <m:ctrlPr>
+                                <a:rPr lang="en-US" altLang="zh-CN" b="0" i="1" smtClean="0">
+                                  <a:latin typeface="Cambria Math" panose="02040503050406030204" pitchFamily="18" charset="0"/>
+                                </a:rPr>
+                              </m:ctrlPr>
+                            </m:sSubPr>
+                            <m:e>
+                              <m:r>
+                                <a:rPr lang="en-US" altLang="zh-CN" b="0" i="1" smtClean="0">
+                                  <a:latin typeface="Cambria Math" panose="02040503050406030204" pitchFamily="18" charset="0"/>
+                                </a:rPr>
+                                <m:t>𝑏</m:t>
+                              </m:r>
+                            </m:e>
+                            <m:sub>
+                              <m:r>
+                                <a:rPr lang="en-US" altLang="zh-CN" b="0" i="1" smtClean="0">
+                                  <a:latin typeface="Cambria Math" panose="02040503050406030204" pitchFamily="18" charset="0"/>
+                                </a:rPr>
+                                <m:t>𝑖</m:t>
+                              </m:r>
+                            </m:sub>
+                          </m:sSub>
+                        </m:e>
+                      </m:nary>
+                      <m:r>
+                        <a:rPr lang="en-US" altLang="zh-CN" b="0" i="1" smtClean="0">
+                          <a:latin typeface="Cambria Math" panose="02040503050406030204" pitchFamily="18" charset="0"/>
+                        </a:rPr>
+                        <m:t>)</m:t>
+                      </m:r>
+                    </m:oMath>
+                  </m:oMathPara>
+                </a14:m>
+                <a:endParaRPr lang="en-US" altLang="zh-CN" b="0" dirty="0"/>
+              </a:p>
+              <a:p>
+                <a:pPr marL="457200" lvl="1" indent="0">
+                  <a:buNone/>
+                </a:pPr>
+                <a:r>
+                  <a:rPr lang="en-US" altLang="zh-CN" dirty="0"/>
+                  <a:t>Each pair (</a:t>
+                </a:r>
+                <a14:m>
+                  <m:oMath xmlns:m="http://schemas.openxmlformats.org/officeDocument/2006/math">
+                    <m:sSub>
+                      <m:sSubPr>
+                        <m:ctrlPr>
+                          <a:rPr lang="en-US" altLang="zh-CN" b="0" i="1" smtClean="0">
+                            <a:latin typeface="Cambria Math" panose="02040503050406030204" pitchFamily="18" charset="0"/>
+                          </a:rPr>
+                        </m:ctrlPr>
+                      </m:sSubPr>
+                      <m:e>
+                        <m:r>
+                          <a:rPr lang="en-US" altLang="zh-CN" b="0" i="1" smtClean="0">
+                            <a:latin typeface="Cambria Math" panose="02040503050406030204" pitchFamily="18" charset="0"/>
+                          </a:rPr>
+                          <m:t>𝑃</m:t>
+                        </m:r>
+                      </m:e>
+                      <m:sub>
+                        <m:r>
+                          <a:rPr lang="en-US" altLang="zh-CN" b="0" i="1" smtClean="0">
+                            <a:latin typeface="Cambria Math" panose="02040503050406030204" pitchFamily="18" charset="0"/>
+                          </a:rPr>
+                          <m:t>𝑖</m:t>
+                        </m:r>
+                      </m:sub>
+                    </m:sSub>
+                    <m:r>
+                      <a:rPr lang="en-US" altLang="zh-CN" b="0" i="1" smtClean="0">
+                        <a:latin typeface="Cambria Math" panose="02040503050406030204" pitchFamily="18" charset="0"/>
+                      </a:rPr>
+                      <m:t>,</m:t>
+                    </m:r>
+                    <m:sSub>
+                      <m:sSubPr>
+                        <m:ctrlPr>
+                          <a:rPr lang="en-US" altLang="zh-CN" b="0" i="1" smtClean="0">
+                            <a:latin typeface="Cambria Math" panose="02040503050406030204" pitchFamily="18" charset="0"/>
+                          </a:rPr>
+                        </m:ctrlPr>
+                      </m:sSubPr>
+                      <m:e>
+                        <m:r>
+                          <a:rPr lang="en-US" altLang="zh-CN" b="0" i="1" smtClean="0">
+                            <a:latin typeface="Cambria Math" panose="02040503050406030204" pitchFamily="18" charset="0"/>
+                          </a:rPr>
+                          <m:t>𝑃</m:t>
+                        </m:r>
+                      </m:e>
+                      <m:sub>
+                        <m:r>
+                          <a:rPr lang="en-US" altLang="zh-CN" b="0" i="1" smtClean="0">
+                            <a:latin typeface="Cambria Math" panose="02040503050406030204" pitchFamily="18" charset="0"/>
+                          </a:rPr>
+                          <m:t>𝑗</m:t>
+                        </m:r>
+                      </m:sub>
+                    </m:sSub>
+                  </m:oMath>
+                </a14:m>
+                <a:r>
+                  <a:rPr lang="en-US" altLang="zh-CN" dirty="0"/>
+                  <a:t>) compute </a:t>
+                </a:r>
+                <a14:m>
+                  <m:oMath xmlns:m="http://schemas.openxmlformats.org/officeDocument/2006/math">
+                    <m:sSub>
+                      <m:sSubPr>
+                        <m:ctrlPr>
+                          <a:rPr lang="en-US" altLang="zh-CN" b="0" i="1" smtClean="0">
+                            <a:latin typeface="Cambria Math" panose="02040503050406030204" pitchFamily="18" charset="0"/>
+                          </a:rPr>
+                        </m:ctrlPr>
+                      </m:sSubPr>
+                      <m:e>
+                        <m:r>
+                          <a:rPr lang="en-US" altLang="zh-CN" b="0" i="1" smtClean="0">
+                            <a:latin typeface="Cambria Math" panose="02040503050406030204" pitchFamily="18" charset="0"/>
+                          </a:rPr>
+                          <m:t>𝑎</m:t>
+                        </m:r>
+                      </m:e>
+                      <m:sub>
+                        <m:r>
+                          <a:rPr lang="en-US" altLang="zh-CN" b="0" i="1" smtClean="0">
+                            <a:latin typeface="Cambria Math" panose="02040503050406030204" pitchFamily="18" charset="0"/>
+                          </a:rPr>
+                          <m:t>𝑖</m:t>
+                        </m:r>
+                      </m:sub>
+                    </m:sSub>
+                    <m:r>
+                      <a:rPr lang="en-US" altLang="zh-CN" b="0" i="1" smtClean="0">
+                        <a:latin typeface="Cambria Math" panose="02040503050406030204" pitchFamily="18" charset="0"/>
+                      </a:rPr>
+                      <m:t>∧</m:t>
+                    </m:r>
+                    <m:sSub>
+                      <m:sSubPr>
+                        <m:ctrlPr>
+                          <a:rPr lang="en-US" altLang="zh-CN" b="0" i="1" smtClean="0">
+                            <a:latin typeface="Cambria Math" panose="02040503050406030204" pitchFamily="18" charset="0"/>
+                          </a:rPr>
+                        </m:ctrlPr>
+                      </m:sSubPr>
+                      <m:e>
+                        <m:r>
+                          <a:rPr lang="en-US" altLang="zh-CN" b="0" i="1" smtClean="0">
+                            <a:latin typeface="Cambria Math" panose="02040503050406030204" pitchFamily="18" charset="0"/>
+                          </a:rPr>
+                          <m:t>𝑏</m:t>
+                        </m:r>
+                      </m:e>
+                      <m:sub>
+                        <m:r>
+                          <a:rPr lang="en-US" altLang="zh-CN" b="0" i="1" smtClean="0">
+                            <a:latin typeface="Cambria Math" panose="02040503050406030204" pitchFamily="18" charset="0"/>
+                          </a:rPr>
+                          <m:t>𝑗</m:t>
+                        </m:r>
+                      </m:sub>
+                    </m:sSub>
+                  </m:oMath>
+                </a14:m>
+                <a:r>
+                  <a:rPr lang="en-US" altLang="zh-CN" b="0" dirty="0"/>
+                  <a:t> in the 2PC GMW. </a:t>
+                </a:r>
+                <a:endParaRPr lang="en-US" altLang="zh-CN" dirty="0"/>
+              </a:p>
+              <a:p>
+                <a:pPr marL="457200" lvl="1" indent="0">
+                  <a:buNone/>
+                </a:pPr>
+                <a:r>
+                  <a:rPr lang="en-US" altLang="zh-CN" b="0" dirty="0"/>
+                  <a:t>Finally</a:t>
+                </a:r>
+                <a:r>
+                  <a:rPr lang="en-US" altLang="zh-CN" dirty="0"/>
+                  <a:t>, each player outputs the XOR of all obtained shares as the sharing of the result </a:t>
+                </a:r>
+                <a14:m>
+                  <m:oMath xmlns:m="http://schemas.openxmlformats.org/officeDocument/2006/math">
+                    <m:r>
+                      <a:rPr lang="en-US" altLang="zh-CN" b="0" i="1" smtClean="0">
+                        <a:latin typeface="Cambria Math" panose="02040503050406030204" pitchFamily="18" charset="0"/>
+                      </a:rPr>
+                      <m:t>𝑎</m:t>
+                    </m:r>
+                    <m:r>
+                      <a:rPr lang="en-US" altLang="zh-CN" b="0" i="1" smtClean="0">
+                        <a:latin typeface="Cambria Math" panose="02040503050406030204" pitchFamily="18" charset="0"/>
+                      </a:rPr>
+                      <m:t>∧</m:t>
+                    </m:r>
+                    <m:r>
+                      <a:rPr lang="en-US" altLang="zh-CN" b="0" i="1" smtClean="0">
+                        <a:latin typeface="Cambria Math" panose="02040503050406030204" pitchFamily="18" charset="0"/>
+                      </a:rPr>
+                      <m:t>𝑏</m:t>
+                    </m:r>
+                  </m:oMath>
+                </a14:m>
+                <a:endParaRPr lang="en-US" altLang="zh-CN" b="0" dirty="0"/>
+              </a:p>
+            </p:txBody>
+          </p:sp>
+        </mc:Choice>
+        <mc:Fallback>
+          <p:sp>
+            <p:nvSpPr>
+              <p:cNvPr id="4" name="内容占位符 3">
+                <a:extLst>
+                  <a:ext uri="{FF2B5EF4-FFF2-40B4-BE49-F238E27FC236}">
+                    <a16:creationId xmlns:a16="http://schemas.microsoft.com/office/drawing/2014/main" id="{D96DF796-ED10-4335-A931-D1422BE0E2A9}"/>
+                  </a:ext>
+                </a:extLst>
+              </p:cNvPr>
+              <p:cNvSpPr>
+                <a:spLocks noGrp="1" noRot="1" noChangeAspect="1" noMove="1" noResize="1" noEditPoints="1" noAdjustHandles="1" noChangeArrowheads="1" noChangeShapeType="1" noTextEdit="1"/>
+              </p:cNvSpPr>
+              <p:nvPr>
+                <p:ph idx="1"/>
+              </p:nvPr>
+            </p:nvSpPr>
+            <p:spPr>
+              <a:blipFill>
+                <a:blip r:embed="rId2"/>
+                <a:stretch>
+                  <a:fillRect l="-578" t="-720" r="-321"/>
+                </a:stretch>
+              </a:blipFill>
+            </p:spPr>
+            <p:txBody>
+              <a:bodyPr/>
+              <a:lstStyle/>
+              <a:p>
+                <a:r>
+                  <a:rPr lang="zh-CN" altLang="en-US">
+                    <a:noFill/>
+                  </a:rPr>
+                  <a:t> </a:t>
+                </a:r>
+              </a:p>
+            </p:txBody>
+          </p:sp>
+        </mc:Fallback>
+      </mc:AlternateContent>
+    </p:spTree>
+    <p:extLst>
+      <p:ext uri="{BB962C8B-B14F-4D97-AF65-F5344CB8AC3E}">
+        <p14:creationId xmlns:p14="http://schemas.microsoft.com/office/powerpoint/2010/main" val="2427643350"/>
+      </p:ext>
+    </p:extLst>
+  </p:cSld>
+  <p:clrMapOvr>
+    <a:masterClrMapping/>
+  </p:clrMapOvr>
+</p:sld>
+</file>
+
+<file path=ppt/slides/slide11.xml><?xml version="1.0" encoding="utf-8"?>
+<p:sld xmlns:a="http://schemas.openxmlformats.org/drawingml/2006/main" xmlns:r="http://schemas.openxmlformats.org/officeDocument/2006/relationships" xmlns:p="http://schemas.openxmlformats.org/presentationml/2006/main">
+  <p:cSld>
+    <p:spTree>
+      <p:nvGrpSpPr>
+        <p:cNvPr id="1" name=""/>
+        <p:cNvGrpSpPr/>
+        <p:nvPr/>
+      </p:nvGrpSpPr>
+      <p:grpSpPr>
+        <a:xfrm>
+          <a:off x="0" y="0"/>
+          <a:ext cx="0" cy="0"/>
+          <a:chOff x="0" y="0"/>
+          <a:chExt cx="0" cy="0"/>
+        </a:xfrm>
+      </p:grpSpPr>
+      <p:sp>
+        <p:nvSpPr>
+          <p:cNvPr id="2" name="标题 1">
+            <a:extLst>
+              <a:ext uri="{FF2B5EF4-FFF2-40B4-BE49-F238E27FC236}">
+                <a16:creationId xmlns:a16="http://schemas.microsoft.com/office/drawing/2014/main" id="{8BBD585B-EB0B-4B1A-9BB8-CC1DD9DFC75B}"/>
+              </a:ext>
+            </a:extLst>
+          </p:cNvPr>
+          <p:cNvSpPr>
+            <a:spLocks noGrp="1"/>
+          </p:cNvSpPr>
+          <p:nvPr>
+            <p:ph type="title"/>
+          </p:nvPr>
+        </p:nvSpPr>
+        <p:spPr/>
+        <p:txBody>
+          <a:bodyPr/>
+          <a:lstStyle/>
+          <a:p>
+            <a:r>
+              <a:rPr lang="en-US" altLang="zh-CN" dirty="0"/>
+              <a:t>OT: </a:t>
+            </a:r>
+            <a:r>
+              <a:rPr lang="en-US" altLang="zh-CN" dirty="0" err="1"/>
+              <a:t>Bellare-Micali</a:t>
+            </a:r>
+            <a:r>
+              <a:rPr lang="en-US" altLang="zh-CN" dirty="0"/>
+              <a:t> Construction</a:t>
+            </a:r>
+            <a:endParaRPr lang="zh-CN" altLang="en-US" dirty="0"/>
+          </a:p>
+        </p:txBody>
+      </p:sp>
+      <p:sp>
+        <p:nvSpPr>
+          <p:cNvPr id="3" name="内容占位符 2">
+            <a:extLst>
+              <a:ext uri="{FF2B5EF4-FFF2-40B4-BE49-F238E27FC236}">
+                <a16:creationId xmlns:a16="http://schemas.microsoft.com/office/drawing/2014/main" id="{72C73316-836E-413B-AFB0-15CA878DC13C}"/>
+              </a:ext>
+            </a:extLst>
+          </p:cNvPr>
+          <p:cNvSpPr>
+            <a:spLocks noGrp="1"/>
+          </p:cNvSpPr>
+          <p:nvPr>
+            <p:ph idx="1"/>
+          </p:nvPr>
+        </p:nvSpPr>
+        <p:spPr>
+          <a:xfrm>
+            <a:off x="1934905" y="1698365"/>
+            <a:ext cx="9980919" cy="4323894"/>
+          </a:xfrm>
+        </p:spPr>
+        <p:txBody>
+          <a:bodyPr>
+            <a:normAutofit/>
+          </a:bodyPr>
+          <a:lstStyle/>
+          <a:p>
+            <a:pPr marL="0" indent="0">
+              <a:buNone/>
+            </a:pPr>
+            <a:endParaRPr lang="en-US" altLang="zh-CN" dirty="0"/>
+          </a:p>
+          <a:p>
+            <a:pPr marL="0" indent="0">
+              <a:buNone/>
+            </a:pPr>
+            <a:endParaRPr lang="en-US" altLang="zh-CN" dirty="0"/>
+          </a:p>
+          <a:p>
+            <a:pPr marL="0" indent="0">
+              <a:buNone/>
+            </a:pPr>
+            <a:endParaRPr lang="en-US" altLang="zh-CN" dirty="0"/>
+          </a:p>
+          <a:p>
+            <a:pPr marL="0" indent="0">
+              <a:buNone/>
+            </a:pPr>
+            <a:endParaRPr lang="en-US" altLang="zh-CN" dirty="0"/>
+          </a:p>
+          <a:p>
+            <a:pPr marL="0" indent="0">
+              <a:buNone/>
+            </a:pPr>
+            <a:endParaRPr lang="en-US" altLang="zh-CN" dirty="0"/>
+          </a:p>
+          <a:p>
+            <a:pPr marL="0" indent="0">
+              <a:buNone/>
+            </a:pPr>
+            <a:endParaRPr lang="en-US" altLang="zh-CN" dirty="0"/>
+          </a:p>
+          <a:p>
+            <a:pPr marL="0" indent="0">
+              <a:buNone/>
+            </a:pPr>
+            <a:endParaRPr lang="en-US" altLang="zh-CN" dirty="0"/>
+          </a:p>
+          <a:p>
+            <a:pPr marL="0" indent="0">
+              <a:buNone/>
+            </a:pPr>
+            <a:endParaRPr lang="zh-CN" altLang="en-US" dirty="0"/>
+          </a:p>
+        </p:txBody>
+      </p:sp>
+      <p:sp>
+        <p:nvSpPr>
+          <p:cNvPr id="4" name="矩形 3">
+            <a:extLst>
+              <a:ext uri="{FF2B5EF4-FFF2-40B4-BE49-F238E27FC236}">
+                <a16:creationId xmlns:a16="http://schemas.microsoft.com/office/drawing/2014/main" id="{CF1505AC-6249-4136-AFE5-26861948BFB8}"/>
+              </a:ext>
+            </a:extLst>
+          </p:cNvPr>
+          <p:cNvSpPr/>
+          <p:nvPr/>
+        </p:nvSpPr>
+        <p:spPr>
+          <a:xfrm>
+            <a:off x="1222374" y="1698365"/>
+            <a:ext cx="10693450" cy="3011288"/>
+          </a:xfrm>
+          <a:prstGeom prst="rect">
+            <a:avLst/>
+          </a:prstGeom>
+          <a:solidFill>
+            <a:schemeClr val="bg1"/>
+          </a:solidFill>
+        </p:spPr>
+        <p:style>
+          <a:lnRef idx="2">
+            <a:schemeClr val="accent1">
+              <a:shade val="50000"/>
+            </a:schemeClr>
+          </a:lnRef>
+          <a:fillRef idx="1">
+            <a:schemeClr val="accent1"/>
+          </a:fillRef>
+          <a:effectRef idx="0">
+            <a:schemeClr val="accent1"/>
+          </a:effectRef>
+          <a:fontRef idx="minor">
+            <a:schemeClr val="lt1"/>
+          </a:fontRef>
+        </p:style>
+        <p:txBody>
+          <a:bodyPr rtlCol="0" anchor="ctr"/>
+          <a:lstStyle/>
+          <a:p>
+            <a:pPr algn="ctr"/>
+            <a:endParaRPr lang="zh-CN" altLang="en-US">
+              <a:ln w="0"/>
+              <a:solidFill>
+                <a:schemeClr val="tx1"/>
+              </a:solidFill>
+              <a:effectLst>
+                <a:outerShdw blurRad="38100" dist="19050" dir="2700000" algn="tl" rotWithShape="0">
+                  <a:schemeClr val="dk1">
+                    <a:alpha val="40000"/>
+                  </a:schemeClr>
+                </a:outerShdw>
+              </a:effectLst>
+            </a:endParaRPr>
+          </a:p>
+        </p:txBody>
+      </p:sp>
+      <mc:AlternateContent xmlns:mc="http://schemas.openxmlformats.org/markup-compatibility/2006" xmlns:a14="http://schemas.microsoft.com/office/drawing/2010/main">
+        <mc:Choice Requires="a14">
+          <p:sp>
+            <p:nvSpPr>
+              <p:cNvPr id="5" name="文本框 4">
+                <a:extLst>
+                  <a:ext uri="{FF2B5EF4-FFF2-40B4-BE49-F238E27FC236}">
+                    <a16:creationId xmlns:a16="http://schemas.microsoft.com/office/drawing/2014/main" id="{64D27C2D-FB95-485B-94CF-DA603B6C1883}"/>
+                  </a:ext>
+                </a:extLst>
+              </p:cNvPr>
+              <p:cNvSpPr txBox="1"/>
+              <p:nvPr/>
+            </p:nvSpPr>
+            <p:spPr>
+              <a:xfrm>
+                <a:off x="2525149" y="1766708"/>
+                <a:ext cx="1858296" cy="523220"/>
+              </a:xfrm>
+              <a:prstGeom prst="rect">
+                <a:avLst/>
+              </a:prstGeom>
+              <a:noFill/>
+            </p:spPr>
+            <p:txBody>
+              <a:bodyPr wrap="square" rtlCol="0">
+                <a:spAutoFit/>
+              </a:bodyPr>
+              <a:lstStyle/>
+              <a:p>
+                <a:r>
+                  <a:rPr lang="en-US" altLang="zh-CN" sz="2800" dirty="0"/>
+                  <a:t>A:</a:t>
+                </a:r>
+                <a14:m>
+                  <m:oMath xmlns:m="http://schemas.openxmlformats.org/officeDocument/2006/math">
+                    <m:sSub>
+                      <m:sSubPr>
+                        <m:ctrlPr>
+                          <a:rPr lang="en-US" altLang="zh-CN" sz="2800" b="0" i="1" smtClean="0">
+                            <a:latin typeface="Cambria Math" panose="02040503050406030204" pitchFamily="18" charset="0"/>
+                          </a:rPr>
+                        </m:ctrlPr>
+                      </m:sSubPr>
+                      <m:e>
+                        <m:r>
+                          <a:rPr lang="en-US" altLang="zh-CN" sz="2800" b="0" i="1" smtClean="0">
+                            <a:latin typeface="Cambria Math" panose="02040503050406030204" pitchFamily="18" charset="0"/>
+                          </a:rPr>
+                          <m:t>𝑚</m:t>
+                        </m:r>
+                      </m:e>
+                      <m:sub>
+                        <m:r>
+                          <a:rPr lang="en-US" altLang="zh-CN" sz="2800" b="0" i="1" smtClean="0">
+                            <a:latin typeface="Cambria Math" panose="02040503050406030204" pitchFamily="18" charset="0"/>
+                          </a:rPr>
+                          <m:t>0</m:t>
+                        </m:r>
+                      </m:sub>
+                    </m:sSub>
+                    <m:r>
+                      <a:rPr lang="en-US" altLang="zh-CN" sz="2800" b="0" i="1" smtClean="0">
+                        <a:latin typeface="Cambria Math" panose="02040503050406030204" pitchFamily="18" charset="0"/>
+                      </a:rPr>
+                      <m:t>,</m:t>
+                    </m:r>
+                    <m:sSub>
+                      <m:sSubPr>
+                        <m:ctrlPr>
+                          <a:rPr lang="en-US" altLang="zh-CN" sz="2800" b="0" i="1" smtClean="0">
+                            <a:latin typeface="Cambria Math" panose="02040503050406030204" pitchFamily="18" charset="0"/>
+                          </a:rPr>
+                        </m:ctrlPr>
+                      </m:sSubPr>
+                      <m:e>
+                        <m:r>
+                          <a:rPr lang="en-US" altLang="zh-CN" sz="2800" b="0" i="1" smtClean="0">
+                            <a:latin typeface="Cambria Math" panose="02040503050406030204" pitchFamily="18" charset="0"/>
+                          </a:rPr>
+                          <m:t>𝑚</m:t>
+                        </m:r>
+                      </m:e>
+                      <m:sub>
+                        <m:r>
+                          <a:rPr lang="en-US" altLang="zh-CN" sz="2800" b="0" i="1" smtClean="0">
+                            <a:latin typeface="Cambria Math" panose="02040503050406030204" pitchFamily="18" charset="0"/>
+                          </a:rPr>
+                          <m:t>1</m:t>
+                        </m:r>
+                      </m:sub>
+                    </m:sSub>
+                  </m:oMath>
+                </a14:m>
+                <a:endParaRPr lang="zh-CN" altLang="en-US" sz="2800" dirty="0"/>
+              </a:p>
+            </p:txBody>
+          </p:sp>
+        </mc:Choice>
+        <mc:Fallback xmlns="">
+          <p:sp>
+            <p:nvSpPr>
+              <p:cNvPr id="5" name="文本框 4">
+                <a:extLst>
+                  <a:ext uri="{FF2B5EF4-FFF2-40B4-BE49-F238E27FC236}">
+                    <a16:creationId xmlns:a16="http://schemas.microsoft.com/office/drawing/2014/main" id="{64D27C2D-FB95-485B-94CF-DA603B6C1883}"/>
+                  </a:ext>
+                </a:extLst>
+              </p:cNvPr>
+              <p:cNvSpPr txBox="1">
+                <a:spLocks noRot="1" noChangeAspect="1" noMove="1" noResize="1" noEditPoints="1" noAdjustHandles="1" noChangeArrowheads="1" noChangeShapeType="1" noTextEdit="1"/>
+              </p:cNvSpPr>
+              <p:nvPr/>
+            </p:nvSpPr>
+            <p:spPr>
+              <a:xfrm>
+                <a:off x="2525149" y="1766708"/>
+                <a:ext cx="1858296" cy="523220"/>
+              </a:xfrm>
+              <a:prstGeom prst="rect">
+                <a:avLst/>
+              </a:prstGeom>
+              <a:blipFill>
+                <a:blip r:embed="rId3"/>
+                <a:stretch>
+                  <a:fillRect l="-6557" t="-12791" b="-31395"/>
+                </a:stretch>
+              </a:blipFill>
+            </p:spPr>
+            <p:txBody>
+              <a:bodyPr/>
+              <a:lstStyle/>
+              <a:p>
+                <a:r>
+                  <a:rPr lang="zh-CN" altLang="en-US">
+                    <a:noFill/>
+                  </a:rPr>
+                  <a:t> </a:t>
+                </a:r>
+              </a:p>
+            </p:txBody>
+          </p:sp>
+        </mc:Fallback>
+      </mc:AlternateContent>
+      <mc:AlternateContent xmlns:mc="http://schemas.openxmlformats.org/markup-compatibility/2006" xmlns:a14="http://schemas.microsoft.com/office/drawing/2010/main">
+        <mc:Choice Requires="a14">
+          <p:sp>
+            <p:nvSpPr>
+              <p:cNvPr id="6" name="文本框 5">
+                <a:extLst>
+                  <a:ext uri="{FF2B5EF4-FFF2-40B4-BE49-F238E27FC236}">
+                    <a16:creationId xmlns:a16="http://schemas.microsoft.com/office/drawing/2014/main" id="{74454E24-639A-4357-A5F2-004A3A5566D8}"/>
+                  </a:ext>
+                </a:extLst>
+              </p:cNvPr>
+              <p:cNvSpPr txBox="1"/>
+              <p:nvPr/>
+            </p:nvSpPr>
+            <p:spPr>
+              <a:xfrm>
+                <a:off x="9876501" y="1802267"/>
+                <a:ext cx="1971367" cy="523220"/>
+              </a:xfrm>
+              <a:prstGeom prst="rect">
+                <a:avLst/>
+              </a:prstGeom>
+              <a:noFill/>
+            </p:spPr>
+            <p:txBody>
+              <a:bodyPr wrap="square" rtlCol="0">
+                <a:spAutoFit/>
+              </a:bodyPr>
+              <a:lstStyle/>
+              <a:p>
+                <a:r>
+                  <a:rPr lang="en-US" altLang="zh-CN" sz="2800" dirty="0"/>
+                  <a:t>B</a:t>
+                </a:r>
+                <a14:m>
+                  <m:oMath xmlns:m="http://schemas.openxmlformats.org/officeDocument/2006/math">
+                    <m:r>
+                      <a:rPr lang="en-US" altLang="zh-CN" sz="2800" b="0" i="0" smtClean="0">
+                        <a:latin typeface="Cambria Math" panose="02040503050406030204" pitchFamily="18" charset="0"/>
+                      </a:rPr>
+                      <m:t>:</m:t>
+                    </m:r>
+                    <m:r>
+                      <a:rPr lang="en-US" altLang="zh-CN" sz="2800" b="0" i="1" smtClean="0">
+                        <a:latin typeface="Cambria Math" panose="02040503050406030204" pitchFamily="18" charset="0"/>
+                      </a:rPr>
+                      <m:t>𝑉</m:t>
+                    </m:r>
+                    <m:r>
+                      <a:rPr lang="en-US" altLang="zh-CN" sz="2800" b="0" i="1" smtClean="0">
+                        <a:latin typeface="Cambria Math" panose="02040503050406030204" pitchFamily="18" charset="0"/>
+                      </a:rPr>
+                      <m:t>∈{0,1}</m:t>
+                    </m:r>
+                  </m:oMath>
+                </a14:m>
+                <a:endParaRPr lang="zh-CN" altLang="en-US" sz="2800" dirty="0"/>
+              </a:p>
+            </p:txBody>
+          </p:sp>
+        </mc:Choice>
+        <mc:Fallback xmlns="">
+          <p:sp>
+            <p:nvSpPr>
+              <p:cNvPr id="6" name="文本框 5">
+                <a:extLst>
+                  <a:ext uri="{FF2B5EF4-FFF2-40B4-BE49-F238E27FC236}">
+                    <a16:creationId xmlns:a16="http://schemas.microsoft.com/office/drawing/2014/main" id="{74454E24-639A-4357-A5F2-004A3A5566D8}"/>
+                  </a:ext>
+                </a:extLst>
+              </p:cNvPr>
+              <p:cNvSpPr txBox="1">
+                <a:spLocks noRot="1" noChangeAspect="1" noMove="1" noResize="1" noEditPoints="1" noAdjustHandles="1" noChangeArrowheads="1" noChangeShapeType="1" noTextEdit="1"/>
+              </p:cNvSpPr>
+              <p:nvPr/>
+            </p:nvSpPr>
+            <p:spPr>
+              <a:xfrm>
+                <a:off x="9876501" y="1802267"/>
+                <a:ext cx="1971367" cy="523220"/>
+              </a:xfrm>
+              <a:prstGeom prst="rect">
+                <a:avLst/>
+              </a:prstGeom>
+              <a:blipFill>
+                <a:blip r:embed="rId4"/>
+                <a:stretch>
+                  <a:fillRect l="-6173" t="-12941" b="-32941"/>
+                </a:stretch>
+              </a:blipFill>
+            </p:spPr>
+            <p:txBody>
+              <a:bodyPr/>
+              <a:lstStyle/>
+              <a:p>
+                <a:r>
+                  <a:rPr lang="zh-CN" altLang="en-US">
+                    <a:noFill/>
+                  </a:rPr>
+                  <a:t> </a:t>
+                </a:r>
+              </a:p>
+            </p:txBody>
+          </p:sp>
+        </mc:Fallback>
+      </mc:AlternateContent>
+      <p:cxnSp>
+        <p:nvCxnSpPr>
+          <p:cNvPr id="8" name="直接箭头连接符 7">
+            <a:extLst>
+              <a:ext uri="{FF2B5EF4-FFF2-40B4-BE49-F238E27FC236}">
+                <a16:creationId xmlns:a16="http://schemas.microsoft.com/office/drawing/2014/main" id="{4286D1FF-D4B2-4234-B459-DBA2ED0667C0}"/>
+              </a:ext>
+            </a:extLst>
+          </p:cNvPr>
+          <p:cNvCxnSpPr>
+            <a:cxnSpLocks/>
+          </p:cNvCxnSpPr>
+          <p:nvPr/>
+        </p:nvCxnSpPr>
+        <p:spPr>
+          <a:xfrm flipH="1">
+            <a:off x="5052040" y="2969777"/>
+            <a:ext cx="4498257" cy="0"/>
+          </a:xfrm>
+          <a:prstGeom prst="straightConnector1">
+            <a:avLst/>
+          </a:prstGeom>
+          <a:ln>
+            <a:tailEnd type="triangle"/>
+          </a:ln>
+        </p:spPr>
+        <p:style>
+          <a:lnRef idx="1">
+            <a:schemeClr val="accent1"/>
+          </a:lnRef>
+          <a:fillRef idx="0">
+            <a:schemeClr val="accent1"/>
+          </a:fillRef>
+          <a:effectRef idx="0">
+            <a:schemeClr val="accent1"/>
+          </a:effectRef>
+          <a:fontRef idx="minor">
+            <a:schemeClr val="tx1"/>
+          </a:fontRef>
+        </p:style>
+      </p:cxnSp>
+      <mc:AlternateContent xmlns:mc="http://schemas.openxmlformats.org/markup-compatibility/2006" xmlns:a14="http://schemas.microsoft.com/office/drawing/2010/main">
+        <mc:Choice Requires="a14">
+          <p:sp>
+            <p:nvSpPr>
+              <p:cNvPr id="9" name="文本框 8">
+                <a:extLst>
+                  <a:ext uri="{FF2B5EF4-FFF2-40B4-BE49-F238E27FC236}">
+                    <a16:creationId xmlns:a16="http://schemas.microsoft.com/office/drawing/2014/main" id="{E3B05D77-D3D8-4117-8265-2E5513DF95C0}"/>
+                  </a:ext>
+                </a:extLst>
+              </p:cNvPr>
+              <p:cNvSpPr txBox="1"/>
+              <p:nvPr/>
+            </p:nvSpPr>
+            <p:spPr>
+              <a:xfrm>
+                <a:off x="5237022" y="2474122"/>
+                <a:ext cx="4090219" cy="374270"/>
+              </a:xfrm>
+              <a:prstGeom prst="rect">
+                <a:avLst/>
+              </a:prstGeom>
+              <a:noFill/>
+            </p:spPr>
+            <p:txBody>
+              <a:bodyPr wrap="square" rtlCol="0">
+                <a:spAutoFit/>
+              </a:bodyPr>
+              <a:lstStyle/>
+              <a:p>
+                <a:pPr/>
+                <a14:m>
+                  <m:oMathPara xmlns:m="http://schemas.openxmlformats.org/officeDocument/2006/math">
+                    <m:oMathParaPr>
+                      <m:jc m:val="centerGroup"/>
+                    </m:oMathParaPr>
+                    <m:oMath xmlns:m="http://schemas.openxmlformats.org/officeDocument/2006/math">
+                      <m:r>
+                        <a:rPr lang="en-US" altLang="zh-CN" b="0" i="1" smtClean="0">
+                          <a:latin typeface="Cambria Math" panose="02040503050406030204" pitchFamily="18" charset="0"/>
+                        </a:rPr>
+                        <m:t>(</m:t>
+                      </m:r>
+                      <m:r>
+                        <a:rPr lang="en-US" altLang="zh-CN" b="0" i="1" smtClean="0">
+                          <a:latin typeface="Cambria Math" panose="02040503050406030204" pitchFamily="18" charset="0"/>
+                        </a:rPr>
+                        <m:t>𝑃</m:t>
+                      </m:r>
+                      <m:sSub>
+                        <m:sSubPr>
+                          <m:ctrlPr>
+                            <a:rPr lang="en-US" altLang="zh-CN" b="0" i="1" smtClean="0">
+                              <a:latin typeface="Cambria Math" panose="02040503050406030204" pitchFamily="18" charset="0"/>
+                            </a:rPr>
+                          </m:ctrlPr>
+                        </m:sSubPr>
+                        <m:e>
+                          <m:r>
+                            <a:rPr lang="en-US" altLang="zh-CN" b="0" i="1" smtClean="0">
+                              <a:latin typeface="Cambria Math" panose="02040503050406030204" pitchFamily="18" charset="0"/>
+                            </a:rPr>
+                            <m:t>𝐾</m:t>
+                          </m:r>
+                        </m:e>
+                        <m:sub>
+                          <m:r>
+                            <a:rPr lang="en-US" altLang="zh-CN" b="0" i="1" smtClean="0">
+                              <a:latin typeface="Cambria Math" panose="02040503050406030204" pitchFamily="18" charset="0"/>
+                            </a:rPr>
+                            <m:t>0</m:t>
+                          </m:r>
+                        </m:sub>
+                      </m:sSub>
+                      <m:r>
+                        <a:rPr lang="en-US" altLang="zh-CN" b="0" i="1" smtClean="0">
+                          <a:latin typeface="Cambria Math" panose="02040503050406030204" pitchFamily="18" charset="0"/>
+                        </a:rPr>
+                        <m:t>,</m:t>
+                      </m:r>
+                      <m:r>
+                        <a:rPr lang="en-US" altLang="zh-CN" b="0" i="1" smtClean="0">
+                          <a:latin typeface="Cambria Math" panose="02040503050406030204" pitchFamily="18" charset="0"/>
+                        </a:rPr>
+                        <m:t>𝑃</m:t>
+                      </m:r>
+                      <m:sSub>
+                        <m:sSubPr>
+                          <m:ctrlPr>
+                            <a:rPr lang="en-US" altLang="zh-CN" b="0" i="1" smtClean="0">
+                              <a:latin typeface="Cambria Math" panose="02040503050406030204" pitchFamily="18" charset="0"/>
+                            </a:rPr>
+                          </m:ctrlPr>
+                        </m:sSubPr>
+                        <m:e>
+                          <m:r>
+                            <a:rPr lang="en-US" altLang="zh-CN" b="0" i="1" smtClean="0">
+                              <a:latin typeface="Cambria Math" panose="02040503050406030204" pitchFamily="18" charset="0"/>
+                            </a:rPr>
+                            <m:t>𝐾</m:t>
+                          </m:r>
+                        </m:e>
+                        <m:sub>
+                          <m:r>
+                            <a:rPr lang="en-US" altLang="zh-CN" b="0" i="1" smtClean="0">
+                              <a:latin typeface="Cambria Math" panose="02040503050406030204" pitchFamily="18" charset="0"/>
+                            </a:rPr>
+                            <m:t>1</m:t>
+                          </m:r>
+                        </m:sub>
+                      </m:sSub>
+                      <m:r>
+                        <a:rPr lang="en-US" altLang="zh-CN" b="0" i="1" smtClean="0">
+                          <a:latin typeface="Cambria Math" panose="02040503050406030204" pitchFamily="18" charset="0"/>
+                        </a:rPr>
+                        <m:t>)</m:t>
+                      </m:r>
+                    </m:oMath>
+                  </m:oMathPara>
+                </a14:m>
+                <a:endParaRPr lang="zh-CN" altLang="en-US" dirty="0"/>
+              </a:p>
+            </p:txBody>
+          </p:sp>
+        </mc:Choice>
+        <mc:Fallback xmlns="">
+          <p:sp>
+            <p:nvSpPr>
+              <p:cNvPr id="9" name="文本框 8">
+                <a:extLst>
+                  <a:ext uri="{FF2B5EF4-FFF2-40B4-BE49-F238E27FC236}">
+                    <a16:creationId xmlns:a16="http://schemas.microsoft.com/office/drawing/2014/main" id="{E3B05D77-D3D8-4117-8265-2E5513DF95C0}"/>
+                  </a:ext>
+                </a:extLst>
+              </p:cNvPr>
+              <p:cNvSpPr txBox="1">
+                <a:spLocks noRot="1" noChangeAspect="1" noMove="1" noResize="1" noEditPoints="1" noAdjustHandles="1" noChangeArrowheads="1" noChangeShapeType="1" noTextEdit="1"/>
+              </p:cNvSpPr>
+              <p:nvPr/>
+            </p:nvSpPr>
+            <p:spPr>
+              <a:xfrm>
+                <a:off x="5237022" y="2474122"/>
+                <a:ext cx="4090219" cy="374270"/>
+              </a:xfrm>
+              <a:prstGeom prst="rect">
+                <a:avLst/>
+              </a:prstGeom>
+              <a:blipFill>
+                <a:blip r:embed="rId5"/>
+                <a:stretch>
+                  <a:fillRect b="-14754"/>
+                </a:stretch>
+              </a:blipFill>
+            </p:spPr>
+            <p:txBody>
+              <a:bodyPr/>
+              <a:lstStyle/>
+              <a:p>
+                <a:r>
+                  <a:rPr lang="zh-CN" altLang="en-US">
+                    <a:noFill/>
+                  </a:rPr>
+                  <a:t> </a:t>
+                </a:r>
+              </a:p>
+            </p:txBody>
+          </p:sp>
+        </mc:Fallback>
+      </mc:AlternateContent>
+      <mc:AlternateContent xmlns:mc="http://schemas.openxmlformats.org/markup-compatibility/2006" xmlns:a14="http://schemas.microsoft.com/office/drawing/2010/main">
+        <mc:Choice Requires="a14">
+          <p:sp>
+            <p:nvSpPr>
+              <p:cNvPr id="11" name="文本框 10">
+                <a:extLst>
+                  <a:ext uri="{FF2B5EF4-FFF2-40B4-BE49-F238E27FC236}">
+                    <a16:creationId xmlns:a16="http://schemas.microsoft.com/office/drawing/2014/main" id="{90E389F1-5AB2-4E58-B8A3-A0604E0BAEB0}"/>
+                  </a:ext>
+                </a:extLst>
+              </p:cNvPr>
+              <p:cNvSpPr txBox="1"/>
+              <p:nvPr/>
+            </p:nvSpPr>
+            <p:spPr>
+              <a:xfrm>
+                <a:off x="2351342" y="2501956"/>
+                <a:ext cx="2032103" cy="369332"/>
+              </a:xfrm>
+              <a:prstGeom prst="rect">
+                <a:avLst/>
+              </a:prstGeom>
+              <a:noFill/>
+            </p:spPr>
+            <p:txBody>
+              <a:bodyPr wrap="square" rtlCol="0">
+                <a:spAutoFit/>
+              </a:bodyPr>
+              <a:lstStyle/>
+              <a:p>
+                <a:r>
+                  <a:rPr lang="en-US" altLang="zh-CN" dirty="0"/>
+                  <a:t>A random </a:t>
+                </a:r>
+                <a14:m>
+                  <m:oMath xmlns:m="http://schemas.openxmlformats.org/officeDocument/2006/math">
+                    <m:r>
+                      <a:rPr lang="en-US" altLang="zh-CN" b="0" i="1" smtClean="0">
+                        <a:latin typeface="Cambria Math" panose="02040503050406030204" pitchFamily="18" charset="0"/>
+                      </a:rPr>
+                      <m:t>𝑐</m:t>
+                    </m:r>
+                    <m:r>
+                      <a:rPr lang="en-US" altLang="zh-CN" b="0" i="1" smtClean="0">
+                        <a:latin typeface="Cambria Math" panose="02040503050406030204" pitchFamily="18" charset="0"/>
+                      </a:rPr>
+                      <m:t>←</m:t>
+                    </m:r>
+                    <m:r>
+                      <a:rPr lang="en-US" altLang="zh-CN" b="0" i="1" smtClean="0">
+                        <a:latin typeface="Cambria Math" panose="02040503050406030204" pitchFamily="18" charset="0"/>
+                      </a:rPr>
+                      <m:t>𝐺</m:t>
+                    </m:r>
+                  </m:oMath>
+                </a14:m>
+                <a:endParaRPr lang="en-US" altLang="zh-CN" dirty="0"/>
+              </a:p>
+            </p:txBody>
+          </p:sp>
+        </mc:Choice>
+        <mc:Fallback xmlns="">
+          <p:sp>
+            <p:nvSpPr>
+              <p:cNvPr id="11" name="文本框 10">
+                <a:extLst>
+                  <a:ext uri="{FF2B5EF4-FFF2-40B4-BE49-F238E27FC236}">
+                    <a16:creationId xmlns:a16="http://schemas.microsoft.com/office/drawing/2014/main" id="{90E389F1-5AB2-4E58-B8A3-A0604E0BAEB0}"/>
+                  </a:ext>
+                </a:extLst>
+              </p:cNvPr>
+              <p:cNvSpPr txBox="1">
+                <a:spLocks noRot="1" noChangeAspect="1" noMove="1" noResize="1" noEditPoints="1" noAdjustHandles="1" noChangeArrowheads="1" noChangeShapeType="1" noTextEdit="1"/>
+              </p:cNvSpPr>
+              <p:nvPr/>
+            </p:nvSpPr>
+            <p:spPr>
+              <a:xfrm>
+                <a:off x="2351342" y="2501956"/>
+                <a:ext cx="2032103" cy="369332"/>
+              </a:xfrm>
+              <a:prstGeom prst="rect">
+                <a:avLst/>
+              </a:prstGeom>
+              <a:blipFill>
+                <a:blip r:embed="rId6"/>
+                <a:stretch>
+                  <a:fillRect l="-2703" t="-8197" b="-24590"/>
+                </a:stretch>
+              </a:blipFill>
+            </p:spPr>
+            <p:txBody>
+              <a:bodyPr/>
+              <a:lstStyle/>
+              <a:p>
+                <a:r>
+                  <a:rPr lang="zh-CN" altLang="en-US">
+                    <a:noFill/>
+                  </a:rPr>
+                  <a:t> </a:t>
+                </a:r>
+              </a:p>
+            </p:txBody>
+          </p:sp>
+        </mc:Fallback>
+      </mc:AlternateContent>
+      <p:cxnSp>
+        <p:nvCxnSpPr>
+          <p:cNvPr id="13" name="直接箭头连接符 12">
+            <a:extLst>
+              <a:ext uri="{FF2B5EF4-FFF2-40B4-BE49-F238E27FC236}">
+                <a16:creationId xmlns:a16="http://schemas.microsoft.com/office/drawing/2014/main" id="{73EBFEC9-5F16-4B55-A1CF-F0565020286D}"/>
+              </a:ext>
+            </a:extLst>
+          </p:cNvPr>
+          <p:cNvCxnSpPr>
+            <a:cxnSpLocks/>
+          </p:cNvCxnSpPr>
+          <p:nvPr/>
+        </p:nvCxnSpPr>
+        <p:spPr>
+          <a:xfrm>
+            <a:off x="5105156" y="3784184"/>
+            <a:ext cx="4558212" cy="0"/>
+          </a:xfrm>
+          <a:prstGeom prst="straightConnector1">
+            <a:avLst/>
+          </a:prstGeom>
+          <a:ln>
+            <a:tailEnd type="triangle"/>
+          </a:ln>
+        </p:spPr>
+        <p:style>
+          <a:lnRef idx="1">
+            <a:schemeClr val="accent1"/>
+          </a:lnRef>
+          <a:fillRef idx="0">
+            <a:schemeClr val="accent1"/>
+          </a:fillRef>
+          <a:effectRef idx="0">
+            <a:schemeClr val="accent1"/>
+          </a:effectRef>
+          <a:fontRef idx="minor">
+            <a:schemeClr val="tx1"/>
+          </a:fontRef>
+        </p:style>
+      </p:cxnSp>
+      <mc:AlternateContent xmlns:mc="http://schemas.openxmlformats.org/markup-compatibility/2006" xmlns:a14="http://schemas.microsoft.com/office/drawing/2010/main">
+        <mc:Choice Requires="a14">
+          <p:sp>
+            <p:nvSpPr>
+              <p:cNvPr id="14" name="文本框 13">
+                <a:extLst>
+                  <a:ext uri="{FF2B5EF4-FFF2-40B4-BE49-F238E27FC236}">
+                    <a16:creationId xmlns:a16="http://schemas.microsoft.com/office/drawing/2014/main" id="{A92DD68B-CA2A-41D4-B729-A97DAA860610}"/>
+                  </a:ext>
+                </a:extLst>
+              </p:cNvPr>
+              <p:cNvSpPr txBox="1"/>
+              <p:nvPr/>
+            </p:nvSpPr>
+            <p:spPr>
+              <a:xfrm>
+                <a:off x="5301737" y="3295894"/>
+                <a:ext cx="4090219" cy="369332"/>
+              </a:xfrm>
+              <a:prstGeom prst="rect">
+                <a:avLst/>
+              </a:prstGeom>
+              <a:noFill/>
+            </p:spPr>
+            <p:txBody>
+              <a:bodyPr wrap="square" rtlCol="0">
+                <a:spAutoFit/>
+              </a:bodyPr>
+              <a:lstStyle/>
+              <a:p>
+                <a:pPr/>
+                <a14:m>
+                  <m:oMathPara xmlns:m="http://schemas.openxmlformats.org/officeDocument/2006/math">
+                    <m:oMathParaPr>
+                      <m:jc m:val="centerGroup"/>
+                    </m:oMathParaPr>
+                    <m:oMath xmlns:m="http://schemas.openxmlformats.org/officeDocument/2006/math">
+                      <m:sSub>
+                        <m:sSubPr>
+                          <m:ctrlPr>
+                            <a:rPr lang="en-US" altLang="zh-CN" b="0" i="1" smtClean="0">
+                              <a:latin typeface="Cambria Math" panose="02040503050406030204" pitchFamily="18" charset="0"/>
+                            </a:rPr>
+                          </m:ctrlPr>
+                        </m:sSubPr>
+                        <m:e>
+                          <m:r>
+                            <a:rPr lang="en-US" altLang="zh-CN" b="0" i="1" smtClean="0">
+                              <a:latin typeface="Cambria Math" panose="02040503050406030204" pitchFamily="18" charset="0"/>
+                            </a:rPr>
+                            <m:t>𝐶</m:t>
+                          </m:r>
+                        </m:e>
+                        <m:sub>
+                          <m:r>
+                            <a:rPr lang="en-US" altLang="zh-CN" b="0" i="1" smtClean="0">
+                              <a:latin typeface="Cambria Math" panose="02040503050406030204" pitchFamily="18" charset="0"/>
+                            </a:rPr>
+                            <m:t>0</m:t>
+                          </m:r>
+                        </m:sub>
+                      </m:sSub>
+                      <m:r>
+                        <a:rPr lang="en-US" altLang="zh-CN" b="0" i="1" smtClean="0">
+                          <a:latin typeface="Cambria Math" panose="02040503050406030204" pitchFamily="18" charset="0"/>
+                        </a:rPr>
+                        <m:t>,</m:t>
+                      </m:r>
+                      <m:sSub>
+                        <m:sSubPr>
+                          <m:ctrlPr>
+                            <a:rPr lang="en-US" altLang="zh-CN" b="0" i="1" smtClean="0">
+                              <a:latin typeface="Cambria Math" panose="02040503050406030204" pitchFamily="18" charset="0"/>
+                            </a:rPr>
+                          </m:ctrlPr>
+                        </m:sSubPr>
+                        <m:e>
+                          <m:r>
+                            <a:rPr lang="en-US" altLang="zh-CN" b="0" i="1" smtClean="0">
+                              <a:latin typeface="Cambria Math" panose="02040503050406030204" pitchFamily="18" charset="0"/>
+                            </a:rPr>
+                            <m:t>𝐶</m:t>
+                          </m:r>
+                        </m:e>
+                        <m:sub>
+                          <m:r>
+                            <a:rPr lang="en-US" altLang="zh-CN" b="0" i="1" smtClean="0">
+                              <a:latin typeface="Cambria Math" panose="02040503050406030204" pitchFamily="18" charset="0"/>
+                            </a:rPr>
+                            <m:t>1</m:t>
+                          </m:r>
+                        </m:sub>
+                      </m:sSub>
+                    </m:oMath>
+                  </m:oMathPara>
+                </a14:m>
+                <a:endParaRPr lang="zh-CN" altLang="en-US" dirty="0"/>
+              </a:p>
+            </p:txBody>
+          </p:sp>
+        </mc:Choice>
+        <mc:Fallback xmlns="">
+          <p:sp>
+            <p:nvSpPr>
+              <p:cNvPr id="14" name="文本框 13">
+                <a:extLst>
+                  <a:ext uri="{FF2B5EF4-FFF2-40B4-BE49-F238E27FC236}">
+                    <a16:creationId xmlns:a16="http://schemas.microsoft.com/office/drawing/2014/main" id="{A92DD68B-CA2A-41D4-B729-A97DAA860610}"/>
+                  </a:ext>
+                </a:extLst>
+              </p:cNvPr>
+              <p:cNvSpPr txBox="1">
+                <a:spLocks noRot="1" noChangeAspect="1" noMove="1" noResize="1" noEditPoints="1" noAdjustHandles="1" noChangeArrowheads="1" noChangeShapeType="1" noTextEdit="1"/>
+              </p:cNvSpPr>
+              <p:nvPr/>
+            </p:nvSpPr>
+            <p:spPr>
+              <a:xfrm>
+                <a:off x="5301737" y="3295894"/>
+                <a:ext cx="4090219" cy="369332"/>
+              </a:xfrm>
+              <a:prstGeom prst="rect">
+                <a:avLst/>
+              </a:prstGeom>
+              <a:blipFill>
+                <a:blip r:embed="rId7"/>
+                <a:stretch>
+                  <a:fillRect b="-3333"/>
+                </a:stretch>
+              </a:blipFill>
+            </p:spPr>
+            <p:txBody>
+              <a:bodyPr/>
+              <a:lstStyle/>
+              <a:p>
+                <a:r>
+                  <a:rPr lang="zh-CN" altLang="en-US">
+                    <a:noFill/>
+                  </a:rPr>
+                  <a:t> </a:t>
+                </a:r>
+              </a:p>
+            </p:txBody>
+          </p:sp>
+        </mc:Fallback>
+      </mc:AlternateContent>
+      <mc:AlternateContent xmlns:mc="http://schemas.openxmlformats.org/markup-compatibility/2006" xmlns:a14="http://schemas.microsoft.com/office/drawing/2010/main">
+        <mc:Choice Requires="a14">
+          <p:sp>
+            <p:nvSpPr>
+              <p:cNvPr id="16" name="文本框 15">
+                <a:extLst>
+                  <a:ext uri="{FF2B5EF4-FFF2-40B4-BE49-F238E27FC236}">
+                    <a16:creationId xmlns:a16="http://schemas.microsoft.com/office/drawing/2014/main" id="{A829CF22-B340-4B9B-9898-7054E2CADB39}"/>
+                  </a:ext>
+                </a:extLst>
+              </p:cNvPr>
+              <p:cNvSpPr txBox="1"/>
+              <p:nvPr/>
+            </p:nvSpPr>
+            <p:spPr>
+              <a:xfrm>
+                <a:off x="10021372" y="3665226"/>
+                <a:ext cx="1519085" cy="646331"/>
+              </a:xfrm>
+              <a:prstGeom prst="rect">
+                <a:avLst/>
+              </a:prstGeom>
+              <a:noFill/>
+            </p:spPr>
+            <p:txBody>
+              <a:bodyPr wrap="square" rtlCol="0">
+                <a:spAutoFit/>
+              </a:bodyPr>
+              <a:lstStyle/>
+              <a:p>
+                <a:r>
+                  <a:rPr lang="en-US" altLang="zh-CN" dirty="0"/>
+                  <a:t>Decrypt </a:t>
+                </a:r>
+                <a14:m>
+                  <m:oMath xmlns:m="http://schemas.openxmlformats.org/officeDocument/2006/math">
+                    <m:sSub>
+                      <m:sSubPr>
+                        <m:ctrlPr>
+                          <a:rPr lang="en-US" altLang="zh-CN" b="0" i="1" smtClean="0">
+                            <a:latin typeface="Cambria Math" panose="02040503050406030204" pitchFamily="18" charset="0"/>
+                          </a:rPr>
+                        </m:ctrlPr>
+                      </m:sSubPr>
+                      <m:e>
+                        <m:r>
+                          <a:rPr lang="en-US" altLang="zh-CN" b="0" i="1" smtClean="0">
+                            <a:latin typeface="Cambria Math" panose="02040503050406030204" pitchFamily="18" charset="0"/>
+                          </a:rPr>
+                          <m:t>𝐶</m:t>
+                        </m:r>
+                      </m:e>
+                      <m:sub>
+                        <m:r>
+                          <a:rPr lang="en-US" altLang="zh-CN" b="0" i="1" smtClean="0">
+                            <a:latin typeface="Cambria Math" panose="02040503050406030204" pitchFamily="18" charset="0"/>
+                          </a:rPr>
+                          <m:t>𝑏</m:t>
+                        </m:r>
+                      </m:sub>
+                    </m:sSub>
+                  </m:oMath>
+                </a14:m>
+                <a:r>
+                  <a:rPr lang="en-US" altLang="zh-CN" dirty="0"/>
+                  <a:t>,using </a:t>
+                </a:r>
+                <a14:m>
+                  <m:oMath xmlns:m="http://schemas.openxmlformats.org/officeDocument/2006/math">
+                    <m:r>
+                      <a:rPr lang="en-US" altLang="zh-CN" b="0" i="1" smtClean="0">
+                        <a:latin typeface="Cambria Math" panose="02040503050406030204" pitchFamily="18" charset="0"/>
+                      </a:rPr>
+                      <m:t>𝑘</m:t>
+                    </m:r>
+                  </m:oMath>
+                </a14:m>
+                <a:r>
+                  <a:rPr lang="zh-CN" altLang="en-US" dirty="0"/>
+                  <a:t> </a:t>
+                </a:r>
+              </a:p>
+            </p:txBody>
+          </p:sp>
+        </mc:Choice>
+        <mc:Fallback xmlns="">
+          <p:sp>
+            <p:nvSpPr>
+              <p:cNvPr id="16" name="文本框 15">
+                <a:extLst>
+                  <a:ext uri="{FF2B5EF4-FFF2-40B4-BE49-F238E27FC236}">
+                    <a16:creationId xmlns:a16="http://schemas.microsoft.com/office/drawing/2014/main" id="{A829CF22-B340-4B9B-9898-7054E2CADB39}"/>
+                  </a:ext>
+                </a:extLst>
+              </p:cNvPr>
+              <p:cNvSpPr txBox="1">
+                <a:spLocks noRot="1" noChangeAspect="1" noMove="1" noResize="1" noEditPoints="1" noAdjustHandles="1" noChangeArrowheads="1" noChangeShapeType="1" noTextEdit="1"/>
+              </p:cNvSpPr>
+              <p:nvPr/>
+            </p:nvSpPr>
+            <p:spPr>
+              <a:xfrm>
+                <a:off x="10021372" y="3665226"/>
+                <a:ext cx="1519085" cy="646331"/>
+              </a:xfrm>
+              <a:prstGeom prst="rect">
+                <a:avLst/>
+              </a:prstGeom>
+              <a:blipFill>
+                <a:blip r:embed="rId8"/>
+                <a:stretch>
+                  <a:fillRect l="-3614" t="-4717" b="-14151"/>
+                </a:stretch>
+              </a:blipFill>
+            </p:spPr>
+            <p:txBody>
+              <a:bodyPr/>
+              <a:lstStyle/>
+              <a:p>
+                <a:r>
+                  <a:rPr lang="zh-CN" altLang="en-US">
+                    <a:noFill/>
+                  </a:rPr>
+                  <a:t> </a:t>
+                </a:r>
+              </a:p>
+            </p:txBody>
+          </p:sp>
+        </mc:Fallback>
+      </mc:AlternateContent>
+      <mc:AlternateContent xmlns:mc="http://schemas.openxmlformats.org/markup-compatibility/2006" xmlns:a14="http://schemas.microsoft.com/office/drawing/2010/main">
+        <mc:Choice Requires="a14">
+          <p:sp>
+            <p:nvSpPr>
+              <p:cNvPr id="17" name="文本框 16">
+                <a:extLst>
+                  <a:ext uri="{FF2B5EF4-FFF2-40B4-BE49-F238E27FC236}">
+                    <a16:creationId xmlns:a16="http://schemas.microsoft.com/office/drawing/2014/main" id="{10BF864E-B9B1-4E67-B176-E2B42C34AE5C}"/>
+                  </a:ext>
+                </a:extLst>
+              </p:cNvPr>
+              <p:cNvSpPr txBox="1"/>
+              <p:nvPr/>
+            </p:nvSpPr>
+            <p:spPr>
+              <a:xfrm>
+                <a:off x="9550297" y="2536733"/>
+                <a:ext cx="2659627" cy="683970"/>
+              </a:xfrm>
+              <a:prstGeom prst="rect">
+                <a:avLst/>
+              </a:prstGeom>
+              <a:noFill/>
+            </p:spPr>
+            <p:txBody>
+              <a:bodyPr wrap="square" rtlCol="0">
+                <a:spAutoFit/>
+              </a:bodyPr>
+              <a:lstStyle/>
+              <a:p>
+                <a:pPr algn="ctr"/>
+                <a14:m>
+                  <m:oMathPara xmlns:m="http://schemas.openxmlformats.org/officeDocument/2006/math">
+                    <m:oMathParaPr>
+                      <m:jc m:val="centerGroup"/>
+                    </m:oMathParaPr>
+                    <m:oMath xmlns:m="http://schemas.openxmlformats.org/officeDocument/2006/math">
+                      <m:r>
+                        <a:rPr lang="en-US" altLang="zh-CN" b="0" i="1" smtClean="0">
+                          <a:latin typeface="Cambria Math" panose="02040503050406030204" pitchFamily="18" charset="0"/>
+                        </a:rPr>
+                        <m:t>𝑘</m:t>
+                      </m:r>
+                      <m:r>
+                        <a:rPr lang="en-US" altLang="zh-CN" b="0" i="1" smtClean="0">
+                          <a:latin typeface="Cambria Math" panose="02040503050406030204" pitchFamily="18" charset="0"/>
+                        </a:rPr>
+                        <m:t>⇐</m:t>
+                      </m:r>
+                      <m:sSub>
+                        <m:sSubPr>
+                          <m:ctrlPr>
+                            <a:rPr lang="en-US" altLang="zh-CN" b="0" i="1" smtClean="0">
+                              <a:latin typeface="Cambria Math" panose="02040503050406030204" pitchFamily="18" charset="0"/>
+                            </a:rPr>
+                          </m:ctrlPr>
+                        </m:sSubPr>
+                        <m:e>
+                          <m:r>
+                            <a:rPr lang="en-US" altLang="zh-CN" b="0" i="1" smtClean="0">
+                              <a:latin typeface="Cambria Math" panose="02040503050406030204" pitchFamily="18" charset="0"/>
+                            </a:rPr>
+                            <m:t>ℤ</m:t>
+                          </m:r>
+                        </m:e>
+                        <m:sub>
+                          <m:r>
+                            <a:rPr lang="en-US" altLang="zh-CN" b="0" i="1" smtClean="0">
+                              <a:latin typeface="Cambria Math" panose="02040503050406030204" pitchFamily="18" charset="0"/>
+                            </a:rPr>
+                            <m:t>𝑝</m:t>
+                          </m:r>
+                        </m:sub>
+                      </m:sSub>
+                      <m:r>
+                        <a:rPr lang="en-US" altLang="zh-CN" b="0" i="1" smtClean="0">
+                          <a:latin typeface="Cambria Math" panose="02040503050406030204" pitchFamily="18" charset="0"/>
+                        </a:rPr>
+                        <m:t>, </m:t>
+                      </m:r>
+                      <m:r>
+                        <a:rPr lang="en-US" altLang="zh-CN" b="0" i="1" smtClean="0">
+                          <a:latin typeface="Cambria Math" panose="02040503050406030204" pitchFamily="18" charset="0"/>
+                        </a:rPr>
+                        <m:t>𝑃</m:t>
+                      </m:r>
+                      <m:sSub>
+                        <m:sSubPr>
+                          <m:ctrlPr>
+                            <a:rPr lang="en-US" altLang="zh-CN" b="0" i="1" smtClean="0">
+                              <a:latin typeface="Cambria Math" panose="02040503050406030204" pitchFamily="18" charset="0"/>
+                            </a:rPr>
+                          </m:ctrlPr>
+                        </m:sSubPr>
+                        <m:e>
+                          <m:r>
+                            <a:rPr lang="en-US" altLang="zh-CN" b="0" i="1" smtClean="0">
+                              <a:latin typeface="Cambria Math" panose="02040503050406030204" pitchFamily="18" charset="0"/>
+                            </a:rPr>
+                            <m:t>𝐾</m:t>
+                          </m:r>
+                        </m:e>
+                        <m:sub>
+                          <m:r>
+                            <a:rPr lang="en-US" altLang="zh-CN" b="0" i="1" smtClean="0">
+                              <a:latin typeface="Cambria Math" panose="02040503050406030204" pitchFamily="18" charset="0"/>
+                            </a:rPr>
+                            <m:t>𝑏</m:t>
+                          </m:r>
+                        </m:sub>
+                      </m:sSub>
+                      <m:r>
+                        <a:rPr lang="en-US" altLang="zh-CN" b="0" i="1" smtClean="0">
+                          <a:latin typeface="Cambria Math" panose="02040503050406030204" pitchFamily="18" charset="0"/>
+                        </a:rPr>
+                        <m:t>=</m:t>
+                      </m:r>
+                      <m:sSup>
+                        <m:sSupPr>
+                          <m:ctrlPr>
+                            <a:rPr lang="en-US" altLang="zh-CN" b="0" i="1" smtClean="0">
+                              <a:latin typeface="Cambria Math" panose="02040503050406030204" pitchFamily="18" charset="0"/>
+                            </a:rPr>
+                          </m:ctrlPr>
+                        </m:sSupPr>
+                        <m:e>
+                          <m:r>
+                            <a:rPr lang="en-US" altLang="zh-CN" b="0" i="1" smtClean="0">
+                              <a:latin typeface="Cambria Math" panose="02040503050406030204" pitchFamily="18" charset="0"/>
+                            </a:rPr>
+                            <m:t>𝑔</m:t>
+                          </m:r>
+                        </m:e>
+                        <m:sup>
+                          <m:r>
+                            <a:rPr lang="en-US" altLang="zh-CN" b="0" i="1" smtClean="0">
+                              <a:latin typeface="Cambria Math" panose="02040503050406030204" pitchFamily="18" charset="0"/>
+                            </a:rPr>
+                            <m:t>𝑘</m:t>
+                          </m:r>
+                        </m:sup>
+                      </m:sSup>
+                      <m:r>
+                        <a:rPr lang="en-US" altLang="zh-CN" b="0" i="1" smtClean="0">
+                          <a:latin typeface="Cambria Math" panose="02040503050406030204" pitchFamily="18" charset="0"/>
+                        </a:rPr>
+                        <m:t>, </m:t>
+                      </m:r>
+                    </m:oMath>
+                  </m:oMathPara>
+                </a14:m>
+                <a:endParaRPr lang="en-US" altLang="zh-CN" b="0" i="1" dirty="0">
+                  <a:latin typeface="Cambria Math" panose="02040503050406030204" pitchFamily="18" charset="0"/>
+                </a:endParaRPr>
+              </a:p>
+              <a:p>
+                <a:pPr algn="ctr"/>
+                <a14:m>
+                  <m:oMathPara xmlns:m="http://schemas.openxmlformats.org/officeDocument/2006/math">
+                    <m:oMathParaPr>
+                      <m:jc m:val="centerGroup"/>
+                    </m:oMathParaPr>
+                    <m:oMath xmlns:m="http://schemas.openxmlformats.org/officeDocument/2006/math">
+                      <m:r>
+                        <a:rPr lang="en-US" altLang="zh-CN" b="0" i="1" smtClean="0">
+                          <a:latin typeface="Cambria Math" panose="02040503050406030204" pitchFamily="18" charset="0"/>
+                        </a:rPr>
+                        <m:t>𝑃</m:t>
+                      </m:r>
+                      <m:sSub>
+                        <m:sSubPr>
+                          <m:ctrlPr>
+                            <a:rPr lang="en-US" altLang="zh-CN" b="0" i="1" smtClean="0">
+                              <a:latin typeface="Cambria Math" panose="02040503050406030204" pitchFamily="18" charset="0"/>
+                            </a:rPr>
+                          </m:ctrlPr>
+                        </m:sSubPr>
+                        <m:e>
+                          <m:r>
+                            <a:rPr lang="en-US" altLang="zh-CN" b="0" i="1" smtClean="0">
+                              <a:latin typeface="Cambria Math" panose="02040503050406030204" pitchFamily="18" charset="0"/>
+                            </a:rPr>
+                            <m:t>𝐾</m:t>
+                          </m:r>
+                        </m:e>
+                        <m:sub>
+                          <m:r>
+                            <a:rPr lang="en-US" altLang="zh-CN" b="0" i="1" smtClean="0">
+                              <a:latin typeface="Cambria Math" panose="02040503050406030204" pitchFamily="18" charset="0"/>
+                            </a:rPr>
+                            <m:t>1−</m:t>
+                          </m:r>
+                          <m:r>
+                            <a:rPr lang="en-US" altLang="zh-CN" b="0" i="1" smtClean="0">
+                              <a:latin typeface="Cambria Math" panose="02040503050406030204" pitchFamily="18" charset="0"/>
+                            </a:rPr>
+                            <m:t>𝑏</m:t>
+                          </m:r>
+                        </m:sub>
+                      </m:sSub>
+                      <m:r>
+                        <a:rPr lang="en-US" altLang="zh-CN" b="0" i="1" smtClean="0">
+                          <a:latin typeface="Cambria Math" panose="02040503050406030204" pitchFamily="18" charset="0"/>
+                        </a:rPr>
+                        <m:t>=</m:t>
+                      </m:r>
+                      <m:r>
+                        <a:rPr lang="en-US" altLang="zh-CN" b="0" i="1" smtClean="0">
+                          <a:latin typeface="Cambria Math" panose="02040503050406030204" pitchFamily="18" charset="0"/>
+                        </a:rPr>
+                        <m:t>𝑐</m:t>
+                      </m:r>
+                      <m:r>
+                        <a:rPr lang="en-US" altLang="zh-CN" b="0" i="1" smtClean="0">
+                          <a:latin typeface="Cambria Math" panose="02040503050406030204" pitchFamily="18" charset="0"/>
+                        </a:rPr>
+                        <m:t>/</m:t>
+                      </m:r>
+                      <m:sSup>
+                        <m:sSupPr>
+                          <m:ctrlPr>
+                            <a:rPr lang="en-US" altLang="zh-CN" b="0" i="1" smtClean="0">
+                              <a:latin typeface="Cambria Math" panose="02040503050406030204" pitchFamily="18" charset="0"/>
+                            </a:rPr>
+                          </m:ctrlPr>
+                        </m:sSupPr>
+                        <m:e>
+                          <m:r>
+                            <a:rPr lang="en-US" altLang="zh-CN" b="0" i="1" smtClean="0">
+                              <a:latin typeface="Cambria Math" panose="02040503050406030204" pitchFamily="18" charset="0"/>
+                            </a:rPr>
+                            <m:t>𝑔</m:t>
+                          </m:r>
+                        </m:e>
+                        <m:sup>
+                          <m:r>
+                            <a:rPr lang="en-US" altLang="zh-CN" b="0" i="1" smtClean="0">
+                              <a:latin typeface="Cambria Math" panose="02040503050406030204" pitchFamily="18" charset="0"/>
+                            </a:rPr>
+                            <m:t>𝑘</m:t>
+                          </m:r>
+                        </m:sup>
+                      </m:sSup>
+                      <m:r>
+                        <a:rPr lang="en-US" altLang="zh-CN" b="0" i="1" smtClean="0">
+                          <a:latin typeface="Cambria Math" panose="02040503050406030204" pitchFamily="18" charset="0"/>
+                        </a:rPr>
+                        <m:t> </m:t>
+                      </m:r>
+                    </m:oMath>
+                  </m:oMathPara>
+                </a14:m>
+                <a:endParaRPr lang="en-US" altLang="zh-CN" b="0" i="0" dirty="0">
+                  <a:latin typeface="+mj-lt"/>
+                </a:endParaRPr>
+              </a:p>
+            </p:txBody>
+          </p:sp>
+        </mc:Choice>
+        <mc:Fallback xmlns="">
+          <p:sp>
+            <p:nvSpPr>
+              <p:cNvPr id="17" name="文本框 16">
+                <a:extLst>
+                  <a:ext uri="{FF2B5EF4-FFF2-40B4-BE49-F238E27FC236}">
+                    <a16:creationId xmlns:a16="http://schemas.microsoft.com/office/drawing/2014/main" id="{10BF864E-B9B1-4E67-B176-E2B42C34AE5C}"/>
+                  </a:ext>
+                </a:extLst>
+              </p:cNvPr>
+              <p:cNvSpPr txBox="1">
+                <a:spLocks noRot="1" noChangeAspect="1" noMove="1" noResize="1" noEditPoints="1" noAdjustHandles="1" noChangeArrowheads="1" noChangeShapeType="1" noTextEdit="1"/>
+              </p:cNvSpPr>
+              <p:nvPr/>
+            </p:nvSpPr>
+            <p:spPr>
+              <a:xfrm>
+                <a:off x="9550297" y="2536733"/>
+                <a:ext cx="2659627" cy="683970"/>
+              </a:xfrm>
+              <a:prstGeom prst="rect">
+                <a:avLst/>
+              </a:prstGeom>
+              <a:blipFill>
+                <a:blip r:embed="rId9"/>
+                <a:stretch>
+                  <a:fillRect b="-8929"/>
+                </a:stretch>
+              </a:blipFill>
+            </p:spPr>
+            <p:txBody>
+              <a:bodyPr/>
+              <a:lstStyle/>
+              <a:p>
+                <a:r>
+                  <a:rPr lang="zh-CN" altLang="en-US">
+                    <a:noFill/>
+                  </a:rPr>
+                  <a:t> </a:t>
+                </a:r>
+              </a:p>
+            </p:txBody>
+          </p:sp>
+        </mc:Fallback>
+      </mc:AlternateContent>
+      <mc:AlternateContent xmlns:mc="http://schemas.openxmlformats.org/markup-compatibility/2006" xmlns:a14="http://schemas.microsoft.com/office/drawing/2010/main">
+        <mc:Choice Requires="a14">
+          <p:sp>
+            <p:nvSpPr>
+              <p:cNvPr id="18" name="文本框 17">
+                <a:extLst>
+                  <a:ext uri="{FF2B5EF4-FFF2-40B4-BE49-F238E27FC236}">
+                    <a16:creationId xmlns:a16="http://schemas.microsoft.com/office/drawing/2014/main" id="{3F5DAA3F-7A5B-4785-A5E6-F8398E5B2285}"/>
+                  </a:ext>
+                </a:extLst>
+              </p:cNvPr>
+              <p:cNvSpPr txBox="1"/>
+              <p:nvPr/>
+            </p:nvSpPr>
+            <p:spPr>
+              <a:xfrm>
+                <a:off x="2319387" y="2940806"/>
+                <a:ext cx="2269819" cy="369332"/>
+              </a:xfrm>
+              <a:prstGeom prst="rect">
+                <a:avLst/>
+              </a:prstGeom>
+              <a:noFill/>
+            </p:spPr>
+            <p:txBody>
+              <a:bodyPr wrap="square" rtlCol="0">
+                <a:spAutoFit/>
+              </a:bodyPr>
+              <a:lstStyle/>
+              <a:p>
+                <a:r>
+                  <a:rPr lang="en-US" altLang="zh-CN" dirty="0"/>
+                  <a:t>Check </a:t>
+                </a:r>
+                <a14:m>
+                  <m:oMath xmlns:m="http://schemas.openxmlformats.org/officeDocument/2006/math">
+                    <m:r>
+                      <a:rPr lang="en-US" altLang="zh-CN" b="0" i="1" smtClean="0">
+                        <a:latin typeface="Cambria Math" panose="02040503050406030204" pitchFamily="18" charset="0"/>
+                      </a:rPr>
+                      <m:t>𝑃</m:t>
+                    </m:r>
+                    <m:sSub>
+                      <m:sSubPr>
+                        <m:ctrlPr>
+                          <a:rPr lang="en-US" altLang="zh-CN" b="0" i="1" smtClean="0">
+                            <a:latin typeface="Cambria Math" panose="02040503050406030204" pitchFamily="18" charset="0"/>
+                          </a:rPr>
+                        </m:ctrlPr>
+                      </m:sSubPr>
+                      <m:e>
+                        <m:r>
+                          <a:rPr lang="en-US" altLang="zh-CN" b="0" i="1" smtClean="0">
+                            <a:latin typeface="Cambria Math" panose="02040503050406030204" pitchFamily="18" charset="0"/>
+                          </a:rPr>
+                          <m:t>𝐾</m:t>
+                        </m:r>
+                      </m:e>
+                      <m:sub>
+                        <m:r>
+                          <a:rPr lang="en-US" altLang="zh-CN" b="0" i="1" smtClean="0">
+                            <a:latin typeface="Cambria Math" panose="02040503050406030204" pitchFamily="18" charset="0"/>
+                          </a:rPr>
+                          <m:t>0</m:t>
+                        </m:r>
+                      </m:sub>
+                    </m:sSub>
+                    <m:r>
+                      <a:rPr lang="en-US" altLang="zh-CN" b="0" i="1" smtClean="0">
+                        <a:latin typeface="Cambria Math" panose="02040503050406030204" pitchFamily="18" charset="0"/>
+                      </a:rPr>
+                      <m:t>𝑃</m:t>
+                    </m:r>
+                    <m:sSub>
+                      <m:sSubPr>
+                        <m:ctrlPr>
+                          <a:rPr lang="en-US" altLang="zh-CN" b="0" i="1" smtClean="0">
+                            <a:latin typeface="Cambria Math" panose="02040503050406030204" pitchFamily="18" charset="0"/>
+                          </a:rPr>
+                        </m:ctrlPr>
+                      </m:sSubPr>
+                      <m:e>
+                        <m:r>
+                          <a:rPr lang="en-US" altLang="zh-CN" b="0" i="1" smtClean="0">
+                            <a:latin typeface="Cambria Math" panose="02040503050406030204" pitchFamily="18" charset="0"/>
+                          </a:rPr>
+                          <m:t>𝐾</m:t>
+                        </m:r>
+                      </m:e>
+                      <m:sub>
+                        <m:r>
+                          <a:rPr lang="en-US" altLang="zh-CN" b="0" i="1" smtClean="0">
+                            <a:latin typeface="Cambria Math" panose="02040503050406030204" pitchFamily="18" charset="0"/>
+                          </a:rPr>
+                          <m:t>1</m:t>
+                        </m:r>
+                      </m:sub>
+                    </m:sSub>
+                    <m:r>
+                      <a:rPr lang="en-US" altLang="zh-CN" b="0" i="1" smtClean="0">
+                        <a:latin typeface="Cambria Math" panose="02040503050406030204" pitchFamily="18" charset="0"/>
+                      </a:rPr>
+                      <m:t>=</m:t>
+                    </m:r>
+                    <m:r>
+                      <a:rPr lang="en-US" altLang="zh-CN" b="0" i="1" smtClean="0">
+                        <a:latin typeface="Cambria Math" panose="02040503050406030204" pitchFamily="18" charset="0"/>
+                      </a:rPr>
+                      <m:t>𝑐</m:t>
+                    </m:r>
+                  </m:oMath>
+                </a14:m>
+                <a:endParaRPr lang="en-US" altLang="zh-CN" dirty="0"/>
+              </a:p>
+            </p:txBody>
+          </p:sp>
+        </mc:Choice>
+        <mc:Fallback xmlns="">
+          <p:sp>
+            <p:nvSpPr>
+              <p:cNvPr id="18" name="文本框 17">
+                <a:extLst>
+                  <a:ext uri="{FF2B5EF4-FFF2-40B4-BE49-F238E27FC236}">
+                    <a16:creationId xmlns:a16="http://schemas.microsoft.com/office/drawing/2014/main" id="{3F5DAA3F-7A5B-4785-A5E6-F8398E5B2285}"/>
+                  </a:ext>
+                </a:extLst>
+              </p:cNvPr>
+              <p:cNvSpPr txBox="1">
+                <a:spLocks noRot="1" noChangeAspect="1" noMove="1" noResize="1" noEditPoints="1" noAdjustHandles="1" noChangeArrowheads="1" noChangeShapeType="1" noTextEdit="1"/>
+              </p:cNvSpPr>
+              <p:nvPr/>
+            </p:nvSpPr>
+            <p:spPr>
+              <a:xfrm>
+                <a:off x="2319387" y="2940806"/>
+                <a:ext cx="2269819" cy="369332"/>
+              </a:xfrm>
+              <a:prstGeom prst="rect">
+                <a:avLst/>
+              </a:prstGeom>
+              <a:blipFill>
+                <a:blip r:embed="rId10"/>
+                <a:stretch>
+                  <a:fillRect l="-2145" t="-8197" b="-24590"/>
+                </a:stretch>
+              </a:blipFill>
+            </p:spPr>
+            <p:txBody>
+              <a:bodyPr/>
+              <a:lstStyle/>
+              <a:p>
+                <a:r>
+                  <a:rPr lang="zh-CN" altLang="en-US">
+                    <a:noFill/>
+                  </a:rPr>
+                  <a:t> </a:t>
+                </a:r>
+              </a:p>
+            </p:txBody>
+          </p:sp>
+        </mc:Fallback>
+      </mc:AlternateContent>
+      <mc:AlternateContent xmlns:mc="http://schemas.openxmlformats.org/markup-compatibility/2006" xmlns:a14="http://schemas.microsoft.com/office/drawing/2010/main">
+        <mc:Choice Requires="a14">
+          <p:sp>
+            <p:nvSpPr>
+              <p:cNvPr id="19" name="文本框 18">
+                <a:extLst>
+                  <a:ext uri="{FF2B5EF4-FFF2-40B4-BE49-F238E27FC236}">
+                    <a16:creationId xmlns:a16="http://schemas.microsoft.com/office/drawing/2014/main" id="{6DEEB235-3BF4-4271-9923-6E96BE2AAA5D}"/>
+                  </a:ext>
+                </a:extLst>
+              </p:cNvPr>
+              <p:cNvSpPr txBox="1"/>
+              <p:nvPr/>
+            </p:nvSpPr>
+            <p:spPr>
+              <a:xfrm>
+                <a:off x="1870078" y="3314604"/>
+                <a:ext cx="4090219" cy="369332"/>
+              </a:xfrm>
+              <a:prstGeom prst="rect">
+                <a:avLst/>
+              </a:prstGeom>
+              <a:noFill/>
+            </p:spPr>
+            <p:txBody>
+              <a:bodyPr wrap="square" rtlCol="0">
+                <a:spAutoFit/>
+              </a:bodyPr>
+              <a:lstStyle/>
+              <a:p>
+                <a14:m>
+                  <m:oMath xmlns:m="http://schemas.openxmlformats.org/officeDocument/2006/math">
+                    <m:sSub>
+                      <m:sSubPr>
+                        <m:ctrlPr>
+                          <a:rPr lang="en-US" altLang="zh-CN" b="0" i="1" smtClean="0">
+                            <a:latin typeface="Cambria Math" panose="02040503050406030204" pitchFamily="18" charset="0"/>
+                          </a:rPr>
+                        </m:ctrlPr>
+                      </m:sSubPr>
+                      <m:e>
+                        <m:r>
+                          <a:rPr lang="en-US" altLang="zh-CN" b="0" i="1" smtClean="0">
+                            <a:latin typeface="Cambria Math" panose="02040503050406030204" pitchFamily="18" charset="0"/>
+                          </a:rPr>
+                          <m:t>𝐶</m:t>
+                        </m:r>
+                      </m:e>
+                      <m:sub>
+                        <m:r>
+                          <a:rPr lang="en-US" altLang="zh-CN" b="0" i="1" smtClean="0">
+                            <a:latin typeface="Cambria Math" panose="02040503050406030204" pitchFamily="18" charset="0"/>
+                          </a:rPr>
+                          <m:t>0</m:t>
+                        </m:r>
+                      </m:sub>
+                    </m:sSub>
+                    <m:r>
+                      <a:rPr lang="en-US" altLang="zh-CN" b="0" i="1" smtClean="0">
+                        <a:latin typeface="Cambria Math" panose="02040503050406030204" pitchFamily="18" charset="0"/>
+                      </a:rPr>
+                      <m:t>=</m:t>
+                    </m:r>
+                  </m:oMath>
+                </a14:m>
+                <a:r>
+                  <a:rPr lang="en-US" altLang="zh-CN" dirty="0"/>
+                  <a:t>Enc(</a:t>
+                </a:r>
+                <a14:m>
+                  <m:oMath xmlns:m="http://schemas.openxmlformats.org/officeDocument/2006/math">
+                    <m:sSub>
+                      <m:sSubPr>
+                        <m:ctrlPr>
+                          <a:rPr lang="en-US" altLang="zh-CN" b="0" i="1" smtClean="0">
+                            <a:latin typeface="Cambria Math" panose="02040503050406030204" pitchFamily="18" charset="0"/>
+                          </a:rPr>
+                        </m:ctrlPr>
+                      </m:sSubPr>
+                      <m:e>
+                        <m:r>
+                          <a:rPr lang="en-US" altLang="zh-CN" b="0" i="1" smtClean="0">
+                            <a:latin typeface="Cambria Math" panose="02040503050406030204" pitchFamily="18" charset="0"/>
+                          </a:rPr>
+                          <m:t>𝑃</m:t>
+                        </m:r>
+                        <m:sSub>
+                          <m:sSubPr>
+                            <m:ctrlPr>
+                              <a:rPr lang="en-US" altLang="zh-CN" b="0" i="1" smtClean="0">
+                                <a:latin typeface="Cambria Math" panose="02040503050406030204" pitchFamily="18" charset="0"/>
+                              </a:rPr>
+                            </m:ctrlPr>
+                          </m:sSubPr>
+                          <m:e>
+                            <m:r>
+                              <a:rPr lang="en-US" altLang="zh-CN" b="0" i="1" smtClean="0">
+                                <a:latin typeface="Cambria Math" panose="02040503050406030204" pitchFamily="18" charset="0"/>
+                              </a:rPr>
+                              <m:t>𝐾</m:t>
+                            </m:r>
+                          </m:e>
+                          <m:sub>
+                            <m:r>
+                              <a:rPr lang="en-US" altLang="zh-CN" b="0" i="1" smtClean="0">
+                                <a:latin typeface="Cambria Math" panose="02040503050406030204" pitchFamily="18" charset="0"/>
+                              </a:rPr>
+                              <m:t>0</m:t>
+                            </m:r>
+                          </m:sub>
+                        </m:sSub>
+                        <m:r>
+                          <a:rPr lang="en-US" altLang="zh-CN" b="0" i="1" smtClean="0">
+                            <a:latin typeface="Cambria Math" panose="02040503050406030204" pitchFamily="18" charset="0"/>
+                          </a:rPr>
+                          <m:t>, </m:t>
+                        </m:r>
+                        <m:r>
+                          <a:rPr lang="en-US" altLang="zh-CN" b="0" i="1" smtClean="0">
+                            <a:latin typeface="Cambria Math" panose="02040503050406030204" pitchFamily="18" charset="0"/>
+                          </a:rPr>
+                          <m:t>𝑥</m:t>
+                        </m:r>
+                      </m:e>
+                      <m:sub>
+                        <m:r>
+                          <a:rPr lang="en-US" altLang="zh-CN" b="0" i="1" smtClean="0">
+                            <a:latin typeface="Cambria Math" panose="02040503050406030204" pitchFamily="18" charset="0"/>
+                          </a:rPr>
+                          <m:t>0</m:t>
+                        </m:r>
+                      </m:sub>
+                    </m:sSub>
+                  </m:oMath>
+                </a14:m>
+                <a:r>
+                  <a:rPr lang="en-US" altLang="zh-CN" dirty="0"/>
+                  <a:t>),</a:t>
+                </a:r>
+                <a14:m>
+                  <m:oMath xmlns:m="http://schemas.openxmlformats.org/officeDocument/2006/math">
+                    <m:sSub>
+                      <m:sSubPr>
+                        <m:ctrlPr>
+                          <a:rPr lang="en-US" altLang="zh-CN" i="1">
+                            <a:latin typeface="Cambria Math" panose="02040503050406030204" pitchFamily="18" charset="0"/>
+                          </a:rPr>
+                        </m:ctrlPr>
+                      </m:sSubPr>
+                      <m:e>
+                        <m:r>
+                          <a:rPr lang="en-US" altLang="zh-CN" i="1">
+                            <a:latin typeface="Cambria Math" panose="02040503050406030204" pitchFamily="18" charset="0"/>
+                          </a:rPr>
+                          <m:t>𝐶</m:t>
+                        </m:r>
+                      </m:e>
+                      <m:sub>
+                        <m:r>
+                          <a:rPr lang="en-US" altLang="zh-CN" i="1">
+                            <a:latin typeface="Cambria Math" panose="02040503050406030204" pitchFamily="18" charset="0"/>
+                          </a:rPr>
+                          <m:t>1</m:t>
+                        </m:r>
+                      </m:sub>
+                    </m:sSub>
+                    <m:r>
+                      <a:rPr lang="en-US" altLang="zh-CN" b="0" i="1" dirty="0" smtClean="0">
+                        <a:latin typeface="Cambria Math" panose="02040503050406030204" pitchFamily="18" charset="0"/>
+                      </a:rPr>
+                      <m:t>=</m:t>
+                    </m:r>
+                  </m:oMath>
+                </a14:m>
+                <a:r>
+                  <a:rPr lang="en-US" altLang="zh-CN" dirty="0"/>
+                  <a:t>Enc(</a:t>
+                </a:r>
+                <a14:m>
+                  <m:oMath xmlns:m="http://schemas.openxmlformats.org/officeDocument/2006/math">
+                    <m:r>
+                      <a:rPr lang="en-US" altLang="zh-CN" b="0" i="1" smtClean="0">
+                        <a:latin typeface="Cambria Math" panose="02040503050406030204" pitchFamily="18" charset="0"/>
+                      </a:rPr>
+                      <m:t>𝑃</m:t>
+                    </m:r>
+                    <m:sSub>
+                      <m:sSubPr>
+                        <m:ctrlPr>
+                          <a:rPr lang="en-US" altLang="zh-CN" b="0" i="1" smtClean="0">
+                            <a:latin typeface="Cambria Math" panose="02040503050406030204" pitchFamily="18" charset="0"/>
+                          </a:rPr>
+                        </m:ctrlPr>
+                      </m:sSubPr>
+                      <m:e>
+                        <m:r>
+                          <a:rPr lang="en-US" altLang="zh-CN" b="0" i="1" smtClean="0">
+                            <a:latin typeface="Cambria Math" panose="02040503050406030204" pitchFamily="18" charset="0"/>
+                          </a:rPr>
+                          <m:t>𝐾</m:t>
+                        </m:r>
+                      </m:e>
+                      <m:sub>
+                        <m:r>
+                          <a:rPr lang="en-US" altLang="zh-CN" b="0" i="1" smtClean="0">
+                            <a:latin typeface="Cambria Math" panose="02040503050406030204" pitchFamily="18" charset="0"/>
+                          </a:rPr>
+                          <m:t>1</m:t>
+                        </m:r>
+                      </m:sub>
+                    </m:sSub>
+                    <m:r>
+                      <a:rPr lang="en-US" altLang="zh-CN" b="0" i="1" smtClean="0">
+                        <a:latin typeface="Cambria Math" panose="02040503050406030204" pitchFamily="18" charset="0"/>
+                      </a:rPr>
+                      <m:t>,</m:t>
+                    </m:r>
+                    <m:sSub>
+                      <m:sSubPr>
+                        <m:ctrlPr>
+                          <a:rPr lang="en-US" altLang="zh-CN" b="0" i="1" smtClean="0">
+                            <a:latin typeface="Cambria Math" panose="02040503050406030204" pitchFamily="18" charset="0"/>
+                          </a:rPr>
+                        </m:ctrlPr>
+                      </m:sSubPr>
+                      <m:e>
+                        <m:r>
+                          <a:rPr lang="en-US" altLang="zh-CN" b="0" i="1" smtClean="0">
+                            <a:latin typeface="Cambria Math" panose="02040503050406030204" pitchFamily="18" charset="0"/>
+                          </a:rPr>
+                          <m:t>𝑥</m:t>
+                        </m:r>
+                      </m:e>
+                      <m:sub>
+                        <m:r>
+                          <a:rPr lang="en-US" altLang="zh-CN" b="0" i="1" smtClean="0">
+                            <a:latin typeface="Cambria Math" panose="02040503050406030204" pitchFamily="18" charset="0"/>
+                          </a:rPr>
+                          <m:t>1</m:t>
+                        </m:r>
+                      </m:sub>
+                    </m:sSub>
+                  </m:oMath>
+                </a14:m>
+                <a:r>
+                  <a:rPr lang="en-US" altLang="zh-CN" dirty="0"/>
+                  <a:t>)</a:t>
+                </a:r>
+              </a:p>
+            </p:txBody>
+          </p:sp>
+        </mc:Choice>
+        <mc:Fallback xmlns="">
+          <p:sp>
+            <p:nvSpPr>
+              <p:cNvPr id="19" name="文本框 18">
+                <a:extLst>
+                  <a:ext uri="{FF2B5EF4-FFF2-40B4-BE49-F238E27FC236}">
+                    <a16:creationId xmlns:a16="http://schemas.microsoft.com/office/drawing/2014/main" id="{6DEEB235-3BF4-4271-9923-6E96BE2AAA5D}"/>
+                  </a:ext>
+                </a:extLst>
+              </p:cNvPr>
+              <p:cNvSpPr txBox="1">
+                <a:spLocks noRot="1" noChangeAspect="1" noMove="1" noResize="1" noEditPoints="1" noAdjustHandles="1" noChangeArrowheads="1" noChangeShapeType="1" noTextEdit="1"/>
+              </p:cNvSpPr>
+              <p:nvPr/>
+            </p:nvSpPr>
+            <p:spPr>
+              <a:xfrm>
+                <a:off x="1870078" y="3314604"/>
+                <a:ext cx="4090219" cy="369332"/>
+              </a:xfrm>
+              <a:prstGeom prst="rect">
+                <a:avLst/>
+              </a:prstGeom>
+              <a:blipFill>
+                <a:blip r:embed="rId11"/>
+                <a:stretch>
+                  <a:fillRect t="-10000" b="-26667"/>
+                </a:stretch>
+              </a:blipFill>
+            </p:spPr>
+            <p:txBody>
+              <a:bodyPr/>
+              <a:lstStyle/>
+              <a:p>
+                <a:r>
+                  <a:rPr lang="zh-CN" altLang="en-US">
+                    <a:noFill/>
+                  </a:rPr>
+                  <a:t> </a:t>
+                </a:r>
+              </a:p>
+            </p:txBody>
+          </p:sp>
+        </mc:Fallback>
+      </mc:AlternateContent>
+    </p:spTree>
+    <p:extLst>
+      <p:ext uri="{BB962C8B-B14F-4D97-AF65-F5344CB8AC3E}">
+        <p14:creationId xmlns:p14="http://schemas.microsoft.com/office/powerpoint/2010/main" val="2142180512"/>
+      </p:ext>
+    </p:extLst>
+  </p:cSld>
+  <p:clrMapOvr>
+    <a:masterClrMapping/>
+  </p:clrMapOvr>
+</p:sld>
+</file>
+
+<file path=ppt/slides/slide12.xml><?xml version="1.0" encoding="utf-8"?>
 <p:sld xmlns:a="http://schemas.openxmlformats.org/drawingml/2006/main" xmlns:r="http://schemas.openxmlformats.org/officeDocument/2006/relationships" xmlns:p="http://schemas.openxmlformats.org/presentationml/2006/main">
   <p:cSld>
     <p:spTree>
@@ -10665,7 +13353,7 @@
 </p:sld>
 </file>
 
-<file path=ppt/slides/slide11.xml><?xml version="1.0" encoding="utf-8"?>
+<file path=ppt/slides/slide13.xml><?xml version="1.0" encoding="utf-8"?>
 <p:sld xmlns:a="http://schemas.openxmlformats.org/drawingml/2006/main" xmlns:r="http://schemas.openxmlformats.org/officeDocument/2006/relationships" xmlns:p="http://schemas.openxmlformats.org/presentationml/2006/main">
   <p:cSld>
     <p:spTree>
@@ -10687,7 +13375,7 @@
           <p:cNvPr id="2" name="标题 1">
             <a:extLst>
               <a:ext uri="{FF2B5EF4-FFF2-40B4-BE49-F238E27FC236}">
-                <a16:creationId xmlns:a16="http://schemas.microsoft.com/office/drawing/2014/main" id="{09B2507F-1C87-49CD-B086-9BB2B82B9C95}"/>
+                <a16:creationId xmlns:a16="http://schemas.microsoft.com/office/drawing/2014/main" id="{8D076189-706D-45A6-B000-36336372D0C1}"/>
               </a:ext>
             </a:extLst>
           </p:cNvPr>
@@ -10705,7 +13393,460 @@
           <a:p>
             <a:r>
               <a:rPr lang="en-US" altLang="zh-CN" dirty="0"/>
-              <a:t>Process of ABY</a:t>
+              <a:t>BGW protocol</a:t>
+            </a:r>
+            <a:endParaRPr lang="zh-CN" altLang="en-US" dirty="0"/>
+          </a:p>
+        </p:txBody>
+      </p:sp>
+      <mc:AlternateContent xmlns:mc="http://schemas.openxmlformats.org/markup-compatibility/2006">
+        <mc:Choice xmlns:a14="http://schemas.microsoft.com/office/drawing/2010/main" Requires="a14">
+          <p:sp>
+            <p:nvSpPr>
+              <p:cNvPr id="4" name="内容占位符 3">
+                <a:extLst>
+                  <a:ext uri="{FF2B5EF4-FFF2-40B4-BE49-F238E27FC236}">
+                    <a16:creationId xmlns:a16="http://schemas.microsoft.com/office/drawing/2014/main" id="{29846D08-8C68-4FA7-8C4D-2F0457B0B05D}"/>
+                  </a:ext>
+                </a:extLst>
+              </p:cNvPr>
+              <p:cNvSpPr>
+                <a:spLocks noGrp="1"/>
+              </p:cNvSpPr>
+              <p:nvPr>
+                <p:ph idx="1"/>
+              </p:nvPr>
+            </p:nvSpPr>
+            <p:spPr/>
+            <p:txBody>
+              <a:bodyPr/>
+              <a:lstStyle/>
+              <a:p>
+                <a:r>
+                  <a:rPr lang="en-US" altLang="zh-CN" dirty="0"/>
+                  <a:t>Be used to evaluate an </a:t>
+                </a:r>
+                <a:r>
+                  <a:rPr lang="en-US" altLang="zh-CN" b="1" dirty="0"/>
+                  <a:t>arithmetic circuit </a:t>
+                </a:r>
+                <a:r>
+                  <a:rPr lang="en-US" altLang="zh-CN" dirty="0"/>
+                  <a:t>over a field </a:t>
+                </a:r>
+                <a14:m>
+                  <m:oMath xmlns:m="http://schemas.openxmlformats.org/officeDocument/2006/math">
+                    <m:r>
+                      <a:rPr lang="en-US" altLang="zh-CN" b="0" i="1" smtClean="0">
+                        <a:latin typeface="Cambria Math" panose="02040503050406030204" pitchFamily="18" charset="0"/>
+                      </a:rPr>
+                      <m:t>𝔽</m:t>
+                    </m:r>
+                  </m:oMath>
+                </a14:m>
+                <a:r>
+                  <a:rPr lang="en-US" altLang="zh-CN" dirty="0"/>
+                  <a:t>.</a:t>
+                </a:r>
+              </a:p>
+              <a:p>
+                <a:r>
+                  <a:rPr lang="en-US" altLang="zh-CN" dirty="0"/>
+                  <a:t>The protocol is based on </a:t>
+                </a:r>
+                <a:r>
+                  <a:rPr lang="en-US" altLang="zh-CN" b="1" dirty="0"/>
+                  <a:t>Shamir secret sharing</a:t>
+                </a:r>
+                <a:r>
+                  <a:rPr lang="en-US" altLang="zh-CN" dirty="0"/>
+                  <a:t>, which are homomorphic.</a:t>
+                </a:r>
+              </a:p>
+              <a:p>
+                <a:pPr lvl="1"/>
+                <a:r>
+                  <a:rPr lang="en-US" altLang="zh-CN" dirty="0"/>
+                  <a:t>A dealer chooses a random polynomial </a:t>
+                </a:r>
+                <a14:m>
+                  <m:oMath xmlns:m="http://schemas.openxmlformats.org/officeDocument/2006/math">
+                    <m:r>
+                      <a:rPr lang="en-US" altLang="zh-CN" b="0" i="1" smtClean="0">
+                        <a:latin typeface="Cambria Math" panose="02040503050406030204" pitchFamily="18" charset="0"/>
+                      </a:rPr>
+                      <m:t>𝑝</m:t>
+                    </m:r>
+                  </m:oMath>
+                </a14:m>
+                <a:r>
+                  <a:rPr lang="zh-CN" altLang="en-US" dirty="0"/>
+                  <a:t> </a:t>
+                </a:r>
+                <a:r>
+                  <a:rPr lang="en-US" altLang="zh-CN" dirty="0"/>
+                  <a:t>of degree at </a:t>
+                </a:r>
+                <a14:m>
+                  <m:oMath xmlns:m="http://schemas.openxmlformats.org/officeDocument/2006/math">
+                    <m:r>
+                      <a:rPr lang="en-US" altLang="zh-CN" b="0" i="1" smtClean="0">
+                        <a:latin typeface="Cambria Math" panose="02040503050406030204" pitchFamily="18" charset="0"/>
+                      </a:rPr>
+                      <m:t>𝑡</m:t>
+                    </m:r>
+                  </m:oMath>
+                </a14:m>
+                <a:r>
+                  <a:rPr lang="en-US" altLang="zh-CN" dirty="0"/>
+                  <a:t>.</a:t>
+                </a:r>
+              </a:p>
+              <a:p>
+                <a:pPr lvl="1"/>
+                <a:r>
+                  <a:rPr lang="en-US" altLang="zh-CN" dirty="0"/>
+                  <a:t>Such </a:t>
+                </a:r>
+                <a14:m>
+                  <m:oMath xmlns:m="http://schemas.openxmlformats.org/officeDocument/2006/math">
+                    <m:r>
+                      <a:rPr lang="en-US" altLang="zh-CN" b="0" i="1" smtClean="0">
+                        <a:latin typeface="Cambria Math" panose="02040503050406030204" pitchFamily="18" charset="0"/>
+                      </a:rPr>
+                      <m:t>𝑝</m:t>
+                    </m:r>
+                    <m:d>
+                      <m:dPr>
+                        <m:ctrlPr>
+                          <a:rPr lang="en-US" altLang="zh-CN" b="0" i="1" smtClean="0">
+                            <a:latin typeface="Cambria Math" panose="02040503050406030204" pitchFamily="18" charset="0"/>
+                          </a:rPr>
+                        </m:ctrlPr>
+                      </m:dPr>
+                      <m:e>
+                        <m:r>
+                          <a:rPr lang="en-US" altLang="zh-CN" b="0" i="1" smtClean="0">
+                            <a:latin typeface="Cambria Math" panose="02040503050406030204" pitchFamily="18" charset="0"/>
+                          </a:rPr>
+                          <m:t>0</m:t>
+                        </m:r>
+                      </m:e>
+                    </m:d>
+                    <m:r>
+                      <a:rPr lang="en-US" altLang="zh-CN" b="0" i="1" smtClean="0">
+                        <a:latin typeface="Cambria Math" panose="02040503050406030204" pitchFamily="18" charset="0"/>
+                      </a:rPr>
+                      <m:t>=</m:t>
+                    </m:r>
+                    <m:r>
+                      <a:rPr lang="en-US" altLang="zh-CN" b="0" i="1" smtClean="0">
+                        <a:latin typeface="Cambria Math" panose="02040503050406030204" pitchFamily="18" charset="0"/>
+                      </a:rPr>
+                      <m:t>𝑣</m:t>
+                    </m:r>
+                  </m:oMath>
+                </a14:m>
+                <a:r>
+                  <a:rPr lang="en-US" altLang="zh-CN" dirty="0"/>
+                  <a:t>, and </a:t>
+                </a:r>
+                <a14:m>
+                  <m:oMath xmlns:m="http://schemas.openxmlformats.org/officeDocument/2006/math">
+                    <m:sSub>
+                      <m:sSubPr>
+                        <m:ctrlPr>
+                          <a:rPr lang="en-US" altLang="zh-CN" b="0" i="1" smtClean="0">
+                            <a:latin typeface="Cambria Math" panose="02040503050406030204" pitchFamily="18" charset="0"/>
+                          </a:rPr>
+                        </m:ctrlPr>
+                      </m:sSubPr>
+                      <m:e>
+                        <m:r>
+                          <a:rPr lang="en-US" altLang="zh-CN" b="0" i="1" smtClean="0">
+                            <a:latin typeface="Cambria Math" panose="02040503050406030204" pitchFamily="18" charset="0"/>
+                          </a:rPr>
+                          <m:t>𝑃</m:t>
+                        </m:r>
+                      </m:e>
+                      <m:sub>
+                        <m:r>
+                          <a:rPr lang="en-US" altLang="zh-CN" b="0" i="1" smtClean="0">
+                            <a:latin typeface="Cambria Math" panose="02040503050406030204" pitchFamily="18" charset="0"/>
+                          </a:rPr>
+                          <m:t>𝑖</m:t>
+                        </m:r>
+                      </m:sub>
+                    </m:sSub>
+                  </m:oMath>
+                </a14:m>
+                <a:r>
+                  <a:rPr lang="en-US" altLang="zh-CN" dirty="0"/>
+                  <a:t>’s Secret sharing is</a:t>
+                </a:r>
+                <a14:m>
+                  <m:oMath xmlns:m="http://schemas.openxmlformats.org/officeDocument/2006/math">
+                    <m:r>
+                      <a:rPr lang="en-US" altLang="zh-CN" b="0" i="0" smtClean="0">
+                        <a:latin typeface="Cambria Math" panose="02040503050406030204" pitchFamily="18" charset="0"/>
+                      </a:rPr>
+                      <m:t> </m:t>
+                    </m:r>
+                    <m:r>
+                      <a:rPr lang="en-US" altLang="zh-CN" b="0" i="1" smtClean="0">
+                        <a:latin typeface="Cambria Math" panose="02040503050406030204" pitchFamily="18" charset="0"/>
+                      </a:rPr>
+                      <m:t>𝑝</m:t>
+                    </m:r>
+                    <m:r>
+                      <a:rPr lang="en-US" altLang="zh-CN" b="0" i="1" smtClean="0">
+                        <a:latin typeface="Cambria Math" panose="02040503050406030204" pitchFamily="18" charset="0"/>
+                      </a:rPr>
+                      <m:t>(</m:t>
+                    </m:r>
+                    <m:r>
+                      <a:rPr lang="en-US" altLang="zh-CN" b="0" i="1" smtClean="0">
+                        <a:latin typeface="Cambria Math" panose="02040503050406030204" pitchFamily="18" charset="0"/>
+                      </a:rPr>
+                      <m:t>𝑖</m:t>
+                    </m:r>
+                    <m:r>
+                      <a:rPr lang="en-US" altLang="zh-CN" b="0" i="1" smtClean="0">
+                        <a:latin typeface="Cambria Math" panose="02040503050406030204" pitchFamily="18" charset="0"/>
+                      </a:rPr>
+                      <m:t>)</m:t>
+                    </m:r>
+                  </m:oMath>
+                </a14:m>
+                <a:r>
+                  <a:rPr lang="en-US" altLang="zh-CN" dirty="0"/>
+                  <a:t>.</a:t>
+                </a:r>
+              </a:p>
+              <a:p>
+                <a:pPr lvl="1"/>
+                <a:r>
+                  <a:rPr lang="en-US" altLang="zh-CN" dirty="0"/>
+                  <a:t>Any collection of </a:t>
+                </a:r>
+                <a14:m>
+                  <m:oMath xmlns:m="http://schemas.openxmlformats.org/officeDocument/2006/math">
+                    <m:r>
+                      <a:rPr lang="en-US" altLang="zh-CN" b="0" i="1" smtClean="0">
+                        <a:latin typeface="Cambria Math" panose="02040503050406030204" pitchFamily="18" charset="0"/>
+                      </a:rPr>
+                      <m:t>𝑡</m:t>
+                    </m:r>
+                  </m:oMath>
+                </a14:m>
+                <a:r>
+                  <a:rPr lang="zh-CN" altLang="en-US" b="0" dirty="0"/>
+                  <a:t> </a:t>
+                </a:r>
+                <a:r>
+                  <a:rPr lang="en-US" altLang="zh-CN" b="0" dirty="0"/>
+                  <a:t>shares reveals no information about </a:t>
+                </a:r>
+                <a14:m>
+                  <m:oMath xmlns:m="http://schemas.openxmlformats.org/officeDocument/2006/math">
+                    <m:r>
+                      <a:rPr lang="en-US" altLang="zh-CN" b="0" i="1" smtClean="0">
+                        <a:latin typeface="Cambria Math" panose="02040503050406030204" pitchFamily="18" charset="0"/>
+                      </a:rPr>
+                      <m:t>𝑣</m:t>
+                    </m:r>
+                  </m:oMath>
+                </a14:m>
+                <a:r>
+                  <a:rPr lang="en-US" altLang="zh-CN" b="0" dirty="0"/>
+                  <a:t>.</a:t>
+                </a:r>
+              </a:p>
+            </p:txBody>
+          </p:sp>
+        </mc:Choice>
+        <mc:Fallback>
+          <p:sp>
+            <p:nvSpPr>
+              <p:cNvPr id="4" name="内容占位符 3">
+                <a:extLst>
+                  <a:ext uri="{FF2B5EF4-FFF2-40B4-BE49-F238E27FC236}">
+                    <a16:creationId xmlns:a16="http://schemas.microsoft.com/office/drawing/2014/main" id="{29846D08-8C68-4FA7-8C4D-2F0457B0B05D}"/>
+                  </a:ext>
+                </a:extLst>
+              </p:cNvPr>
+              <p:cNvSpPr>
+                <a:spLocks noGrp="1" noRot="1" noChangeAspect="1" noMove="1" noResize="1" noEditPoints="1" noAdjustHandles="1" noChangeArrowheads="1" noChangeShapeType="1" noTextEdit="1"/>
+              </p:cNvSpPr>
+              <p:nvPr>
+                <p:ph idx="1"/>
+              </p:nvPr>
+            </p:nvSpPr>
+            <p:spPr>
+              <a:blipFill>
+                <a:blip r:embed="rId2"/>
+                <a:stretch>
+                  <a:fillRect l="-578" t="-720" r="-707"/>
+                </a:stretch>
+              </a:blipFill>
+            </p:spPr>
+            <p:txBody>
+              <a:bodyPr/>
+              <a:lstStyle/>
+              <a:p>
+                <a:r>
+                  <a:rPr lang="zh-CN" altLang="en-US">
+                    <a:noFill/>
+                  </a:rPr>
+                  <a:t> </a:t>
+                </a:r>
+              </a:p>
+            </p:txBody>
+          </p:sp>
+        </mc:Fallback>
+      </mc:AlternateContent>
+    </p:spTree>
+    <p:extLst>
+      <p:ext uri="{BB962C8B-B14F-4D97-AF65-F5344CB8AC3E}">
+        <p14:creationId xmlns:p14="http://schemas.microsoft.com/office/powerpoint/2010/main" val="1038494898"/>
+      </p:ext>
+    </p:extLst>
+  </p:cSld>
+  <p:clrMapOvr>
+    <a:masterClrMapping/>
+  </p:clrMapOvr>
+</p:sld>
+</file>
+
+<file path=ppt/slides/slide14.xml><?xml version="1.0" encoding="utf-8"?>
+<p:sld xmlns:a="http://schemas.openxmlformats.org/drawingml/2006/main" xmlns:r="http://schemas.openxmlformats.org/officeDocument/2006/relationships" xmlns:p="http://schemas.openxmlformats.org/presentationml/2006/main">
+  <p:cSld>
+    <p:spTree>
+      <p:nvGrpSpPr>
+        <p:cNvPr id="1" name=""/>
+        <p:cNvGrpSpPr/>
+        <p:nvPr/>
+      </p:nvGrpSpPr>
+      <p:grpSpPr>
+        <a:xfrm>
+          <a:off x="0" y="0"/>
+          <a:ext cx="0" cy="0"/>
+          <a:chOff x="0" y="0"/>
+          <a:chExt cx="0" cy="0"/>
+        </a:xfrm>
+      </p:grpSpPr>
+      <p:sp>
+        <p:nvSpPr>
+          <p:cNvPr id="2" name="标题 1">
+            <a:extLst>
+              <a:ext uri="{FF2B5EF4-FFF2-40B4-BE49-F238E27FC236}">
+                <a16:creationId xmlns:a16="http://schemas.microsoft.com/office/drawing/2014/main" id="{8D076189-706D-45A6-B000-36336372D0C1}"/>
+              </a:ext>
+            </a:extLst>
+          </p:cNvPr>
+          <p:cNvSpPr>
+            <a:spLocks noGrp="1"/>
+          </p:cNvSpPr>
+          <p:nvPr>
+            <p:ph type="title"/>
+          </p:nvPr>
+        </p:nvSpPr>
+        <p:spPr/>
+        <p:txBody>
+          <a:bodyPr/>
+          <a:lstStyle/>
+          <a:p>
+            <a:r>
+              <a:rPr lang="en-US" altLang="zh-CN" dirty="0"/>
+              <a:t>BGW protocol for 2PC</a:t>
+            </a:r>
+            <a:endParaRPr lang="zh-CN" altLang="en-US" dirty="0"/>
+          </a:p>
+        </p:txBody>
+      </p:sp>
+      <p:pic>
+        <p:nvPicPr>
+          <p:cNvPr id="9" name="内容占位符 8">
+            <a:extLst>
+              <a:ext uri="{FF2B5EF4-FFF2-40B4-BE49-F238E27FC236}">
+                <a16:creationId xmlns:a16="http://schemas.microsoft.com/office/drawing/2014/main" id="{4D612333-CFE3-488A-B4E9-172EECF4D69E}"/>
+              </a:ext>
+            </a:extLst>
+          </p:cNvPr>
+          <p:cNvPicPr>
+            <a:picLocks noGrp="1" noChangeAspect="1"/>
+          </p:cNvPicPr>
+          <p:nvPr>
+            <p:ph idx="1"/>
+          </p:nvPr>
+        </p:nvPicPr>
+        <p:blipFill>
+          <a:blip r:embed="rId2"/>
+          <a:stretch>
+            <a:fillRect/>
+          </a:stretch>
+        </p:blipFill>
+        <p:spPr>
+          <a:xfrm>
+            <a:off x="3558499" y="1617663"/>
+            <a:ext cx="6406914" cy="4229100"/>
+          </a:xfrm>
+        </p:spPr>
+      </p:pic>
+    </p:spTree>
+    <p:extLst>
+      <p:ext uri="{BB962C8B-B14F-4D97-AF65-F5344CB8AC3E}">
+        <p14:creationId xmlns:p14="http://schemas.microsoft.com/office/powerpoint/2010/main" val="1738622258"/>
+      </p:ext>
+    </p:extLst>
+  </p:cSld>
+  <p:clrMapOvr>
+    <a:masterClrMapping/>
+  </p:clrMapOvr>
+</p:sld>
+</file>
+
+<file path=ppt/slides/slide15.xml><?xml version="1.0" encoding="utf-8"?>
+<p:sld xmlns:a="http://schemas.openxmlformats.org/drawingml/2006/main" xmlns:r="http://schemas.openxmlformats.org/officeDocument/2006/relationships" xmlns:p="http://schemas.openxmlformats.org/presentationml/2006/main">
+  <p:cSld>
+    <p:spTree>
+      <p:nvGrpSpPr>
+        <p:cNvPr id="1" name=""/>
+        <p:cNvGrpSpPr/>
+        <p:nvPr/>
+      </p:nvGrpSpPr>
+      <p:grpSpPr>
+        <a:xfrm>
+          <a:off x="0" y="0"/>
+          <a:ext cx="0" cy="0"/>
+          <a:chOff x="0" y="0"/>
+          <a:chExt cx="0" cy="0"/>
+        </a:xfrm>
+      </p:grpSpPr>
+      <p:sp>
+        <p:nvSpPr>
+          <p:cNvPr id="2" name="标题 1">
+            <a:extLst>
+              <a:ext uri="{FF2B5EF4-FFF2-40B4-BE49-F238E27FC236}">
+                <a16:creationId xmlns:a16="http://schemas.microsoft.com/office/drawing/2014/main" id="{8D076189-706D-45A6-B000-36336372D0C1}"/>
+              </a:ext>
+            </a:extLst>
+          </p:cNvPr>
+          <p:cNvSpPr>
+            <a:spLocks noGrp="1"/>
+          </p:cNvSpPr>
+          <p:nvPr>
+            <p:ph type="title"/>
+          </p:nvPr>
+        </p:nvSpPr>
+        <p:spPr/>
+        <p:txBody>
+          <a:bodyPr/>
+          <a:lstStyle/>
+          <a:p>
+            <a:r>
+              <a:rPr lang="en-US" altLang="zh-CN" dirty="0"/>
+              <a:t>Preprocessed Multiplication Triples</a:t>
             </a:r>
             <a:endParaRPr lang="zh-CN" altLang="en-US" dirty="0"/>
           </a:p>
@@ -10713,10 +13854,10 @@
       </p:sp>
       <p:sp>
         <p:nvSpPr>
-          <p:cNvPr id="3" name="内容占位符 2">
+          <p:cNvPr id="4" name="内容占位符 3">
             <a:extLst>
               <a:ext uri="{FF2B5EF4-FFF2-40B4-BE49-F238E27FC236}">
-                <a16:creationId xmlns:a16="http://schemas.microsoft.com/office/drawing/2014/main" id="{E5A732ED-FC58-4353-84F8-6D716E3D8FFE}"/>
+                <a16:creationId xmlns:a16="http://schemas.microsoft.com/office/drawing/2014/main" id="{29846D08-8C68-4FA7-8C4D-2F0457B0B05D}"/>
               </a:ext>
             </a:extLst>
           </p:cNvPr>
@@ -10732,14 +13873,37 @@
           <a:bodyPr/>
           <a:lstStyle/>
           <a:p>
-            <a:endParaRPr lang="zh-CN" altLang="en-US" dirty="0"/>
+            <a:r>
+              <a:rPr lang="en-US" altLang="zh-CN" b="0" dirty="0"/>
+              <a:t>Split MPC Protocol into pre-processing phase(Before the parties’ inputs are know) and online phase</a:t>
+            </a:r>
+          </a:p>
+          <a:p>
+            <a:r>
+              <a:rPr lang="en-US" altLang="zh-CN" dirty="0"/>
+              <a:t>Beaver triple, is ([a],[b],[c]), c = ab, each multiplication consumed one triple, and Each triple can only be used for one multiplication.</a:t>
+            </a:r>
+          </a:p>
+          <a:p>
+            <a:r>
+              <a:rPr lang="en-US" altLang="zh-CN" b="0" dirty="0"/>
+              <a:t>Key Idea:</a:t>
+            </a:r>
+          </a:p>
+          <a:p>
+            <a:pPr lvl="1"/>
+            <a:r>
+              <a:rPr lang="en-US" altLang="zh-CN" dirty="0"/>
+              <a:t>Extend Additive Homomorphic properties to Multiplication properties.</a:t>
+            </a:r>
+            <a:endParaRPr lang="en-US" altLang="zh-CN" b="0" dirty="0"/>
           </a:p>
         </p:txBody>
       </p:sp>
     </p:spTree>
     <p:extLst>
       <p:ext uri="{BB962C8B-B14F-4D97-AF65-F5344CB8AC3E}">
-        <p14:creationId xmlns:p14="http://schemas.microsoft.com/office/powerpoint/2010/main" val="2451321325"/>
+        <p14:creationId xmlns:p14="http://schemas.microsoft.com/office/powerpoint/2010/main" val="3100294344"/>
       </p:ext>
     </p:extLst>
   </p:cSld>
@@ -11548,7 +14712,7 @@
           <a:p>
             <a:r>
               <a:rPr lang="en-US" altLang="zh-CN" dirty="0"/>
-              <a:t>Yao’s GC protocol</a:t>
+              <a:t>Yao’s GC protocol, Just for 2PC</a:t>
             </a:r>
             <a:endParaRPr lang="zh-CN" altLang="en-US" dirty="0"/>
           </a:p>
@@ -11636,7 +14800,1214 @@
           <a:p>
             <a:r>
               <a:rPr lang="en-US" altLang="zh-CN" dirty="0"/>
-              <a:t>GMW protocol</a:t>
+              <a:t>Yao’s GC protocol </a:t>
+            </a:r>
+            <a:endParaRPr lang="zh-CN" altLang="en-US" dirty="0"/>
+          </a:p>
+        </p:txBody>
+      </p:sp>
+      <p:pic>
+        <p:nvPicPr>
+          <p:cNvPr id="6" name="内容占位符 5" descr="男性形象">
+            <a:extLst>
+              <a:ext uri="{FF2B5EF4-FFF2-40B4-BE49-F238E27FC236}">
+                <a16:creationId xmlns:a16="http://schemas.microsoft.com/office/drawing/2014/main" id="{09751255-A8D7-4E7B-BD26-87E33754A741}"/>
+              </a:ext>
+            </a:extLst>
+          </p:cNvPr>
+          <p:cNvPicPr>
+            <a:picLocks noGrp="1" noChangeAspect="1"/>
+          </p:cNvPicPr>
+          <p:nvPr>
+            <p:ph idx="1"/>
+          </p:nvPr>
+        </p:nvPicPr>
+        <p:blipFill>
+          <a:blip r:embed="rId2">
+            <a:extLst>
+              <a:ext uri="{96DAC541-7B7A-43D3-8B79-37D633B846F1}">
+                <asvg:svgBlip xmlns:asvg="http://schemas.microsoft.com/office/drawing/2016/SVG/main" r:embed="rId3"/>
+              </a:ext>
+            </a:extLst>
+          </a:blip>
+          <a:stretch>
+            <a:fillRect/>
+          </a:stretch>
+        </p:blipFill>
+        <p:spPr>
+          <a:xfrm>
+            <a:off x="647662" y="2595659"/>
+            <a:ext cx="2087321" cy="2087321"/>
+          </a:xfrm>
+        </p:spPr>
+      </p:pic>
+      <p:pic>
+        <p:nvPicPr>
+          <p:cNvPr id="8" name="内容占位符 5" descr="男性形象">
+            <a:extLst>
+              <a:ext uri="{FF2B5EF4-FFF2-40B4-BE49-F238E27FC236}">
+                <a16:creationId xmlns:a16="http://schemas.microsoft.com/office/drawing/2014/main" id="{3429A11F-C0ED-4CF3-BC36-C9A342D39C9E}"/>
+              </a:ext>
+            </a:extLst>
+          </p:cNvPr>
+          <p:cNvPicPr>
+            <a:picLocks noChangeAspect="1"/>
+          </p:cNvPicPr>
+          <p:nvPr/>
+        </p:nvPicPr>
+        <p:blipFill>
+          <a:blip r:embed="rId2">
+            <a:extLst>
+              <a:ext uri="{96DAC541-7B7A-43D3-8B79-37D633B846F1}">
+                <asvg:svgBlip xmlns:asvg="http://schemas.microsoft.com/office/drawing/2016/SVG/main" r:embed="rId3"/>
+              </a:ext>
+            </a:extLst>
+          </a:blip>
+          <a:stretch>
+            <a:fillRect/>
+          </a:stretch>
+        </p:blipFill>
+        <p:spPr>
+          <a:xfrm>
+            <a:off x="10299287" y="2687860"/>
+            <a:ext cx="2087321" cy="2087321"/>
+          </a:xfrm>
+          <a:prstGeom prst="rect">
+            <a:avLst/>
+          </a:prstGeom>
+        </p:spPr>
+      </p:pic>
+      <p:sp>
+        <p:nvSpPr>
+          <p:cNvPr id="7" name="矩形: 对角圆角 6">
+            <a:extLst>
+              <a:ext uri="{FF2B5EF4-FFF2-40B4-BE49-F238E27FC236}">
+                <a16:creationId xmlns:a16="http://schemas.microsoft.com/office/drawing/2014/main" id="{36A9AF22-7056-48FF-BAC3-900A0EB7EB03}"/>
+              </a:ext>
+            </a:extLst>
+          </p:cNvPr>
+          <p:cNvSpPr/>
+          <p:nvPr/>
+        </p:nvSpPr>
+        <p:spPr>
+          <a:xfrm>
+            <a:off x="5134717" y="2300228"/>
+            <a:ext cx="2423652" cy="880507"/>
+          </a:xfrm>
+          <a:prstGeom prst="round2DiagRect">
+            <a:avLst/>
+          </a:prstGeom>
+        </p:spPr>
+        <p:style>
+          <a:lnRef idx="2">
+            <a:schemeClr val="dk1">
+              <a:shade val="50000"/>
+            </a:schemeClr>
+          </a:lnRef>
+          <a:fillRef idx="1">
+            <a:schemeClr val="dk1"/>
+          </a:fillRef>
+          <a:effectRef idx="0">
+            <a:schemeClr val="dk1"/>
+          </a:effectRef>
+          <a:fontRef idx="minor">
+            <a:schemeClr val="lt1"/>
+          </a:fontRef>
+        </p:style>
+        <p:txBody>
+          <a:bodyPr rtlCol="0" anchor="ctr"/>
+          <a:lstStyle/>
+          <a:p>
+            <a:pPr algn="ctr"/>
+            <a:r>
+              <a:rPr lang="en-US" altLang="zh-CN" dirty="0"/>
+              <a:t>GC Generator</a:t>
+            </a:r>
+          </a:p>
+          <a:p>
+            <a:pPr algn="ctr"/>
+            <a:r>
+              <a:rPr lang="en-US" altLang="zh-CN" dirty="0"/>
+              <a:t>With Labels</a:t>
+            </a:r>
+            <a:endParaRPr lang="zh-CN" altLang="en-US" dirty="0"/>
+          </a:p>
+        </p:txBody>
+      </p:sp>
+      <p:sp>
+        <p:nvSpPr>
+          <p:cNvPr id="10" name="矩形: 对角圆角 9">
+            <a:extLst>
+              <a:ext uri="{FF2B5EF4-FFF2-40B4-BE49-F238E27FC236}">
+                <a16:creationId xmlns:a16="http://schemas.microsoft.com/office/drawing/2014/main" id="{8B4BCF9D-9B7D-425F-A935-11E4309F49DE}"/>
+              </a:ext>
+            </a:extLst>
+          </p:cNvPr>
+          <p:cNvSpPr/>
+          <p:nvPr/>
+        </p:nvSpPr>
+        <p:spPr>
+          <a:xfrm>
+            <a:off x="5134717" y="4515720"/>
+            <a:ext cx="2423652" cy="880507"/>
+          </a:xfrm>
+          <a:prstGeom prst="round2DiagRect">
+            <a:avLst/>
+          </a:prstGeom>
+        </p:spPr>
+        <p:style>
+          <a:lnRef idx="2">
+            <a:schemeClr val="dk1">
+              <a:shade val="50000"/>
+            </a:schemeClr>
+          </a:lnRef>
+          <a:fillRef idx="1">
+            <a:schemeClr val="dk1"/>
+          </a:fillRef>
+          <a:effectRef idx="0">
+            <a:schemeClr val="dk1"/>
+          </a:effectRef>
+          <a:fontRef idx="minor">
+            <a:schemeClr val="lt1"/>
+          </a:fontRef>
+        </p:style>
+        <p:txBody>
+          <a:bodyPr rtlCol="0" anchor="ctr"/>
+          <a:lstStyle/>
+          <a:p>
+            <a:pPr algn="ctr"/>
+            <a:r>
+              <a:rPr lang="en-US" altLang="zh-CN" dirty="0"/>
+              <a:t>GC Evaluator</a:t>
+            </a:r>
+            <a:endParaRPr lang="zh-CN" altLang="en-US" dirty="0"/>
+          </a:p>
+        </p:txBody>
+      </p:sp>
+      <p:cxnSp>
+        <p:nvCxnSpPr>
+          <p:cNvPr id="12" name="直接箭头连接符 11">
+            <a:extLst>
+              <a:ext uri="{FF2B5EF4-FFF2-40B4-BE49-F238E27FC236}">
+                <a16:creationId xmlns:a16="http://schemas.microsoft.com/office/drawing/2014/main" id="{5C19AE0F-9C34-4B5A-BA95-EA4EFCE9C46E}"/>
+              </a:ext>
+            </a:extLst>
+          </p:cNvPr>
+          <p:cNvCxnSpPr>
+            <a:cxnSpLocks/>
+          </p:cNvCxnSpPr>
+          <p:nvPr/>
+        </p:nvCxnSpPr>
+        <p:spPr>
+          <a:xfrm>
+            <a:off x="2753032" y="1981200"/>
+            <a:ext cx="7556091" cy="0"/>
+          </a:xfrm>
+          <a:prstGeom prst="straightConnector1">
+            <a:avLst/>
+          </a:prstGeom>
+          <a:ln>
+            <a:headEnd type="arrow" w="med" len="med"/>
+            <a:tailEnd type="arrow" w="med" len="med"/>
+          </a:ln>
+        </p:spPr>
+        <p:style>
+          <a:lnRef idx="3">
+            <a:schemeClr val="dk1"/>
+          </a:lnRef>
+          <a:fillRef idx="0">
+            <a:schemeClr val="dk1"/>
+          </a:fillRef>
+          <a:effectRef idx="2">
+            <a:schemeClr val="dk1"/>
+          </a:effectRef>
+          <a:fontRef idx="minor">
+            <a:schemeClr val="tx1"/>
+          </a:fontRef>
+        </p:style>
+      </p:cxnSp>
+      <p:sp>
+        <p:nvSpPr>
+          <p:cNvPr id="13" name="文本框 12">
+            <a:extLst>
+              <a:ext uri="{FF2B5EF4-FFF2-40B4-BE49-F238E27FC236}">
+                <a16:creationId xmlns:a16="http://schemas.microsoft.com/office/drawing/2014/main" id="{4E1F078A-C83F-4117-86B3-368CA35CA9F4}"/>
+              </a:ext>
+            </a:extLst>
+          </p:cNvPr>
+          <p:cNvSpPr txBox="1"/>
+          <p:nvPr/>
+        </p:nvSpPr>
+        <p:spPr>
+          <a:xfrm>
+            <a:off x="3497647" y="1544597"/>
+            <a:ext cx="6484374" cy="369332"/>
+          </a:xfrm>
+          <a:prstGeom prst="rect">
+            <a:avLst/>
+          </a:prstGeom>
+          <a:noFill/>
+        </p:spPr>
+        <p:txBody>
+          <a:bodyPr wrap="square" rtlCol="0">
+            <a:spAutoFit/>
+          </a:bodyPr>
+          <a:lstStyle/>
+          <a:p>
+            <a:r>
+              <a:rPr lang="en-US" altLang="zh-CN" dirty="0"/>
+              <a:t>Establish Service Connection With metadata of inputs</a:t>
+            </a:r>
+            <a:endParaRPr lang="zh-CN" altLang="en-US" dirty="0"/>
+          </a:p>
+        </p:txBody>
+      </p:sp>
+      <p:sp>
+        <p:nvSpPr>
+          <p:cNvPr id="14" name="文本框 13">
+            <a:extLst>
+              <a:ext uri="{FF2B5EF4-FFF2-40B4-BE49-F238E27FC236}">
+                <a16:creationId xmlns:a16="http://schemas.microsoft.com/office/drawing/2014/main" id="{7D1BE1FA-6CFE-4743-B84E-B8D00433281D}"/>
+              </a:ext>
+            </a:extLst>
+          </p:cNvPr>
+          <p:cNvSpPr txBox="1"/>
+          <p:nvPr/>
+        </p:nvSpPr>
+        <p:spPr>
+          <a:xfrm>
+            <a:off x="1258452" y="1805689"/>
+            <a:ext cx="875071" cy="369332"/>
+          </a:xfrm>
+          <a:prstGeom prst="rect">
+            <a:avLst/>
+          </a:prstGeom>
+          <a:noFill/>
+        </p:spPr>
+        <p:txBody>
+          <a:bodyPr wrap="square" rtlCol="0">
+            <a:spAutoFit/>
+          </a:bodyPr>
+          <a:lstStyle/>
+          <a:p>
+            <a:r>
+              <a:rPr lang="en-US" altLang="zh-CN" dirty="0"/>
+              <a:t>Client</a:t>
+            </a:r>
+            <a:endParaRPr lang="zh-CN" altLang="en-US" dirty="0"/>
+          </a:p>
+        </p:txBody>
+      </p:sp>
+      <p:sp>
+        <p:nvSpPr>
+          <p:cNvPr id="15" name="文本框 14">
+            <a:extLst>
+              <a:ext uri="{FF2B5EF4-FFF2-40B4-BE49-F238E27FC236}">
+                <a16:creationId xmlns:a16="http://schemas.microsoft.com/office/drawing/2014/main" id="{BEB597E3-F77E-4223-8E98-2E3F9D9C1855}"/>
+              </a:ext>
+            </a:extLst>
+          </p:cNvPr>
+          <p:cNvSpPr txBox="1"/>
+          <p:nvPr/>
+        </p:nvSpPr>
+        <p:spPr>
+          <a:xfrm>
+            <a:off x="11011375" y="1749299"/>
+            <a:ext cx="875071" cy="369332"/>
+          </a:xfrm>
+          <a:prstGeom prst="rect">
+            <a:avLst/>
+          </a:prstGeom>
+          <a:noFill/>
+        </p:spPr>
+        <p:txBody>
+          <a:bodyPr wrap="square" rtlCol="0">
+            <a:spAutoFit/>
+          </a:bodyPr>
+          <a:lstStyle/>
+          <a:p>
+            <a:r>
+              <a:rPr lang="en-US" altLang="zh-CN" dirty="0"/>
+              <a:t>Server</a:t>
+            </a:r>
+            <a:endParaRPr lang="zh-CN" altLang="en-US" dirty="0"/>
+          </a:p>
+        </p:txBody>
+      </p:sp>
+      <p:cxnSp>
+        <p:nvCxnSpPr>
+          <p:cNvPr id="17" name="直接箭头连接符 16">
+            <a:extLst>
+              <a:ext uri="{FF2B5EF4-FFF2-40B4-BE49-F238E27FC236}">
+                <a16:creationId xmlns:a16="http://schemas.microsoft.com/office/drawing/2014/main" id="{CC96DDC7-F5C8-4543-9429-A599A2BF7132}"/>
+              </a:ext>
+            </a:extLst>
+          </p:cNvPr>
+          <p:cNvCxnSpPr>
+            <a:cxnSpLocks/>
+          </p:cNvCxnSpPr>
+          <p:nvPr/>
+        </p:nvCxnSpPr>
+        <p:spPr>
+          <a:xfrm>
+            <a:off x="2772478" y="2633166"/>
+            <a:ext cx="2337440" cy="1"/>
+          </a:xfrm>
+          <a:prstGeom prst="straightConnector1">
+            <a:avLst/>
+          </a:prstGeom>
+          <a:ln>
+            <a:solidFill>
+              <a:srgbClr val="00B0F0"/>
+            </a:solidFill>
+            <a:tailEnd type="triangle"/>
+          </a:ln>
+        </p:spPr>
+        <p:style>
+          <a:lnRef idx="3">
+            <a:schemeClr val="dk1"/>
+          </a:lnRef>
+          <a:fillRef idx="0">
+            <a:schemeClr val="dk1"/>
+          </a:fillRef>
+          <a:effectRef idx="2">
+            <a:schemeClr val="dk1"/>
+          </a:effectRef>
+          <a:fontRef idx="minor">
+            <a:schemeClr val="tx1"/>
+          </a:fontRef>
+        </p:style>
+      </p:cxnSp>
+      <p:sp>
+        <p:nvSpPr>
+          <p:cNvPr id="18" name="文本框 17">
+            <a:extLst>
+              <a:ext uri="{FF2B5EF4-FFF2-40B4-BE49-F238E27FC236}">
+                <a16:creationId xmlns:a16="http://schemas.microsoft.com/office/drawing/2014/main" id="{8A61F51B-675B-4A0E-AE05-CC8277F9D52F}"/>
+              </a:ext>
+            </a:extLst>
+          </p:cNvPr>
+          <p:cNvSpPr txBox="1"/>
+          <p:nvPr/>
+        </p:nvSpPr>
+        <p:spPr>
+          <a:xfrm>
+            <a:off x="2932470" y="2304259"/>
+            <a:ext cx="2266335" cy="369332"/>
+          </a:xfrm>
+          <a:prstGeom prst="rect">
+            <a:avLst/>
+          </a:prstGeom>
+          <a:noFill/>
+        </p:spPr>
+        <p:txBody>
+          <a:bodyPr wrap="square" rtlCol="0">
+            <a:spAutoFit/>
+          </a:bodyPr>
+          <a:lstStyle/>
+          <a:p>
+            <a:r>
+              <a:rPr lang="en-US" altLang="zh-CN" dirty="0">
+                <a:solidFill>
+                  <a:srgbClr val="00B0F0"/>
+                </a:solidFill>
+              </a:rPr>
+              <a:t>Boolean Circuit</a:t>
+            </a:r>
+            <a:endParaRPr lang="zh-CN" altLang="en-US" dirty="0">
+              <a:solidFill>
+                <a:srgbClr val="00B0F0"/>
+              </a:solidFill>
+            </a:endParaRPr>
+          </a:p>
+        </p:txBody>
+      </p:sp>
+      <p:cxnSp>
+        <p:nvCxnSpPr>
+          <p:cNvPr id="29" name="直接箭头连接符 28">
+            <a:extLst>
+              <a:ext uri="{FF2B5EF4-FFF2-40B4-BE49-F238E27FC236}">
+                <a16:creationId xmlns:a16="http://schemas.microsoft.com/office/drawing/2014/main" id="{C0230CB2-486A-4CF3-9594-D57704B5CEF2}"/>
+              </a:ext>
+            </a:extLst>
+          </p:cNvPr>
+          <p:cNvCxnSpPr>
+            <a:cxnSpLocks/>
+            <a:stCxn id="7" idx="2"/>
+            <a:endCxn id="6" idx="3"/>
+          </p:cNvCxnSpPr>
+          <p:nvPr/>
+        </p:nvCxnSpPr>
+        <p:spPr>
+          <a:xfrm flipH="1">
+            <a:off x="2734983" y="2740482"/>
+            <a:ext cx="2399734" cy="898838"/>
+          </a:xfrm>
+          <a:prstGeom prst="straightConnector1">
+            <a:avLst/>
+          </a:prstGeom>
+          <a:ln>
+            <a:solidFill>
+              <a:srgbClr val="00B0F0"/>
+            </a:solidFill>
+            <a:tailEnd type="triangle"/>
+          </a:ln>
+        </p:spPr>
+        <p:style>
+          <a:lnRef idx="3">
+            <a:schemeClr val="dk1"/>
+          </a:lnRef>
+          <a:fillRef idx="0">
+            <a:schemeClr val="dk1"/>
+          </a:fillRef>
+          <a:effectRef idx="2">
+            <a:schemeClr val="dk1"/>
+          </a:effectRef>
+          <a:fontRef idx="minor">
+            <a:schemeClr val="tx1"/>
+          </a:fontRef>
+        </p:style>
+      </p:cxnSp>
+      <p:sp>
+        <p:nvSpPr>
+          <p:cNvPr id="30" name="文本框 29">
+            <a:extLst>
+              <a:ext uri="{FF2B5EF4-FFF2-40B4-BE49-F238E27FC236}">
+                <a16:creationId xmlns:a16="http://schemas.microsoft.com/office/drawing/2014/main" id="{85B4FC84-BC61-4089-A786-91934D7F13D7}"/>
+              </a:ext>
+            </a:extLst>
+          </p:cNvPr>
+          <p:cNvSpPr txBox="1"/>
+          <p:nvPr/>
+        </p:nvSpPr>
+        <p:spPr>
+          <a:xfrm>
+            <a:off x="2311848" y="2665538"/>
+            <a:ext cx="1933652" cy="738664"/>
+          </a:xfrm>
+          <a:prstGeom prst="rect">
+            <a:avLst/>
+          </a:prstGeom>
+          <a:noFill/>
+        </p:spPr>
+        <p:txBody>
+          <a:bodyPr wrap="square" rtlCol="0">
+            <a:spAutoFit/>
+          </a:bodyPr>
+          <a:lstStyle/>
+          <a:p>
+            <a:r>
+              <a:rPr lang="en-US" altLang="zh-CN" sz="1400" dirty="0">
+                <a:solidFill>
+                  <a:srgbClr val="00B0F0"/>
+                </a:solidFill>
+              </a:rPr>
+              <a:t>Generate check</a:t>
+            </a:r>
+          </a:p>
+          <a:p>
+            <a:r>
+              <a:rPr lang="en-US" altLang="zh-CN" sz="1400" dirty="0">
+                <a:solidFill>
+                  <a:srgbClr val="00B0F0"/>
+                </a:solidFill>
+              </a:rPr>
+              <a:t>With Decoding Table</a:t>
+            </a:r>
+            <a:endParaRPr lang="zh-CN" altLang="en-US" sz="1400" dirty="0">
+              <a:solidFill>
+                <a:srgbClr val="00B0F0"/>
+              </a:solidFill>
+            </a:endParaRPr>
+          </a:p>
+        </p:txBody>
+      </p:sp>
+      <p:cxnSp>
+        <p:nvCxnSpPr>
+          <p:cNvPr id="33" name="直接箭头连接符 32">
+            <a:extLst>
+              <a:ext uri="{FF2B5EF4-FFF2-40B4-BE49-F238E27FC236}">
+                <a16:creationId xmlns:a16="http://schemas.microsoft.com/office/drawing/2014/main" id="{EF2A7D71-FF08-464C-AB6E-6B29D670326A}"/>
+              </a:ext>
+            </a:extLst>
+          </p:cNvPr>
+          <p:cNvCxnSpPr>
+            <a:cxnSpLocks/>
+            <a:stCxn id="7" idx="0"/>
+            <a:endCxn id="8" idx="1"/>
+          </p:cNvCxnSpPr>
+          <p:nvPr/>
+        </p:nvCxnSpPr>
+        <p:spPr>
+          <a:xfrm>
+            <a:off x="7558369" y="2740482"/>
+            <a:ext cx="2740918" cy="991039"/>
+          </a:xfrm>
+          <a:prstGeom prst="straightConnector1">
+            <a:avLst/>
+          </a:prstGeom>
+          <a:ln>
+            <a:solidFill>
+              <a:srgbClr val="00B0F0"/>
+            </a:solidFill>
+            <a:tailEnd type="triangle"/>
+          </a:ln>
+        </p:spPr>
+        <p:style>
+          <a:lnRef idx="3">
+            <a:schemeClr val="dk1"/>
+          </a:lnRef>
+          <a:fillRef idx="0">
+            <a:schemeClr val="dk1"/>
+          </a:fillRef>
+          <a:effectRef idx="2">
+            <a:schemeClr val="dk1"/>
+          </a:effectRef>
+          <a:fontRef idx="minor">
+            <a:schemeClr val="tx1"/>
+          </a:fontRef>
+        </p:style>
+      </p:cxnSp>
+      <p:cxnSp>
+        <p:nvCxnSpPr>
+          <p:cNvPr id="41" name="直接箭头连接符 40">
+            <a:extLst>
+              <a:ext uri="{FF2B5EF4-FFF2-40B4-BE49-F238E27FC236}">
+                <a16:creationId xmlns:a16="http://schemas.microsoft.com/office/drawing/2014/main" id="{948C58AA-2BDE-436C-965F-932AD5C2B85F}"/>
+              </a:ext>
+            </a:extLst>
+          </p:cNvPr>
+          <p:cNvCxnSpPr>
+            <a:cxnSpLocks/>
+            <a:stCxn id="7" idx="1"/>
+            <a:endCxn id="10" idx="3"/>
+          </p:cNvCxnSpPr>
+          <p:nvPr/>
+        </p:nvCxnSpPr>
+        <p:spPr>
+          <a:xfrm>
+            <a:off x="6346543" y="3180735"/>
+            <a:ext cx="0" cy="1334985"/>
+          </a:xfrm>
+          <a:prstGeom prst="straightConnector1">
+            <a:avLst/>
+          </a:prstGeom>
+          <a:ln>
+            <a:solidFill>
+              <a:srgbClr val="00B0F0"/>
+            </a:solidFill>
+            <a:tailEnd type="triangle"/>
+          </a:ln>
+        </p:spPr>
+        <p:style>
+          <a:lnRef idx="3">
+            <a:schemeClr val="dk1"/>
+          </a:lnRef>
+          <a:fillRef idx="0">
+            <a:schemeClr val="dk1"/>
+          </a:fillRef>
+          <a:effectRef idx="2">
+            <a:schemeClr val="dk1"/>
+          </a:effectRef>
+          <a:fontRef idx="minor">
+            <a:schemeClr val="tx1"/>
+          </a:fontRef>
+        </p:style>
+      </p:cxnSp>
+      <p:sp>
+        <p:nvSpPr>
+          <p:cNvPr id="46" name="文本框 45">
+            <a:extLst>
+              <a:ext uri="{FF2B5EF4-FFF2-40B4-BE49-F238E27FC236}">
+                <a16:creationId xmlns:a16="http://schemas.microsoft.com/office/drawing/2014/main" id="{616C2A2B-2429-45EA-A887-EA8B399401EA}"/>
+              </a:ext>
+            </a:extLst>
+          </p:cNvPr>
+          <p:cNvSpPr txBox="1"/>
+          <p:nvPr/>
+        </p:nvSpPr>
+        <p:spPr>
+          <a:xfrm>
+            <a:off x="6482959" y="3647818"/>
+            <a:ext cx="1353341" cy="369332"/>
+          </a:xfrm>
+          <a:prstGeom prst="rect">
+            <a:avLst/>
+          </a:prstGeom>
+          <a:noFill/>
+        </p:spPr>
+        <p:txBody>
+          <a:bodyPr wrap="square" rtlCol="0">
+            <a:spAutoFit/>
+          </a:bodyPr>
+          <a:lstStyle/>
+          <a:p>
+            <a:r>
+              <a:rPr lang="en-US" altLang="zh-CN" dirty="0">
+                <a:solidFill>
+                  <a:srgbClr val="00B0F0"/>
+                </a:solidFill>
+              </a:rPr>
+              <a:t>Send GC</a:t>
+            </a:r>
+            <a:endParaRPr lang="zh-CN" altLang="en-US" dirty="0">
+              <a:solidFill>
+                <a:srgbClr val="00B0F0"/>
+              </a:solidFill>
+            </a:endParaRPr>
+          </a:p>
+        </p:txBody>
+      </p:sp>
+      <p:cxnSp>
+        <p:nvCxnSpPr>
+          <p:cNvPr id="52" name="直接箭头连接符 51">
+            <a:extLst>
+              <a:ext uri="{FF2B5EF4-FFF2-40B4-BE49-F238E27FC236}">
+                <a16:creationId xmlns:a16="http://schemas.microsoft.com/office/drawing/2014/main" id="{B2918951-BF69-41DB-97F6-BEF426E85486}"/>
+              </a:ext>
+            </a:extLst>
+          </p:cNvPr>
+          <p:cNvCxnSpPr>
+            <a:cxnSpLocks/>
+            <a:stCxn id="6" idx="3"/>
+            <a:endCxn id="7" idx="1"/>
+          </p:cNvCxnSpPr>
+          <p:nvPr/>
+        </p:nvCxnSpPr>
+        <p:spPr>
+          <a:xfrm flipV="1">
+            <a:off x="2734983" y="3180735"/>
+            <a:ext cx="3611560" cy="458585"/>
+          </a:xfrm>
+          <a:prstGeom prst="straightConnector1">
+            <a:avLst/>
+          </a:prstGeom>
+          <a:ln>
+            <a:headEnd type="triangle"/>
+            <a:tailEnd type="triangle"/>
+          </a:ln>
+        </p:spPr>
+        <p:style>
+          <a:lnRef idx="3">
+            <a:schemeClr val="accent2"/>
+          </a:lnRef>
+          <a:fillRef idx="0">
+            <a:schemeClr val="accent2"/>
+          </a:fillRef>
+          <a:effectRef idx="2">
+            <a:schemeClr val="accent2"/>
+          </a:effectRef>
+          <a:fontRef idx="minor">
+            <a:schemeClr val="tx1"/>
+          </a:fontRef>
+        </p:style>
+      </p:cxnSp>
+      <p:cxnSp>
+        <p:nvCxnSpPr>
+          <p:cNvPr id="54" name="直接箭头连接符 53">
+            <a:extLst>
+              <a:ext uri="{FF2B5EF4-FFF2-40B4-BE49-F238E27FC236}">
+                <a16:creationId xmlns:a16="http://schemas.microsoft.com/office/drawing/2014/main" id="{E79EE929-9984-4B41-BF4D-2205D103440A}"/>
+              </a:ext>
+            </a:extLst>
+          </p:cNvPr>
+          <p:cNvCxnSpPr>
+            <a:cxnSpLocks/>
+            <a:stCxn id="6" idx="2"/>
+            <a:endCxn id="10" idx="2"/>
+          </p:cNvCxnSpPr>
+          <p:nvPr/>
+        </p:nvCxnSpPr>
+        <p:spPr>
+          <a:xfrm>
+            <a:off x="1691323" y="4682980"/>
+            <a:ext cx="3443394" cy="272994"/>
+          </a:xfrm>
+          <a:prstGeom prst="straightConnector1">
+            <a:avLst/>
+          </a:prstGeom>
+          <a:ln>
+            <a:headEnd type="triangle"/>
+            <a:tailEnd type="triangle"/>
+          </a:ln>
+        </p:spPr>
+        <p:style>
+          <a:lnRef idx="3">
+            <a:schemeClr val="accent2"/>
+          </a:lnRef>
+          <a:fillRef idx="0">
+            <a:schemeClr val="accent2"/>
+          </a:fillRef>
+          <a:effectRef idx="2">
+            <a:schemeClr val="accent2"/>
+          </a:effectRef>
+          <a:fontRef idx="minor">
+            <a:schemeClr val="tx1"/>
+          </a:fontRef>
+        </p:style>
+      </p:cxnSp>
+      <p:cxnSp>
+        <p:nvCxnSpPr>
+          <p:cNvPr id="59" name="直接箭头连接符 58">
+            <a:extLst>
+              <a:ext uri="{FF2B5EF4-FFF2-40B4-BE49-F238E27FC236}">
+                <a16:creationId xmlns:a16="http://schemas.microsoft.com/office/drawing/2014/main" id="{4F844D73-8BDD-4CDE-9CD4-7A2A041E1FB1}"/>
+              </a:ext>
+            </a:extLst>
+          </p:cNvPr>
+          <p:cNvCxnSpPr>
+            <a:cxnSpLocks/>
+            <a:stCxn id="7" idx="1"/>
+            <a:endCxn id="8" idx="1"/>
+          </p:cNvCxnSpPr>
+          <p:nvPr/>
+        </p:nvCxnSpPr>
+        <p:spPr>
+          <a:xfrm>
+            <a:off x="6346543" y="3180735"/>
+            <a:ext cx="3952744" cy="550786"/>
+          </a:xfrm>
+          <a:prstGeom prst="straightConnector1">
+            <a:avLst/>
+          </a:prstGeom>
+          <a:ln>
+            <a:headEnd type="triangle"/>
+            <a:tailEnd type="triangle"/>
+          </a:ln>
+        </p:spPr>
+        <p:style>
+          <a:lnRef idx="3">
+            <a:schemeClr val="accent2"/>
+          </a:lnRef>
+          <a:fillRef idx="0">
+            <a:schemeClr val="accent2"/>
+          </a:fillRef>
+          <a:effectRef idx="2">
+            <a:schemeClr val="accent2"/>
+          </a:effectRef>
+          <a:fontRef idx="minor">
+            <a:schemeClr val="tx1"/>
+          </a:fontRef>
+        </p:style>
+      </p:cxnSp>
+      <p:cxnSp>
+        <p:nvCxnSpPr>
+          <p:cNvPr id="60" name="直接箭头连接符 59">
+            <a:extLst>
+              <a:ext uri="{FF2B5EF4-FFF2-40B4-BE49-F238E27FC236}">
+                <a16:creationId xmlns:a16="http://schemas.microsoft.com/office/drawing/2014/main" id="{F4694279-5B2B-4BF1-A478-EA61226562CA}"/>
+              </a:ext>
+            </a:extLst>
+          </p:cNvPr>
+          <p:cNvCxnSpPr>
+            <a:cxnSpLocks/>
+            <a:stCxn id="10" idx="0"/>
+            <a:endCxn id="8" idx="2"/>
+          </p:cNvCxnSpPr>
+          <p:nvPr/>
+        </p:nvCxnSpPr>
+        <p:spPr>
+          <a:xfrm flipV="1">
+            <a:off x="7558369" y="4775181"/>
+            <a:ext cx="3784579" cy="180793"/>
+          </a:xfrm>
+          <a:prstGeom prst="straightConnector1">
+            <a:avLst/>
+          </a:prstGeom>
+          <a:ln>
+            <a:headEnd type="triangle"/>
+            <a:tailEnd type="triangle"/>
+          </a:ln>
+        </p:spPr>
+        <p:style>
+          <a:lnRef idx="3">
+            <a:schemeClr val="accent2"/>
+          </a:lnRef>
+          <a:fillRef idx="0">
+            <a:schemeClr val="accent2"/>
+          </a:fillRef>
+          <a:effectRef idx="2">
+            <a:schemeClr val="accent2"/>
+          </a:effectRef>
+          <a:fontRef idx="minor">
+            <a:schemeClr val="tx1"/>
+          </a:fontRef>
+        </p:style>
+      </p:cxnSp>
+      <p:sp>
+        <p:nvSpPr>
+          <p:cNvPr id="61" name="文本框 60">
+            <a:extLst>
+              <a:ext uri="{FF2B5EF4-FFF2-40B4-BE49-F238E27FC236}">
+                <a16:creationId xmlns:a16="http://schemas.microsoft.com/office/drawing/2014/main" id="{75EDFAC9-A088-4EE8-9D7C-F0F0BB04164E}"/>
+              </a:ext>
+            </a:extLst>
+          </p:cNvPr>
+          <p:cNvSpPr txBox="1"/>
+          <p:nvPr/>
+        </p:nvSpPr>
+        <p:spPr>
+          <a:xfrm>
+            <a:off x="2943538" y="4075466"/>
+            <a:ext cx="2191179" cy="369332"/>
+          </a:xfrm>
+          <a:prstGeom prst="rect">
+            <a:avLst/>
+          </a:prstGeom>
+          <a:noFill/>
+        </p:spPr>
+        <p:txBody>
+          <a:bodyPr wrap="square" rtlCol="0">
+            <a:spAutoFit/>
+          </a:bodyPr>
+          <a:lstStyle/>
+          <a:p>
+            <a:r>
+              <a:rPr lang="en-US" altLang="zh-CN" dirty="0">
+                <a:solidFill>
+                  <a:srgbClr val="DE7E18"/>
+                </a:solidFill>
+              </a:rPr>
+              <a:t>Oblivious Transfer</a:t>
+            </a:r>
+            <a:endParaRPr lang="zh-CN" altLang="en-US" dirty="0">
+              <a:solidFill>
+                <a:srgbClr val="DE7E18"/>
+              </a:solidFill>
+            </a:endParaRPr>
+          </a:p>
+        </p:txBody>
+      </p:sp>
+      <p:sp>
+        <p:nvSpPr>
+          <p:cNvPr id="62" name="文本框 61">
+            <a:extLst>
+              <a:ext uri="{FF2B5EF4-FFF2-40B4-BE49-F238E27FC236}">
+                <a16:creationId xmlns:a16="http://schemas.microsoft.com/office/drawing/2014/main" id="{A47E49F0-2867-493F-9C6C-09970B311C37}"/>
+              </a:ext>
+            </a:extLst>
+          </p:cNvPr>
+          <p:cNvSpPr txBox="1"/>
+          <p:nvPr/>
+        </p:nvSpPr>
+        <p:spPr>
+          <a:xfrm>
+            <a:off x="7833239" y="4079683"/>
+            <a:ext cx="2191179" cy="369332"/>
+          </a:xfrm>
+          <a:prstGeom prst="rect">
+            <a:avLst/>
+          </a:prstGeom>
+          <a:noFill/>
+        </p:spPr>
+        <p:txBody>
+          <a:bodyPr wrap="square" rtlCol="0">
+            <a:spAutoFit/>
+          </a:bodyPr>
+          <a:lstStyle/>
+          <a:p>
+            <a:r>
+              <a:rPr lang="en-US" altLang="zh-CN" dirty="0">
+                <a:solidFill>
+                  <a:srgbClr val="DE7E18"/>
+                </a:solidFill>
+              </a:rPr>
+              <a:t>Oblivious Transfer</a:t>
+            </a:r>
+            <a:endParaRPr lang="zh-CN" altLang="en-US" dirty="0">
+              <a:solidFill>
+                <a:srgbClr val="DE7E18"/>
+              </a:solidFill>
+            </a:endParaRPr>
+          </a:p>
+        </p:txBody>
+      </p:sp>
+      <p:cxnSp>
+        <p:nvCxnSpPr>
+          <p:cNvPr id="64" name="连接符: 肘形 63">
+            <a:extLst>
+              <a:ext uri="{FF2B5EF4-FFF2-40B4-BE49-F238E27FC236}">
+                <a16:creationId xmlns:a16="http://schemas.microsoft.com/office/drawing/2014/main" id="{4A8C6FA4-FC8B-4542-8C62-55A6E2E9D10D}"/>
+              </a:ext>
+            </a:extLst>
+          </p:cNvPr>
+          <p:cNvCxnSpPr>
+            <a:cxnSpLocks/>
+            <a:stCxn id="10" idx="1"/>
+            <a:endCxn id="6" idx="2"/>
+          </p:cNvCxnSpPr>
+          <p:nvPr/>
+        </p:nvCxnSpPr>
+        <p:spPr>
+          <a:xfrm rot="5400000" flipH="1">
+            <a:off x="3662309" y="2711994"/>
+            <a:ext cx="713247" cy="4655220"/>
+          </a:xfrm>
+          <a:prstGeom prst="bentConnector3">
+            <a:avLst>
+              <a:gd name="adj1" fmla="val -32051"/>
+            </a:avLst>
+          </a:prstGeom>
+          <a:ln>
+            <a:tailEnd type="triangle"/>
+          </a:ln>
+        </p:spPr>
+        <p:style>
+          <a:lnRef idx="3">
+            <a:schemeClr val="accent5"/>
+          </a:lnRef>
+          <a:fillRef idx="0">
+            <a:schemeClr val="accent5"/>
+          </a:fillRef>
+          <a:effectRef idx="2">
+            <a:schemeClr val="accent5"/>
+          </a:effectRef>
+          <a:fontRef idx="minor">
+            <a:schemeClr val="tx1"/>
+          </a:fontRef>
+        </p:style>
+      </p:cxnSp>
+      <p:sp>
+        <p:nvSpPr>
+          <p:cNvPr id="65" name="文本框 64">
+            <a:extLst>
+              <a:ext uri="{FF2B5EF4-FFF2-40B4-BE49-F238E27FC236}">
+                <a16:creationId xmlns:a16="http://schemas.microsoft.com/office/drawing/2014/main" id="{4AE11926-A6AE-45D7-874C-B2FD9A348E56}"/>
+              </a:ext>
+            </a:extLst>
+          </p:cNvPr>
+          <p:cNvSpPr txBox="1"/>
+          <p:nvPr/>
+        </p:nvSpPr>
+        <p:spPr>
+          <a:xfrm>
+            <a:off x="3913239" y="5826071"/>
+            <a:ext cx="830677" cy="369332"/>
+          </a:xfrm>
+          <a:prstGeom prst="rect">
+            <a:avLst/>
+          </a:prstGeom>
+          <a:noFill/>
+        </p:spPr>
+        <p:txBody>
+          <a:bodyPr wrap="none" rtlCol="0">
+            <a:spAutoFit/>
+          </a:bodyPr>
+          <a:lstStyle/>
+          <a:p>
+            <a:r>
+              <a:rPr lang="en-US" altLang="zh-CN" dirty="0">
+                <a:solidFill>
+                  <a:srgbClr val="92AA4C"/>
+                </a:solidFill>
+              </a:rPr>
+              <a:t>Result</a:t>
+            </a:r>
+            <a:endParaRPr lang="zh-CN" altLang="en-US" dirty="0">
+              <a:solidFill>
+                <a:srgbClr val="92AA4C"/>
+              </a:solidFill>
+            </a:endParaRPr>
+          </a:p>
+        </p:txBody>
+      </p:sp>
+      <p:cxnSp>
+        <p:nvCxnSpPr>
+          <p:cNvPr id="108" name="连接符: 肘形 107">
+            <a:extLst>
+              <a:ext uri="{FF2B5EF4-FFF2-40B4-BE49-F238E27FC236}">
+                <a16:creationId xmlns:a16="http://schemas.microsoft.com/office/drawing/2014/main" id="{4D5E1AD7-B0C9-48EB-9B27-42913E4BD862}"/>
+              </a:ext>
+            </a:extLst>
+          </p:cNvPr>
+          <p:cNvCxnSpPr>
+            <a:cxnSpLocks/>
+            <a:stCxn id="10" idx="1"/>
+            <a:endCxn id="8" idx="2"/>
+          </p:cNvCxnSpPr>
+          <p:nvPr/>
+        </p:nvCxnSpPr>
+        <p:spPr>
+          <a:xfrm rot="5400000" flipH="1" flipV="1">
+            <a:off x="8534222" y="2587501"/>
+            <a:ext cx="621046" cy="4996405"/>
+          </a:xfrm>
+          <a:prstGeom prst="bentConnector3">
+            <a:avLst>
+              <a:gd name="adj1" fmla="val -36809"/>
+            </a:avLst>
+          </a:prstGeom>
+          <a:ln>
+            <a:tailEnd type="triangle"/>
+          </a:ln>
+        </p:spPr>
+        <p:style>
+          <a:lnRef idx="3">
+            <a:schemeClr val="accent5"/>
+          </a:lnRef>
+          <a:fillRef idx="0">
+            <a:schemeClr val="accent5"/>
+          </a:fillRef>
+          <a:effectRef idx="2">
+            <a:schemeClr val="accent5"/>
+          </a:effectRef>
+          <a:fontRef idx="minor">
+            <a:schemeClr val="tx1"/>
+          </a:fontRef>
+        </p:style>
+      </p:cxnSp>
+      <p:sp>
+        <p:nvSpPr>
+          <p:cNvPr id="111" name="文本框 110">
+            <a:extLst>
+              <a:ext uri="{FF2B5EF4-FFF2-40B4-BE49-F238E27FC236}">
+                <a16:creationId xmlns:a16="http://schemas.microsoft.com/office/drawing/2014/main" id="{588024FB-9085-4C41-8108-DF2B3B4658B9}"/>
+              </a:ext>
+            </a:extLst>
+          </p:cNvPr>
+          <p:cNvSpPr txBox="1"/>
+          <p:nvPr/>
+        </p:nvSpPr>
+        <p:spPr>
+          <a:xfrm>
+            <a:off x="8634581" y="5776910"/>
+            <a:ext cx="2042547" cy="369332"/>
+          </a:xfrm>
+          <a:prstGeom prst="rect">
+            <a:avLst/>
+          </a:prstGeom>
+          <a:noFill/>
+        </p:spPr>
+        <p:txBody>
+          <a:bodyPr wrap="none" rtlCol="0">
+            <a:spAutoFit/>
+          </a:bodyPr>
+          <a:lstStyle/>
+          <a:p>
+            <a:r>
+              <a:rPr lang="en-US" altLang="zh-CN" dirty="0">
+                <a:solidFill>
+                  <a:srgbClr val="92AA4C"/>
+                </a:solidFill>
+              </a:rPr>
+              <a:t>Result (Optional)</a:t>
+            </a:r>
+            <a:endParaRPr lang="zh-CN" altLang="en-US" dirty="0">
+              <a:solidFill>
+                <a:srgbClr val="92AA4C"/>
+              </a:solidFill>
+            </a:endParaRPr>
+          </a:p>
+        </p:txBody>
+      </p:sp>
+      <p:sp>
+        <p:nvSpPr>
+          <p:cNvPr id="114" name="文本框 113">
+            <a:extLst>
+              <a:ext uri="{FF2B5EF4-FFF2-40B4-BE49-F238E27FC236}">
+                <a16:creationId xmlns:a16="http://schemas.microsoft.com/office/drawing/2014/main" id="{02D60E07-E2EA-4C25-A926-56C2F81EBDAA}"/>
+              </a:ext>
+            </a:extLst>
+          </p:cNvPr>
+          <p:cNvSpPr txBox="1"/>
+          <p:nvPr/>
+        </p:nvSpPr>
+        <p:spPr>
+          <a:xfrm>
+            <a:off x="8640504" y="2483158"/>
+            <a:ext cx="1933652" cy="738664"/>
+          </a:xfrm>
+          <a:prstGeom prst="rect">
+            <a:avLst/>
+          </a:prstGeom>
+          <a:noFill/>
+        </p:spPr>
+        <p:txBody>
+          <a:bodyPr wrap="square" rtlCol="0">
+            <a:spAutoFit/>
+          </a:bodyPr>
+          <a:lstStyle/>
+          <a:p>
+            <a:r>
+              <a:rPr lang="en-US" altLang="zh-CN" sz="1400" dirty="0">
+                <a:solidFill>
+                  <a:srgbClr val="00B0F0"/>
+                </a:solidFill>
+              </a:rPr>
+              <a:t>Generate check</a:t>
+            </a:r>
+          </a:p>
+          <a:p>
+            <a:r>
+              <a:rPr lang="en-US" altLang="zh-CN" sz="1400" dirty="0">
+                <a:solidFill>
+                  <a:srgbClr val="00B0F0"/>
+                </a:solidFill>
+              </a:rPr>
+              <a:t>With Decoding Table(Optional)</a:t>
+            </a:r>
+            <a:endParaRPr lang="zh-CN" altLang="en-US" sz="1400" dirty="0">
+              <a:solidFill>
+                <a:srgbClr val="00B0F0"/>
+              </a:solidFill>
+            </a:endParaRPr>
+          </a:p>
+        </p:txBody>
+      </p:sp>
+    </p:spTree>
+    <p:extLst>
+      <p:ext uri="{BB962C8B-B14F-4D97-AF65-F5344CB8AC3E}">
+        <p14:creationId xmlns:p14="http://schemas.microsoft.com/office/powerpoint/2010/main" val="3473779787"/>
+      </p:ext>
+    </p:extLst>
+  </p:cSld>
+  <p:clrMapOvr>
+    <a:masterClrMapping/>
+  </p:clrMapOvr>
+</p:sld>
+</file>
+
+<file path=ppt/slides/slide9.xml><?xml version="1.0" encoding="utf-8"?>
+<p:sld xmlns:a="http://schemas.openxmlformats.org/drawingml/2006/main" xmlns:r="http://schemas.openxmlformats.org/officeDocument/2006/relationships" xmlns:p="http://schemas.openxmlformats.org/presentationml/2006/main">
+  <p:cSld>
+    <p:spTree>
+      <p:nvGrpSpPr>
+        <p:cNvPr id="1" name=""/>
+        <p:cNvGrpSpPr/>
+        <p:nvPr/>
+      </p:nvGrpSpPr>
+      <p:grpSpPr>
+        <a:xfrm>
+          <a:off x="0" y="0"/>
+          <a:ext cx="0" cy="0"/>
+          <a:chOff x="0" y="0"/>
+          <a:chExt cx="0" cy="0"/>
+        </a:xfrm>
+      </p:grpSpPr>
+      <p:sp>
+        <p:nvSpPr>
+          <p:cNvPr id="2" name="标题 1">
+            <a:extLst>
+              <a:ext uri="{FF2B5EF4-FFF2-40B4-BE49-F238E27FC236}">
+                <a16:creationId xmlns:a16="http://schemas.microsoft.com/office/drawing/2014/main" id="{8D076189-706D-45A6-B000-36336372D0C1}"/>
+              </a:ext>
+            </a:extLst>
+          </p:cNvPr>
+          <p:cNvSpPr>
+            <a:spLocks noGrp="1"/>
+          </p:cNvSpPr>
+          <p:nvPr>
+            <p:ph type="title"/>
+          </p:nvPr>
+        </p:nvSpPr>
+        <p:spPr/>
+        <p:txBody>
+          <a:bodyPr/>
+          <a:lstStyle/>
+          <a:p>
+            <a:r>
+              <a:rPr lang="en-US" altLang="zh-CN" dirty="0"/>
+              <a:t>GMW protocol for 2PC</a:t>
             </a:r>
             <a:endParaRPr lang="zh-CN" altLang="en-US" dirty="0"/>
           </a:p>
@@ -11675,2271 +16046,6 @@
     <p:extLst>
       <p:ext uri="{BB962C8B-B14F-4D97-AF65-F5344CB8AC3E}">
         <p14:creationId xmlns:p14="http://schemas.microsoft.com/office/powerpoint/2010/main" val="3905908654"/>
-      </p:ext>
-    </p:extLst>
-  </p:cSld>
-  <p:clrMapOvr>
-    <a:masterClrMapping/>
-  </p:clrMapOvr>
-</p:sld>
-</file>
-
-<file path=ppt/slides/slide9.xml><?xml version="1.0" encoding="utf-8"?>
-<p:sld xmlns:a="http://schemas.openxmlformats.org/drawingml/2006/main" xmlns:r="http://schemas.openxmlformats.org/officeDocument/2006/relationships" xmlns:p="http://schemas.openxmlformats.org/presentationml/2006/main">
-  <p:cSld>
-    <p:spTree>
-      <p:nvGrpSpPr>
-        <p:cNvPr id="1" name=""/>
-        <p:cNvGrpSpPr/>
-        <p:nvPr/>
-      </p:nvGrpSpPr>
-      <p:grpSpPr>
-        <a:xfrm>
-          <a:off x="0" y="0"/>
-          <a:ext cx="0" cy="0"/>
-          <a:chOff x="0" y="0"/>
-          <a:chExt cx="0" cy="0"/>
-        </a:xfrm>
-      </p:grpSpPr>
-      <p:sp>
-        <p:nvSpPr>
-          <p:cNvPr id="2" name="标题 1">
-            <a:extLst>
-              <a:ext uri="{FF2B5EF4-FFF2-40B4-BE49-F238E27FC236}">
-                <a16:creationId xmlns:a16="http://schemas.microsoft.com/office/drawing/2014/main" id="{8BBD585B-EB0B-4B1A-9BB8-CC1DD9DFC75B}"/>
-              </a:ext>
-            </a:extLst>
-          </p:cNvPr>
-          <p:cNvSpPr>
-            <a:spLocks noGrp="1"/>
-          </p:cNvSpPr>
-          <p:nvPr>
-            <p:ph type="title"/>
-          </p:nvPr>
-        </p:nvSpPr>
-        <p:spPr/>
-        <p:txBody>
-          <a:bodyPr/>
-          <a:lstStyle/>
-          <a:p>
-            <a:r>
-              <a:rPr lang="en-US" altLang="zh-CN" dirty="0"/>
-              <a:t>OT: </a:t>
-            </a:r>
-            <a:r>
-              <a:rPr lang="en-US" altLang="zh-CN" dirty="0" err="1"/>
-              <a:t>Bellare-Micali</a:t>
-            </a:r>
-            <a:r>
-              <a:rPr lang="en-US" altLang="zh-CN" dirty="0"/>
-              <a:t> </a:t>
-            </a:r>
-            <a:r>
-              <a:rPr lang="en-US" altLang="zh-CN" dirty="0" err="1"/>
-              <a:t>COnstruction</a:t>
-            </a:r>
-            <a:endParaRPr lang="zh-CN" altLang="en-US" dirty="0"/>
-          </a:p>
-        </p:txBody>
-      </p:sp>
-      <mc:AlternateContent xmlns:mc="http://schemas.openxmlformats.org/markup-compatibility/2006" xmlns:a14="http://schemas.microsoft.com/office/drawing/2010/main">
-        <mc:Choice Requires="a14">
-          <p:sp>
-            <p:nvSpPr>
-              <p:cNvPr id="3" name="内容占位符 2">
-                <a:extLst>
-                  <a:ext uri="{FF2B5EF4-FFF2-40B4-BE49-F238E27FC236}">
-                    <a16:creationId xmlns:a16="http://schemas.microsoft.com/office/drawing/2014/main" id="{72C73316-836E-413B-AFB0-15CA878DC13C}"/>
-                  </a:ext>
-                </a:extLst>
-              </p:cNvPr>
-              <p:cNvSpPr>
-                <a:spLocks noGrp="1"/>
-              </p:cNvSpPr>
-              <p:nvPr>
-                <p:ph idx="1"/>
-              </p:nvPr>
-            </p:nvSpPr>
-            <p:spPr>
-              <a:xfrm>
-                <a:off x="1934905" y="1698365"/>
-                <a:ext cx="9980919" cy="4323894"/>
-              </a:xfrm>
-            </p:spPr>
-            <p:txBody>
-              <a:bodyPr>
-                <a:normAutofit/>
-              </a:bodyPr>
-              <a:lstStyle/>
-              <a:p>
-                <a:pPr marL="0" indent="0">
-                  <a:buNone/>
-                </a:pPr>
-                <a:endParaRPr lang="en-US" altLang="zh-CN" dirty="0"/>
-              </a:p>
-              <a:p>
-                <a:pPr marL="0" indent="0">
-                  <a:buNone/>
-                </a:pPr>
-                <a:endParaRPr lang="en-US" altLang="zh-CN" dirty="0"/>
-              </a:p>
-              <a:p>
-                <a:pPr marL="0" indent="0">
-                  <a:buNone/>
-                </a:pPr>
-                <a:endParaRPr lang="en-US" altLang="zh-CN" dirty="0"/>
-              </a:p>
-              <a:p>
-                <a:pPr marL="0" indent="0">
-                  <a:buNone/>
-                </a:pPr>
-                <a:endParaRPr lang="en-US" altLang="zh-CN" dirty="0"/>
-              </a:p>
-              <a:p>
-                <a:pPr marL="0" indent="0">
-                  <a:buNone/>
-                </a:pPr>
-                <a:endParaRPr lang="en-US" altLang="zh-CN" dirty="0"/>
-              </a:p>
-              <a:p>
-                <a:pPr marL="0" indent="0">
-                  <a:buNone/>
-                </a:pPr>
-                <a:endParaRPr lang="en-US" altLang="zh-CN" dirty="0"/>
-              </a:p>
-              <a:p>
-                <a:pPr marL="0" indent="0">
-                  <a:buNone/>
-                </a:pPr>
-                <a:endParaRPr lang="en-US" altLang="zh-CN" dirty="0"/>
-              </a:p>
-              <a:p>
-                <a:pPr marL="0" indent="0">
-                  <a:buNone/>
-                </a:pPr>
-                <a:r>
-                  <a:rPr lang="en-US" altLang="zh-CN" dirty="0"/>
-                  <a:t>Random Self-reduction: We have tuple </a:t>
-                </a:r>
-                <a14:m>
-                  <m:oMath xmlns:m="http://schemas.openxmlformats.org/officeDocument/2006/math">
-                    <m:d>
-                      <m:dPr>
-                        <m:ctrlPr>
-                          <a:rPr lang="en-US" altLang="zh-CN" i="1">
-                            <a:latin typeface="Cambria Math" panose="02040503050406030204" pitchFamily="18" charset="0"/>
-                          </a:rPr>
-                        </m:ctrlPr>
-                      </m:dPr>
-                      <m:e>
-                        <m:r>
-                          <a:rPr lang="en-US" altLang="zh-CN" i="1">
-                            <a:latin typeface="Cambria Math" panose="02040503050406030204" pitchFamily="18" charset="0"/>
-                          </a:rPr>
-                          <m:t>𝑔</m:t>
-                        </m:r>
-                        <m:r>
-                          <a:rPr lang="en-US" altLang="zh-CN" i="1">
-                            <a:latin typeface="Cambria Math" panose="02040503050406030204" pitchFamily="18" charset="0"/>
-                          </a:rPr>
-                          <m:t>, </m:t>
-                        </m:r>
-                        <m:sSup>
-                          <m:sSupPr>
-                            <m:ctrlPr>
-                              <a:rPr lang="en-US" altLang="zh-CN" i="1">
-                                <a:latin typeface="Cambria Math" panose="02040503050406030204" pitchFamily="18" charset="0"/>
-                              </a:rPr>
-                            </m:ctrlPr>
-                          </m:sSupPr>
-                          <m:e>
-                            <m:r>
-                              <a:rPr lang="en-US" altLang="zh-CN" i="1">
-                                <a:latin typeface="Cambria Math" panose="02040503050406030204" pitchFamily="18" charset="0"/>
-                              </a:rPr>
-                              <m:t>𝑔</m:t>
-                            </m:r>
-                          </m:e>
-                          <m:sup>
-                            <m:r>
-                              <a:rPr lang="en-US" altLang="zh-CN" i="1">
-                                <a:latin typeface="Cambria Math" panose="02040503050406030204" pitchFamily="18" charset="0"/>
-                              </a:rPr>
-                              <m:t>𝑥</m:t>
-                            </m:r>
-                          </m:sup>
-                        </m:sSup>
-                        <m:r>
-                          <a:rPr lang="en-US" altLang="zh-CN" i="1">
-                            <a:latin typeface="Cambria Math" panose="02040503050406030204" pitchFamily="18" charset="0"/>
-                          </a:rPr>
-                          <m:t>, </m:t>
-                        </m:r>
-                        <m:sSup>
-                          <m:sSupPr>
-                            <m:ctrlPr>
-                              <a:rPr lang="en-US" altLang="zh-CN" i="1">
-                                <a:latin typeface="Cambria Math" panose="02040503050406030204" pitchFamily="18" charset="0"/>
-                              </a:rPr>
-                            </m:ctrlPr>
-                          </m:sSupPr>
-                          <m:e>
-                            <m:r>
-                              <a:rPr lang="en-US" altLang="zh-CN" i="1">
-                                <a:latin typeface="Cambria Math" panose="02040503050406030204" pitchFamily="18" charset="0"/>
-                              </a:rPr>
-                              <m:t>𝑔</m:t>
-                            </m:r>
-                          </m:e>
-                          <m:sup>
-                            <m:r>
-                              <a:rPr lang="en-US" altLang="zh-CN" i="1">
-                                <a:latin typeface="Cambria Math" panose="02040503050406030204" pitchFamily="18" charset="0"/>
-                              </a:rPr>
-                              <m:t>𝑦</m:t>
-                            </m:r>
-                          </m:sup>
-                        </m:sSup>
-                        <m:r>
-                          <a:rPr lang="en-US" altLang="zh-CN" i="1">
-                            <a:latin typeface="Cambria Math" panose="02040503050406030204" pitchFamily="18" charset="0"/>
-                          </a:rPr>
-                          <m:t>, </m:t>
-                        </m:r>
-                        <m:sSup>
-                          <m:sSupPr>
-                            <m:ctrlPr>
-                              <a:rPr lang="en-US" altLang="zh-CN" i="1">
-                                <a:latin typeface="Cambria Math" panose="02040503050406030204" pitchFamily="18" charset="0"/>
-                              </a:rPr>
-                            </m:ctrlPr>
-                          </m:sSupPr>
-                          <m:e>
-                            <m:r>
-                              <a:rPr lang="en-US" altLang="zh-CN" i="1">
-                                <a:latin typeface="Cambria Math" panose="02040503050406030204" pitchFamily="18" charset="0"/>
-                              </a:rPr>
-                              <m:t>𝑔</m:t>
-                            </m:r>
-                          </m:e>
-                          <m:sup>
-                            <m:r>
-                              <a:rPr lang="en-US" altLang="zh-CN" i="1">
-                                <a:latin typeface="Cambria Math" panose="02040503050406030204" pitchFamily="18" charset="0"/>
-                              </a:rPr>
-                              <m:t>𝑧</m:t>
-                            </m:r>
-                          </m:sup>
-                        </m:sSup>
-                      </m:e>
-                    </m:d>
-                  </m:oMath>
-                </a14:m>
-                <a:r>
-                  <a:rPr lang="en-US" altLang="zh-CN" dirty="0"/>
-                  <a:t>, Then to perform a random self reduction. Pick random </a:t>
-                </a:r>
-                <a14:m>
-                  <m:oMath xmlns:m="http://schemas.openxmlformats.org/officeDocument/2006/math">
-                    <m:r>
-                      <a:rPr lang="en-US" altLang="zh-CN" i="1">
-                        <a:latin typeface="Cambria Math" panose="02040503050406030204" pitchFamily="18" charset="0"/>
-                      </a:rPr>
-                      <m:t>𝑎</m:t>
-                    </m:r>
-                    <m:r>
-                      <a:rPr lang="en-US" altLang="zh-CN" i="1">
-                        <a:latin typeface="Cambria Math" panose="02040503050406030204" pitchFamily="18" charset="0"/>
-                      </a:rPr>
-                      <m:t>, </m:t>
-                    </m:r>
-                    <m:r>
-                      <a:rPr lang="en-US" altLang="zh-CN" i="1">
-                        <a:latin typeface="Cambria Math" panose="02040503050406030204" pitchFamily="18" charset="0"/>
-                      </a:rPr>
-                      <m:t>𝑏</m:t>
-                    </m:r>
-                    <m:r>
-                      <a:rPr lang="en-US" altLang="zh-CN" i="1">
-                        <a:latin typeface="Cambria Math" panose="02040503050406030204" pitchFamily="18" charset="0"/>
-                      </a:rPr>
-                      <m:t>←</m:t>
-                    </m:r>
-                    <m:sSubSup>
-                      <m:sSubSupPr>
-                        <m:ctrlPr>
-                          <a:rPr lang="en-US" altLang="zh-CN" i="1">
-                            <a:latin typeface="Cambria Math" panose="02040503050406030204" pitchFamily="18" charset="0"/>
-                          </a:rPr>
-                        </m:ctrlPr>
-                      </m:sSubSupPr>
-                      <m:e>
-                        <m:r>
-                          <a:rPr lang="en-US" altLang="zh-CN" i="1">
-                            <a:latin typeface="Cambria Math" panose="02040503050406030204" pitchFamily="18" charset="0"/>
-                          </a:rPr>
-                          <m:t>ℤ</m:t>
-                        </m:r>
-                      </m:e>
-                      <m:sub>
-                        <m:r>
-                          <a:rPr lang="en-US" altLang="zh-CN" i="1">
-                            <a:latin typeface="Cambria Math" panose="02040503050406030204" pitchFamily="18" charset="0"/>
-                          </a:rPr>
-                          <m:t>𝑃</m:t>
-                        </m:r>
-                      </m:sub>
-                      <m:sup>
-                        <m:r>
-                          <a:rPr lang="en-US" altLang="zh-CN" i="1">
-                            <a:latin typeface="Cambria Math" panose="02040503050406030204" pitchFamily="18" charset="0"/>
-                          </a:rPr>
-                          <m:t>∗</m:t>
-                        </m:r>
-                      </m:sup>
-                    </m:sSubSup>
-                  </m:oMath>
-                </a14:m>
-                <a:r>
-                  <a:rPr lang="en-US" altLang="zh-CN" dirty="0"/>
-                  <a:t>, and output </a:t>
-                </a:r>
-                <a14:m>
-                  <m:oMath xmlns:m="http://schemas.openxmlformats.org/officeDocument/2006/math">
-                    <m:r>
-                      <a:rPr lang="en-US" altLang="zh-CN" i="1">
-                        <a:latin typeface="Cambria Math" panose="02040503050406030204" pitchFamily="18" charset="0"/>
-                      </a:rPr>
-                      <m:t>𝑔</m:t>
-                    </m:r>
-                    <m:r>
-                      <a:rPr lang="en-US" altLang="zh-CN" i="1">
-                        <a:latin typeface="Cambria Math" panose="02040503050406030204" pitchFamily="18" charset="0"/>
-                      </a:rPr>
-                      <m:t>, </m:t>
-                    </m:r>
-                    <m:sSup>
-                      <m:sSupPr>
-                        <m:ctrlPr>
-                          <a:rPr lang="en-US" altLang="zh-CN" i="1">
-                            <a:latin typeface="Cambria Math" panose="02040503050406030204" pitchFamily="18" charset="0"/>
-                          </a:rPr>
-                        </m:ctrlPr>
-                      </m:sSupPr>
-                      <m:e>
-                        <m:r>
-                          <a:rPr lang="en-US" altLang="zh-CN" i="1">
-                            <a:latin typeface="Cambria Math" panose="02040503050406030204" pitchFamily="18" charset="0"/>
-                          </a:rPr>
-                          <m:t>𝑔</m:t>
-                        </m:r>
-                      </m:e>
-                      <m:sup>
-                        <m:d>
-                          <m:dPr>
-                            <m:ctrlPr>
-                              <a:rPr lang="en-US" altLang="zh-CN" i="1">
-                                <a:latin typeface="Cambria Math" panose="02040503050406030204" pitchFamily="18" charset="0"/>
-                              </a:rPr>
-                            </m:ctrlPr>
-                          </m:dPr>
-                          <m:e>
-                            <m:r>
-                              <a:rPr lang="en-US" altLang="zh-CN" i="1">
-                                <a:latin typeface="Cambria Math" panose="02040503050406030204" pitchFamily="18" charset="0"/>
-                              </a:rPr>
-                              <m:t>𝑥</m:t>
-                            </m:r>
-                            <m:r>
-                              <a:rPr lang="en-US" altLang="zh-CN" i="1">
-                                <a:latin typeface="Cambria Math" panose="02040503050406030204" pitchFamily="18" charset="0"/>
-                              </a:rPr>
-                              <m:t>+</m:t>
-                            </m:r>
-                            <m:r>
-                              <a:rPr lang="en-US" altLang="zh-CN" i="1">
-                                <a:latin typeface="Cambria Math" panose="02040503050406030204" pitchFamily="18" charset="0"/>
-                              </a:rPr>
-                              <m:t>𝑏</m:t>
-                            </m:r>
-                          </m:e>
-                        </m:d>
-                        <m:r>
-                          <a:rPr lang="en-US" altLang="zh-CN" i="1">
-                            <a:latin typeface="Cambria Math" panose="02040503050406030204" pitchFamily="18" charset="0"/>
-                          </a:rPr>
-                          <m:t>𝑎</m:t>
-                        </m:r>
-                      </m:sup>
-                    </m:sSup>
-                  </m:oMath>
-                </a14:m>
-                <a:r>
-                  <a:rPr lang="en-US" altLang="zh-CN" dirty="0"/>
-                  <a:t>,</a:t>
-                </a:r>
-                <a14:m>
-                  <m:oMath xmlns:m="http://schemas.openxmlformats.org/officeDocument/2006/math">
-                    <m:sSup>
-                      <m:sSupPr>
-                        <m:ctrlPr>
-                          <a:rPr lang="en-US" altLang="zh-CN" i="1" dirty="0">
-                            <a:latin typeface="Cambria Math" panose="02040503050406030204" pitchFamily="18" charset="0"/>
-                          </a:rPr>
-                        </m:ctrlPr>
-                      </m:sSupPr>
-                      <m:e>
-                        <m:r>
-                          <a:rPr lang="en-US" altLang="zh-CN" i="1" dirty="0">
-                            <a:latin typeface="Cambria Math" panose="02040503050406030204" pitchFamily="18" charset="0"/>
-                          </a:rPr>
-                          <m:t>𝑔</m:t>
-                        </m:r>
-                      </m:e>
-                      <m:sup>
-                        <m:r>
-                          <a:rPr lang="en-US" altLang="zh-CN" i="1" dirty="0">
-                            <a:latin typeface="Cambria Math" panose="02040503050406030204" pitchFamily="18" charset="0"/>
-                          </a:rPr>
-                          <m:t>𝑦</m:t>
-                        </m:r>
-                      </m:sup>
-                    </m:sSup>
-                  </m:oMath>
-                </a14:m>
-                <a:r>
-                  <a:rPr lang="en-US" altLang="zh-CN" dirty="0"/>
-                  <a:t>,</a:t>
-                </a:r>
-                <a14:m>
-                  <m:oMath xmlns:m="http://schemas.openxmlformats.org/officeDocument/2006/math">
-                    <m:sSup>
-                      <m:sSupPr>
-                        <m:ctrlPr>
-                          <a:rPr lang="en-US" altLang="zh-CN" i="1" dirty="0">
-                            <a:latin typeface="Cambria Math" panose="02040503050406030204" pitchFamily="18" charset="0"/>
-                          </a:rPr>
-                        </m:ctrlPr>
-                      </m:sSupPr>
-                      <m:e>
-                        <m:r>
-                          <a:rPr lang="en-US" altLang="zh-CN" i="1" dirty="0">
-                            <a:latin typeface="Cambria Math" panose="02040503050406030204" pitchFamily="18" charset="0"/>
-                          </a:rPr>
-                          <m:t>𝑔</m:t>
-                        </m:r>
-                      </m:e>
-                      <m:sup>
-                        <m:d>
-                          <m:dPr>
-                            <m:ctrlPr>
-                              <a:rPr lang="en-US" altLang="zh-CN" i="1" dirty="0">
-                                <a:latin typeface="Cambria Math" panose="02040503050406030204" pitchFamily="18" charset="0"/>
-                              </a:rPr>
-                            </m:ctrlPr>
-                          </m:dPr>
-                          <m:e>
-                            <m:r>
-                              <a:rPr lang="en-US" altLang="zh-CN" i="1" dirty="0">
-                                <a:latin typeface="Cambria Math" panose="02040503050406030204" pitchFamily="18" charset="0"/>
-                              </a:rPr>
-                              <m:t>𝑧</m:t>
-                            </m:r>
-                            <m:r>
-                              <a:rPr lang="en-US" altLang="zh-CN" i="1" dirty="0">
-                                <a:latin typeface="Cambria Math" panose="02040503050406030204" pitchFamily="18" charset="0"/>
-                              </a:rPr>
-                              <m:t>+</m:t>
-                            </m:r>
-                            <m:r>
-                              <a:rPr lang="en-US" altLang="zh-CN" i="1" dirty="0">
-                                <a:latin typeface="Cambria Math" panose="02040503050406030204" pitchFamily="18" charset="0"/>
-                              </a:rPr>
-                              <m:t>𝑏𝑦</m:t>
-                            </m:r>
-                          </m:e>
-                        </m:d>
-                        <m:r>
-                          <a:rPr lang="en-US" altLang="zh-CN" i="1" dirty="0">
-                            <a:latin typeface="Cambria Math" panose="02040503050406030204" pitchFamily="18" charset="0"/>
-                          </a:rPr>
-                          <m:t>𝑎</m:t>
-                        </m:r>
-                      </m:sup>
-                    </m:sSup>
-                  </m:oMath>
-                </a14:m>
-                <a:r>
-                  <a:rPr lang="en-US" altLang="zh-CN" dirty="0"/>
-                  <a:t>.</a:t>
-                </a:r>
-                <a:endParaRPr lang="zh-CN" altLang="en-US" dirty="0"/>
-              </a:p>
-              <a:p>
-                <a:pPr marL="0" indent="0">
-                  <a:buNone/>
-                </a:pPr>
-                <a:endParaRPr lang="zh-CN" altLang="en-US" dirty="0"/>
-              </a:p>
-            </p:txBody>
-          </p:sp>
-        </mc:Choice>
-        <mc:Fallback xmlns="">
-          <p:sp>
-            <p:nvSpPr>
-              <p:cNvPr id="3" name="内容占位符 2">
-                <a:extLst>
-                  <a:ext uri="{FF2B5EF4-FFF2-40B4-BE49-F238E27FC236}">
-                    <a16:creationId xmlns:a16="http://schemas.microsoft.com/office/drawing/2014/main" id="{72C73316-836E-413B-AFB0-15CA878DC13C}"/>
-                  </a:ext>
-                </a:extLst>
-              </p:cNvPr>
-              <p:cNvSpPr>
-                <a:spLocks noGrp="1" noRot="1" noChangeAspect="1" noMove="1" noResize="1" noEditPoints="1" noAdjustHandles="1" noChangeArrowheads="1" noChangeShapeType="1" noTextEdit="1"/>
-              </p:cNvSpPr>
-              <p:nvPr>
-                <p:ph idx="1"/>
-              </p:nvPr>
-            </p:nvSpPr>
-            <p:spPr>
-              <a:xfrm>
-                <a:off x="1934905" y="1698365"/>
-                <a:ext cx="9980919" cy="4323894"/>
-              </a:xfrm>
-              <a:blipFill>
-                <a:blip r:embed="rId2"/>
-                <a:stretch>
-                  <a:fillRect l="-611" r="-1038"/>
-                </a:stretch>
-              </a:blipFill>
-            </p:spPr>
-            <p:txBody>
-              <a:bodyPr/>
-              <a:lstStyle/>
-              <a:p>
-                <a:r>
-                  <a:rPr lang="zh-CN" altLang="en-US">
-                    <a:noFill/>
-                  </a:rPr>
-                  <a:t> </a:t>
-                </a:r>
-              </a:p>
-            </p:txBody>
-          </p:sp>
-        </mc:Fallback>
-      </mc:AlternateContent>
-      <p:sp>
-        <p:nvSpPr>
-          <p:cNvPr id="4" name="矩形 3">
-            <a:extLst>
-              <a:ext uri="{FF2B5EF4-FFF2-40B4-BE49-F238E27FC236}">
-                <a16:creationId xmlns:a16="http://schemas.microsoft.com/office/drawing/2014/main" id="{CF1505AC-6249-4136-AFE5-26861948BFB8}"/>
-              </a:ext>
-            </a:extLst>
-          </p:cNvPr>
-          <p:cNvSpPr/>
-          <p:nvPr/>
-        </p:nvSpPr>
-        <p:spPr>
-          <a:xfrm>
-            <a:off x="1222374" y="1698365"/>
-            <a:ext cx="10693450" cy="3011288"/>
-          </a:xfrm>
-          <a:prstGeom prst="rect">
-            <a:avLst/>
-          </a:prstGeom>
-          <a:solidFill>
-            <a:schemeClr val="bg1"/>
-          </a:solidFill>
-        </p:spPr>
-        <p:style>
-          <a:lnRef idx="2">
-            <a:schemeClr val="accent1">
-              <a:shade val="50000"/>
-            </a:schemeClr>
-          </a:lnRef>
-          <a:fillRef idx="1">
-            <a:schemeClr val="accent1"/>
-          </a:fillRef>
-          <a:effectRef idx="0">
-            <a:schemeClr val="accent1"/>
-          </a:effectRef>
-          <a:fontRef idx="minor">
-            <a:schemeClr val="lt1"/>
-          </a:fontRef>
-        </p:style>
-        <p:txBody>
-          <a:bodyPr rtlCol="0" anchor="ctr"/>
-          <a:lstStyle/>
-          <a:p>
-            <a:pPr algn="ctr"/>
-            <a:endParaRPr lang="zh-CN" altLang="en-US">
-              <a:ln w="0"/>
-              <a:solidFill>
-                <a:schemeClr val="tx1"/>
-              </a:solidFill>
-              <a:effectLst>
-                <a:outerShdw blurRad="38100" dist="19050" dir="2700000" algn="tl" rotWithShape="0">
-                  <a:schemeClr val="dk1">
-                    <a:alpha val="40000"/>
-                  </a:schemeClr>
-                </a:outerShdw>
-              </a:effectLst>
-            </a:endParaRPr>
-          </a:p>
-        </p:txBody>
-      </p:sp>
-      <mc:AlternateContent xmlns:mc="http://schemas.openxmlformats.org/markup-compatibility/2006" xmlns:a14="http://schemas.microsoft.com/office/drawing/2010/main">
-        <mc:Choice Requires="a14">
-          <p:sp>
-            <p:nvSpPr>
-              <p:cNvPr id="5" name="文本框 4">
-                <a:extLst>
-                  <a:ext uri="{FF2B5EF4-FFF2-40B4-BE49-F238E27FC236}">
-                    <a16:creationId xmlns:a16="http://schemas.microsoft.com/office/drawing/2014/main" id="{64D27C2D-FB95-485B-94CF-DA603B6C1883}"/>
-                  </a:ext>
-                </a:extLst>
-              </p:cNvPr>
-              <p:cNvSpPr txBox="1"/>
-              <p:nvPr/>
-            </p:nvSpPr>
-            <p:spPr>
-              <a:xfrm>
-                <a:off x="2525149" y="1766708"/>
-                <a:ext cx="1858296" cy="523220"/>
-              </a:xfrm>
-              <a:prstGeom prst="rect">
-                <a:avLst/>
-              </a:prstGeom>
-              <a:noFill/>
-            </p:spPr>
-            <p:txBody>
-              <a:bodyPr wrap="square" rtlCol="0">
-                <a:spAutoFit/>
-              </a:bodyPr>
-              <a:lstStyle/>
-              <a:p>
-                <a:r>
-                  <a:rPr lang="en-US" altLang="zh-CN" sz="2800" dirty="0"/>
-                  <a:t>A:</a:t>
-                </a:r>
-                <a14:m>
-                  <m:oMath xmlns:m="http://schemas.openxmlformats.org/officeDocument/2006/math">
-                    <m:sSub>
-                      <m:sSubPr>
-                        <m:ctrlPr>
-                          <a:rPr lang="en-US" altLang="zh-CN" sz="2800" b="0" i="1" smtClean="0">
-                            <a:latin typeface="Cambria Math" panose="02040503050406030204" pitchFamily="18" charset="0"/>
-                          </a:rPr>
-                        </m:ctrlPr>
-                      </m:sSubPr>
-                      <m:e>
-                        <m:r>
-                          <a:rPr lang="en-US" altLang="zh-CN" sz="2800" b="0" i="1" smtClean="0">
-                            <a:latin typeface="Cambria Math" panose="02040503050406030204" pitchFamily="18" charset="0"/>
-                          </a:rPr>
-                          <m:t>𝑚</m:t>
-                        </m:r>
-                      </m:e>
-                      <m:sub>
-                        <m:r>
-                          <a:rPr lang="en-US" altLang="zh-CN" sz="2800" b="0" i="1" smtClean="0">
-                            <a:latin typeface="Cambria Math" panose="02040503050406030204" pitchFamily="18" charset="0"/>
-                          </a:rPr>
-                          <m:t>0</m:t>
-                        </m:r>
-                      </m:sub>
-                    </m:sSub>
-                    <m:r>
-                      <a:rPr lang="en-US" altLang="zh-CN" sz="2800" b="0" i="1" smtClean="0">
-                        <a:latin typeface="Cambria Math" panose="02040503050406030204" pitchFamily="18" charset="0"/>
-                      </a:rPr>
-                      <m:t>,</m:t>
-                    </m:r>
-                    <m:sSub>
-                      <m:sSubPr>
-                        <m:ctrlPr>
-                          <a:rPr lang="en-US" altLang="zh-CN" sz="2800" b="0" i="1" smtClean="0">
-                            <a:latin typeface="Cambria Math" panose="02040503050406030204" pitchFamily="18" charset="0"/>
-                          </a:rPr>
-                        </m:ctrlPr>
-                      </m:sSubPr>
-                      <m:e>
-                        <m:r>
-                          <a:rPr lang="en-US" altLang="zh-CN" sz="2800" b="0" i="1" smtClean="0">
-                            <a:latin typeface="Cambria Math" panose="02040503050406030204" pitchFamily="18" charset="0"/>
-                          </a:rPr>
-                          <m:t>𝑚</m:t>
-                        </m:r>
-                      </m:e>
-                      <m:sub>
-                        <m:r>
-                          <a:rPr lang="en-US" altLang="zh-CN" sz="2800" b="0" i="1" smtClean="0">
-                            <a:latin typeface="Cambria Math" panose="02040503050406030204" pitchFamily="18" charset="0"/>
-                          </a:rPr>
-                          <m:t>1</m:t>
-                        </m:r>
-                      </m:sub>
-                    </m:sSub>
-                  </m:oMath>
-                </a14:m>
-                <a:endParaRPr lang="zh-CN" altLang="en-US" sz="2800" dirty="0"/>
-              </a:p>
-            </p:txBody>
-          </p:sp>
-        </mc:Choice>
-        <mc:Fallback xmlns="">
-          <p:sp>
-            <p:nvSpPr>
-              <p:cNvPr id="5" name="文本框 4">
-                <a:extLst>
-                  <a:ext uri="{FF2B5EF4-FFF2-40B4-BE49-F238E27FC236}">
-                    <a16:creationId xmlns:a16="http://schemas.microsoft.com/office/drawing/2014/main" id="{64D27C2D-FB95-485B-94CF-DA603B6C1883}"/>
-                  </a:ext>
-                </a:extLst>
-              </p:cNvPr>
-              <p:cNvSpPr txBox="1">
-                <a:spLocks noRot="1" noChangeAspect="1" noMove="1" noResize="1" noEditPoints="1" noAdjustHandles="1" noChangeArrowheads="1" noChangeShapeType="1" noTextEdit="1"/>
-              </p:cNvSpPr>
-              <p:nvPr/>
-            </p:nvSpPr>
-            <p:spPr>
-              <a:xfrm>
-                <a:off x="2525149" y="1766708"/>
-                <a:ext cx="1858296" cy="523220"/>
-              </a:xfrm>
-              <a:prstGeom prst="rect">
-                <a:avLst/>
-              </a:prstGeom>
-              <a:blipFill>
-                <a:blip r:embed="rId3"/>
-                <a:stretch>
-                  <a:fillRect l="-6557" t="-12791" b="-31395"/>
-                </a:stretch>
-              </a:blipFill>
-            </p:spPr>
-            <p:txBody>
-              <a:bodyPr/>
-              <a:lstStyle/>
-              <a:p>
-                <a:r>
-                  <a:rPr lang="zh-CN" altLang="en-US">
-                    <a:noFill/>
-                  </a:rPr>
-                  <a:t> </a:t>
-                </a:r>
-              </a:p>
-            </p:txBody>
-          </p:sp>
-        </mc:Fallback>
-      </mc:AlternateContent>
-      <mc:AlternateContent xmlns:mc="http://schemas.openxmlformats.org/markup-compatibility/2006" xmlns:a14="http://schemas.microsoft.com/office/drawing/2010/main">
-        <mc:Choice Requires="a14">
-          <p:sp>
-            <p:nvSpPr>
-              <p:cNvPr id="6" name="文本框 5">
-                <a:extLst>
-                  <a:ext uri="{FF2B5EF4-FFF2-40B4-BE49-F238E27FC236}">
-                    <a16:creationId xmlns:a16="http://schemas.microsoft.com/office/drawing/2014/main" id="{74454E24-639A-4357-A5F2-004A3A5566D8}"/>
-                  </a:ext>
-                </a:extLst>
-              </p:cNvPr>
-              <p:cNvSpPr txBox="1"/>
-              <p:nvPr/>
-            </p:nvSpPr>
-            <p:spPr>
-              <a:xfrm>
-                <a:off x="9876501" y="1802267"/>
-                <a:ext cx="1971367" cy="523220"/>
-              </a:xfrm>
-              <a:prstGeom prst="rect">
-                <a:avLst/>
-              </a:prstGeom>
-              <a:noFill/>
-            </p:spPr>
-            <p:txBody>
-              <a:bodyPr wrap="square" rtlCol="0">
-                <a:spAutoFit/>
-              </a:bodyPr>
-              <a:lstStyle/>
-              <a:p>
-                <a:r>
-                  <a:rPr lang="en-US" altLang="zh-CN" sz="2800" dirty="0"/>
-                  <a:t>B</a:t>
-                </a:r>
-                <a14:m>
-                  <m:oMath xmlns:m="http://schemas.openxmlformats.org/officeDocument/2006/math">
-                    <m:r>
-                      <a:rPr lang="en-US" altLang="zh-CN" sz="2800" b="0" i="0" smtClean="0">
-                        <a:latin typeface="Cambria Math" panose="02040503050406030204" pitchFamily="18" charset="0"/>
-                      </a:rPr>
-                      <m:t>:</m:t>
-                    </m:r>
-                    <m:r>
-                      <a:rPr lang="en-US" altLang="zh-CN" sz="2800" b="0" i="1" smtClean="0">
-                        <a:latin typeface="Cambria Math" panose="02040503050406030204" pitchFamily="18" charset="0"/>
-                      </a:rPr>
-                      <m:t>𝑉</m:t>
-                    </m:r>
-                    <m:r>
-                      <a:rPr lang="en-US" altLang="zh-CN" sz="2800" b="0" i="1" smtClean="0">
-                        <a:latin typeface="Cambria Math" panose="02040503050406030204" pitchFamily="18" charset="0"/>
-                      </a:rPr>
-                      <m:t>∈{0,1}</m:t>
-                    </m:r>
-                  </m:oMath>
-                </a14:m>
-                <a:endParaRPr lang="zh-CN" altLang="en-US" sz="2800" dirty="0"/>
-              </a:p>
-            </p:txBody>
-          </p:sp>
-        </mc:Choice>
-        <mc:Fallback xmlns="">
-          <p:sp>
-            <p:nvSpPr>
-              <p:cNvPr id="6" name="文本框 5">
-                <a:extLst>
-                  <a:ext uri="{FF2B5EF4-FFF2-40B4-BE49-F238E27FC236}">
-                    <a16:creationId xmlns:a16="http://schemas.microsoft.com/office/drawing/2014/main" id="{74454E24-639A-4357-A5F2-004A3A5566D8}"/>
-                  </a:ext>
-                </a:extLst>
-              </p:cNvPr>
-              <p:cNvSpPr txBox="1">
-                <a:spLocks noRot="1" noChangeAspect="1" noMove="1" noResize="1" noEditPoints="1" noAdjustHandles="1" noChangeArrowheads="1" noChangeShapeType="1" noTextEdit="1"/>
-              </p:cNvSpPr>
-              <p:nvPr/>
-            </p:nvSpPr>
-            <p:spPr>
-              <a:xfrm>
-                <a:off x="9876501" y="1802267"/>
-                <a:ext cx="1971367" cy="523220"/>
-              </a:xfrm>
-              <a:prstGeom prst="rect">
-                <a:avLst/>
-              </a:prstGeom>
-              <a:blipFill>
-                <a:blip r:embed="rId4"/>
-                <a:stretch>
-                  <a:fillRect l="-6173" t="-12941" b="-32941"/>
-                </a:stretch>
-              </a:blipFill>
-            </p:spPr>
-            <p:txBody>
-              <a:bodyPr/>
-              <a:lstStyle/>
-              <a:p>
-                <a:r>
-                  <a:rPr lang="zh-CN" altLang="en-US">
-                    <a:noFill/>
-                  </a:rPr>
-                  <a:t> </a:t>
-                </a:r>
-              </a:p>
-            </p:txBody>
-          </p:sp>
-        </mc:Fallback>
-      </mc:AlternateContent>
-      <p:cxnSp>
-        <p:nvCxnSpPr>
-          <p:cNvPr id="8" name="直接箭头连接符 7">
-            <a:extLst>
-              <a:ext uri="{FF2B5EF4-FFF2-40B4-BE49-F238E27FC236}">
-                <a16:creationId xmlns:a16="http://schemas.microsoft.com/office/drawing/2014/main" id="{4286D1FF-D4B2-4234-B459-DBA2ED0667C0}"/>
-              </a:ext>
-            </a:extLst>
-          </p:cNvPr>
-          <p:cNvCxnSpPr>
-            <a:cxnSpLocks/>
-          </p:cNvCxnSpPr>
-          <p:nvPr/>
-        </p:nvCxnSpPr>
-        <p:spPr>
-          <a:xfrm flipH="1">
-            <a:off x="5052040" y="2969777"/>
-            <a:ext cx="4498257" cy="0"/>
-          </a:xfrm>
-          <a:prstGeom prst="straightConnector1">
-            <a:avLst/>
-          </a:prstGeom>
-          <a:ln>
-            <a:tailEnd type="triangle"/>
-          </a:ln>
-        </p:spPr>
-        <p:style>
-          <a:lnRef idx="1">
-            <a:schemeClr val="accent1"/>
-          </a:lnRef>
-          <a:fillRef idx="0">
-            <a:schemeClr val="accent1"/>
-          </a:fillRef>
-          <a:effectRef idx="0">
-            <a:schemeClr val="accent1"/>
-          </a:effectRef>
-          <a:fontRef idx="minor">
-            <a:schemeClr val="tx1"/>
-          </a:fontRef>
-        </p:style>
-      </p:cxnSp>
-      <mc:AlternateContent xmlns:mc="http://schemas.openxmlformats.org/markup-compatibility/2006" xmlns:a14="http://schemas.microsoft.com/office/drawing/2010/main">
-        <mc:Choice Requires="a14">
-          <p:sp>
-            <p:nvSpPr>
-              <p:cNvPr id="9" name="文本框 8">
-                <a:extLst>
-                  <a:ext uri="{FF2B5EF4-FFF2-40B4-BE49-F238E27FC236}">
-                    <a16:creationId xmlns:a16="http://schemas.microsoft.com/office/drawing/2014/main" id="{E3B05D77-D3D8-4117-8265-2E5513DF95C0}"/>
-                  </a:ext>
-                </a:extLst>
-              </p:cNvPr>
-              <p:cNvSpPr txBox="1"/>
-              <p:nvPr/>
-            </p:nvSpPr>
-            <p:spPr>
-              <a:xfrm>
-                <a:off x="5237022" y="2474122"/>
-                <a:ext cx="4090219" cy="374270"/>
-              </a:xfrm>
-              <a:prstGeom prst="rect">
-                <a:avLst/>
-              </a:prstGeom>
-              <a:noFill/>
-            </p:spPr>
-            <p:txBody>
-              <a:bodyPr wrap="square" rtlCol="0">
-                <a:spAutoFit/>
-              </a:bodyPr>
-              <a:lstStyle/>
-              <a:p>
-                <a:pPr/>
-                <a14:m>
-                  <m:oMathPara xmlns:m="http://schemas.openxmlformats.org/officeDocument/2006/math">
-                    <m:oMathParaPr>
-                      <m:jc m:val="centerGroup"/>
-                    </m:oMathParaPr>
-                    <m:oMath xmlns:m="http://schemas.openxmlformats.org/officeDocument/2006/math">
-                      <m:r>
-                        <a:rPr lang="en-US" altLang="zh-CN" b="0" i="1" smtClean="0">
-                          <a:latin typeface="Cambria Math" panose="02040503050406030204" pitchFamily="18" charset="0"/>
-                        </a:rPr>
-                        <m:t>(</m:t>
-                      </m:r>
-                      <m:r>
-                        <a:rPr lang="en-US" altLang="zh-CN" b="0" i="1" smtClean="0">
-                          <a:latin typeface="Cambria Math" panose="02040503050406030204" pitchFamily="18" charset="0"/>
-                        </a:rPr>
-                        <m:t>𝑃</m:t>
-                      </m:r>
-                      <m:sSub>
-                        <m:sSubPr>
-                          <m:ctrlPr>
-                            <a:rPr lang="en-US" altLang="zh-CN" b="0" i="1" smtClean="0">
-                              <a:latin typeface="Cambria Math" panose="02040503050406030204" pitchFamily="18" charset="0"/>
-                            </a:rPr>
-                          </m:ctrlPr>
-                        </m:sSubPr>
-                        <m:e>
-                          <m:r>
-                            <a:rPr lang="en-US" altLang="zh-CN" b="0" i="1" smtClean="0">
-                              <a:latin typeface="Cambria Math" panose="02040503050406030204" pitchFamily="18" charset="0"/>
-                            </a:rPr>
-                            <m:t>𝐾</m:t>
-                          </m:r>
-                        </m:e>
-                        <m:sub>
-                          <m:r>
-                            <a:rPr lang="en-US" altLang="zh-CN" b="0" i="1" smtClean="0">
-                              <a:latin typeface="Cambria Math" panose="02040503050406030204" pitchFamily="18" charset="0"/>
-                            </a:rPr>
-                            <m:t>0</m:t>
-                          </m:r>
-                        </m:sub>
-                      </m:sSub>
-                      <m:r>
-                        <a:rPr lang="en-US" altLang="zh-CN" b="0" i="1" smtClean="0">
-                          <a:latin typeface="Cambria Math" panose="02040503050406030204" pitchFamily="18" charset="0"/>
-                        </a:rPr>
-                        <m:t>,</m:t>
-                      </m:r>
-                      <m:r>
-                        <a:rPr lang="en-US" altLang="zh-CN" b="0" i="1" smtClean="0">
-                          <a:latin typeface="Cambria Math" panose="02040503050406030204" pitchFamily="18" charset="0"/>
-                        </a:rPr>
-                        <m:t>𝑃</m:t>
-                      </m:r>
-                      <m:sSub>
-                        <m:sSubPr>
-                          <m:ctrlPr>
-                            <a:rPr lang="en-US" altLang="zh-CN" b="0" i="1" smtClean="0">
-                              <a:latin typeface="Cambria Math" panose="02040503050406030204" pitchFamily="18" charset="0"/>
-                            </a:rPr>
-                          </m:ctrlPr>
-                        </m:sSubPr>
-                        <m:e>
-                          <m:r>
-                            <a:rPr lang="en-US" altLang="zh-CN" b="0" i="1" smtClean="0">
-                              <a:latin typeface="Cambria Math" panose="02040503050406030204" pitchFamily="18" charset="0"/>
-                            </a:rPr>
-                            <m:t>𝐾</m:t>
-                          </m:r>
-                        </m:e>
-                        <m:sub>
-                          <m:r>
-                            <a:rPr lang="en-US" altLang="zh-CN" b="0" i="1" smtClean="0">
-                              <a:latin typeface="Cambria Math" panose="02040503050406030204" pitchFamily="18" charset="0"/>
-                            </a:rPr>
-                            <m:t>1</m:t>
-                          </m:r>
-                        </m:sub>
-                      </m:sSub>
-                      <m:r>
-                        <a:rPr lang="en-US" altLang="zh-CN" b="0" i="1" smtClean="0">
-                          <a:latin typeface="Cambria Math" panose="02040503050406030204" pitchFamily="18" charset="0"/>
-                        </a:rPr>
-                        <m:t>)</m:t>
-                      </m:r>
-                    </m:oMath>
-                  </m:oMathPara>
-                </a14:m>
-                <a:endParaRPr lang="zh-CN" altLang="en-US" dirty="0"/>
-              </a:p>
-            </p:txBody>
-          </p:sp>
-        </mc:Choice>
-        <mc:Fallback xmlns="">
-          <p:sp>
-            <p:nvSpPr>
-              <p:cNvPr id="9" name="文本框 8">
-                <a:extLst>
-                  <a:ext uri="{FF2B5EF4-FFF2-40B4-BE49-F238E27FC236}">
-                    <a16:creationId xmlns:a16="http://schemas.microsoft.com/office/drawing/2014/main" id="{E3B05D77-D3D8-4117-8265-2E5513DF95C0}"/>
-                  </a:ext>
-                </a:extLst>
-              </p:cNvPr>
-              <p:cNvSpPr txBox="1">
-                <a:spLocks noRot="1" noChangeAspect="1" noMove="1" noResize="1" noEditPoints="1" noAdjustHandles="1" noChangeArrowheads="1" noChangeShapeType="1" noTextEdit="1"/>
-              </p:cNvSpPr>
-              <p:nvPr/>
-            </p:nvSpPr>
-            <p:spPr>
-              <a:xfrm>
-                <a:off x="5237022" y="2474122"/>
-                <a:ext cx="4090219" cy="374270"/>
-              </a:xfrm>
-              <a:prstGeom prst="rect">
-                <a:avLst/>
-              </a:prstGeom>
-              <a:blipFill>
-                <a:blip r:embed="rId5"/>
-                <a:stretch>
-                  <a:fillRect b="-14754"/>
-                </a:stretch>
-              </a:blipFill>
-            </p:spPr>
-            <p:txBody>
-              <a:bodyPr/>
-              <a:lstStyle/>
-              <a:p>
-                <a:r>
-                  <a:rPr lang="zh-CN" altLang="en-US">
-                    <a:noFill/>
-                  </a:rPr>
-                  <a:t> </a:t>
-                </a:r>
-              </a:p>
-            </p:txBody>
-          </p:sp>
-        </mc:Fallback>
-      </mc:AlternateContent>
-      <mc:AlternateContent xmlns:mc="http://schemas.openxmlformats.org/markup-compatibility/2006" xmlns:a14="http://schemas.microsoft.com/office/drawing/2010/main">
-        <mc:Choice Requires="a14">
-          <p:sp>
-            <p:nvSpPr>
-              <p:cNvPr id="11" name="文本框 10">
-                <a:extLst>
-                  <a:ext uri="{FF2B5EF4-FFF2-40B4-BE49-F238E27FC236}">
-                    <a16:creationId xmlns:a16="http://schemas.microsoft.com/office/drawing/2014/main" id="{90E389F1-5AB2-4E58-B8A3-A0604E0BAEB0}"/>
-                  </a:ext>
-                </a:extLst>
-              </p:cNvPr>
-              <p:cNvSpPr txBox="1"/>
-              <p:nvPr/>
-            </p:nvSpPr>
-            <p:spPr>
-              <a:xfrm>
-                <a:off x="2351342" y="2501956"/>
-                <a:ext cx="2032103" cy="369332"/>
-              </a:xfrm>
-              <a:prstGeom prst="rect">
-                <a:avLst/>
-              </a:prstGeom>
-              <a:noFill/>
-            </p:spPr>
-            <p:txBody>
-              <a:bodyPr wrap="square" rtlCol="0">
-                <a:spAutoFit/>
-              </a:bodyPr>
-              <a:lstStyle/>
-              <a:p>
-                <a:r>
-                  <a:rPr lang="en-US" altLang="zh-CN" dirty="0"/>
-                  <a:t>A random </a:t>
-                </a:r>
-                <a14:m>
-                  <m:oMath xmlns:m="http://schemas.openxmlformats.org/officeDocument/2006/math">
-                    <m:r>
-                      <a:rPr lang="en-US" altLang="zh-CN" b="0" i="1" smtClean="0">
-                        <a:latin typeface="Cambria Math" panose="02040503050406030204" pitchFamily="18" charset="0"/>
-                      </a:rPr>
-                      <m:t>𝑐</m:t>
-                    </m:r>
-                    <m:r>
-                      <a:rPr lang="en-US" altLang="zh-CN" b="0" i="1" smtClean="0">
-                        <a:latin typeface="Cambria Math" panose="02040503050406030204" pitchFamily="18" charset="0"/>
-                      </a:rPr>
-                      <m:t>←</m:t>
-                    </m:r>
-                    <m:r>
-                      <a:rPr lang="en-US" altLang="zh-CN" b="0" i="1" smtClean="0">
-                        <a:latin typeface="Cambria Math" panose="02040503050406030204" pitchFamily="18" charset="0"/>
-                      </a:rPr>
-                      <m:t>𝐺</m:t>
-                    </m:r>
-                  </m:oMath>
-                </a14:m>
-                <a:endParaRPr lang="en-US" altLang="zh-CN" dirty="0"/>
-              </a:p>
-            </p:txBody>
-          </p:sp>
-        </mc:Choice>
-        <mc:Fallback xmlns="">
-          <p:sp>
-            <p:nvSpPr>
-              <p:cNvPr id="11" name="文本框 10">
-                <a:extLst>
-                  <a:ext uri="{FF2B5EF4-FFF2-40B4-BE49-F238E27FC236}">
-                    <a16:creationId xmlns:a16="http://schemas.microsoft.com/office/drawing/2014/main" id="{90E389F1-5AB2-4E58-B8A3-A0604E0BAEB0}"/>
-                  </a:ext>
-                </a:extLst>
-              </p:cNvPr>
-              <p:cNvSpPr txBox="1">
-                <a:spLocks noRot="1" noChangeAspect="1" noMove="1" noResize="1" noEditPoints="1" noAdjustHandles="1" noChangeArrowheads="1" noChangeShapeType="1" noTextEdit="1"/>
-              </p:cNvSpPr>
-              <p:nvPr/>
-            </p:nvSpPr>
-            <p:spPr>
-              <a:xfrm>
-                <a:off x="2351342" y="2501956"/>
-                <a:ext cx="2032103" cy="369332"/>
-              </a:xfrm>
-              <a:prstGeom prst="rect">
-                <a:avLst/>
-              </a:prstGeom>
-              <a:blipFill>
-                <a:blip r:embed="rId6"/>
-                <a:stretch>
-                  <a:fillRect l="-2703" t="-8197" b="-24590"/>
-                </a:stretch>
-              </a:blipFill>
-            </p:spPr>
-            <p:txBody>
-              <a:bodyPr/>
-              <a:lstStyle/>
-              <a:p>
-                <a:r>
-                  <a:rPr lang="zh-CN" altLang="en-US">
-                    <a:noFill/>
-                  </a:rPr>
-                  <a:t> </a:t>
-                </a:r>
-              </a:p>
-            </p:txBody>
-          </p:sp>
-        </mc:Fallback>
-      </mc:AlternateContent>
-      <p:cxnSp>
-        <p:nvCxnSpPr>
-          <p:cNvPr id="13" name="直接箭头连接符 12">
-            <a:extLst>
-              <a:ext uri="{FF2B5EF4-FFF2-40B4-BE49-F238E27FC236}">
-                <a16:creationId xmlns:a16="http://schemas.microsoft.com/office/drawing/2014/main" id="{73EBFEC9-5F16-4B55-A1CF-F0565020286D}"/>
-              </a:ext>
-            </a:extLst>
-          </p:cNvPr>
-          <p:cNvCxnSpPr>
-            <a:cxnSpLocks/>
-          </p:cNvCxnSpPr>
-          <p:nvPr/>
-        </p:nvCxnSpPr>
-        <p:spPr>
-          <a:xfrm>
-            <a:off x="5105156" y="3784184"/>
-            <a:ext cx="4558212" cy="0"/>
-          </a:xfrm>
-          <a:prstGeom prst="straightConnector1">
-            <a:avLst/>
-          </a:prstGeom>
-          <a:ln>
-            <a:tailEnd type="triangle"/>
-          </a:ln>
-        </p:spPr>
-        <p:style>
-          <a:lnRef idx="1">
-            <a:schemeClr val="accent1"/>
-          </a:lnRef>
-          <a:fillRef idx="0">
-            <a:schemeClr val="accent1"/>
-          </a:fillRef>
-          <a:effectRef idx="0">
-            <a:schemeClr val="accent1"/>
-          </a:effectRef>
-          <a:fontRef idx="minor">
-            <a:schemeClr val="tx1"/>
-          </a:fontRef>
-        </p:style>
-      </p:cxnSp>
-      <mc:AlternateContent xmlns:mc="http://schemas.openxmlformats.org/markup-compatibility/2006" xmlns:a14="http://schemas.microsoft.com/office/drawing/2010/main">
-        <mc:Choice Requires="a14">
-          <p:sp>
-            <p:nvSpPr>
-              <p:cNvPr id="14" name="文本框 13">
-                <a:extLst>
-                  <a:ext uri="{FF2B5EF4-FFF2-40B4-BE49-F238E27FC236}">
-                    <a16:creationId xmlns:a16="http://schemas.microsoft.com/office/drawing/2014/main" id="{A92DD68B-CA2A-41D4-B729-A97DAA860610}"/>
-                  </a:ext>
-                </a:extLst>
-              </p:cNvPr>
-              <p:cNvSpPr txBox="1"/>
-              <p:nvPr/>
-            </p:nvSpPr>
-            <p:spPr>
-              <a:xfrm>
-                <a:off x="5301737" y="3295894"/>
-                <a:ext cx="4090219" cy="369332"/>
-              </a:xfrm>
-              <a:prstGeom prst="rect">
-                <a:avLst/>
-              </a:prstGeom>
-              <a:noFill/>
-            </p:spPr>
-            <p:txBody>
-              <a:bodyPr wrap="square" rtlCol="0">
-                <a:spAutoFit/>
-              </a:bodyPr>
-              <a:lstStyle/>
-              <a:p>
-                <a:pPr/>
-                <a14:m>
-                  <m:oMathPara xmlns:m="http://schemas.openxmlformats.org/officeDocument/2006/math">
-                    <m:oMathParaPr>
-                      <m:jc m:val="centerGroup"/>
-                    </m:oMathParaPr>
-                    <m:oMath xmlns:m="http://schemas.openxmlformats.org/officeDocument/2006/math">
-                      <m:sSub>
-                        <m:sSubPr>
-                          <m:ctrlPr>
-                            <a:rPr lang="en-US" altLang="zh-CN" b="0" i="1" smtClean="0">
-                              <a:latin typeface="Cambria Math" panose="02040503050406030204" pitchFamily="18" charset="0"/>
-                            </a:rPr>
-                          </m:ctrlPr>
-                        </m:sSubPr>
-                        <m:e>
-                          <m:r>
-                            <a:rPr lang="en-US" altLang="zh-CN" b="0" i="1" smtClean="0">
-                              <a:latin typeface="Cambria Math" panose="02040503050406030204" pitchFamily="18" charset="0"/>
-                            </a:rPr>
-                            <m:t>𝐶</m:t>
-                          </m:r>
-                        </m:e>
-                        <m:sub>
-                          <m:r>
-                            <a:rPr lang="en-US" altLang="zh-CN" b="0" i="1" smtClean="0">
-                              <a:latin typeface="Cambria Math" panose="02040503050406030204" pitchFamily="18" charset="0"/>
-                            </a:rPr>
-                            <m:t>0</m:t>
-                          </m:r>
-                        </m:sub>
-                      </m:sSub>
-                      <m:r>
-                        <a:rPr lang="en-US" altLang="zh-CN" b="0" i="1" smtClean="0">
-                          <a:latin typeface="Cambria Math" panose="02040503050406030204" pitchFamily="18" charset="0"/>
-                        </a:rPr>
-                        <m:t>,</m:t>
-                      </m:r>
-                      <m:sSub>
-                        <m:sSubPr>
-                          <m:ctrlPr>
-                            <a:rPr lang="en-US" altLang="zh-CN" b="0" i="1" smtClean="0">
-                              <a:latin typeface="Cambria Math" panose="02040503050406030204" pitchFamily="18" charset="0"/>
-                            </a:rPr>
-                          </m:ctrlPr>
-                        </m:sSubPr>
-                        <m:e>
-                          <m:r>
-                            <a:rPr lang="en-US" altLang="zh-CN" b="0" i="1" smtClean="0">
-                              <a:latin typeface="Cambria Math" panose="02040503050406030204" pitchFamily="18" charset="0"/>
-                            </a:rPr>
-                            <m:t>𝐶</m:t>
-                          </m:r>
-                        </m:e>
-                        <m:sub>
-                          <m:r>
-                            <a:rPr lang="en-US" altLang="zh-CN" b="0" i="1" smtClean="0">
-                              <a:latin typeface="Cambria Math" panose="02040503050406030204" pitchFamily="18" charset="0"/>
-                            </a:rPr>
-                            <m:t>1</m:t>
-                          </m:r>
-                        </m:sub>
-                      </m:sSub>
-                    </m:oMath>
-                  </m:oMathPara>
-                </a14:m>
-                <a:endParaRPr lang="zh-CN" altLang="en-US" dirty="0"/>
-              </a:p>
-            </p:txBody>
-          </p:sp>
-        </mc:Choice>
-        <mc:Fallback xmlns="">
-          <p:sp>
-            <p:nvSpPr>
-              <p:cNvPr id="14" name="文本框 13">
-                <a:extLst>
-                  <a:ext uri="{FF2B5EF4-FFF2-40B4-BE49-F238E27FC236}">
-                    <a16:creationId xmlns:a16="http://schemas.microsoft.com/office/drawing/2014/main" id="{A92DD68B-CA2A-41D4-B729-A97DAA860610}"/>
-                  </a:ext>
-                </a:extLst>
-              </p:cNvPr>
-              <p:cNvSpPr txBox="1">
-                <a:spLocks noRot="1" noChangeAspect="1" noMove="1" noResize="1" noEditPoints="1" noAdjustHandles="1" noChangeArrowheads="1" noChangeShapeType="1" noTextEdit="1"/>
-              </p:cNvSpPr>
-              <p:nvPr/>
-            </p:nvSpPr>
-            <p:spPr>
-              <a:xfrm>
-                <a:off x="5301737" y="3295894"/>
-                <a:ext cx="4090219" cy="369332"/>
-              </a:xfrm>
-              <a:prstGeom prst="rect">
-                <a:avLst/>
-              </a:prstGeom>
-              <a:blipFill>
-                <a:blip r:embed="rId7"/>
-                <a:stretch>
-                  <a:fillRect b="-3333"/>
-                </a:stretch>
-              </a:blipFill>
-            </p:spPr>
-            <p:txBody>
-              <a:bodyPr/>
-              <a:lstStyle/>
-              <a:p>
-                <a:r>
-                  <a:rPr lang="zh-CN" altLang="en-US">
-                    <a:noFill/>
-                  </a:rPr>
-                  <a:t> </a:t>
-                </a:r>
-              </a:p>
-            </p:txBody>
-          </p:sp>
-        </mc:Fallback>
-      </mc:AlternateContent>
-      <mc:AlternateContent xmlns:mc="http://schemas.openxmlformats.org/markup-compatibility/2006" xmlns:a14="http://schemas.microsoft.com/office/drawing/2010/main">
-        <mc:Choice Requires="a14">
-          <p:sp>
-            <p:nvSpPr>
-              <p:cNvPr id="16" name="文本框 15">
-                <a:extLst>
-                  <a:ext uri="{FF2B5EF4-FFF2-40B4-BE49-F238E27FC236}">
-                    <a16:creationId xmlns:a16="http://schemas.microsoft.com/office/drawing/2014/main" id="{A829CF22-B340-4B9B-9898-7054E2CADB39}"/>
-                  </a:ext>
-                </a:extLst>
-              </p:cNvPr>
-              <p:cNvSpPr txBox="1"/>
-              <p:nvPr/>
-            </p:nvSpPr>
-            <p:spPr>
-              <a:xfrm>
-                <a:off x="10021372" y="3665226"/>
-                <a:ext cx="1519085" cy="646331"/>
-              </a:xfrm>
-              <a:prstGeom prst="rect">
-                <a:avLst/>
-              </a:prstGeom>
-              <a:noFill/>
-            </p:spPr>
-            <p:txBody>
-              <a:bodyPr wrap="square" rtlCol="0">
-                <a:spAutoFit/>
-              </a:bodyPr>
-              <a:lstStyle/>
-              <a:p>
-                <a:r>
-                  <a:rPr lang="en-US" altLang="zh-CN" dirty="0"/>
-                  <a:t>Decrypt </a:t>
-                </a:r>
-                <a14:m>
-                  <m:oMath xmlns:m="http://schemas.openxmlformats.org/officeDocument/2006/math">
-                    <m:sSub>
-                      <m:sSubPr>
-                        <m:ctrlPr>
-                          <a:rPr lang="en-US" altLang="zh-CN" b="0" i="1" smtClean="0">
-                            <a:latin typeface="Cambria Math" panose="02040503050406030204" pitchFamily="18" charset="0"/>
-                          </a:rPr>
-                        </m:ctrlPr>
-                      </m:sSubPr>
-                      <m:e>
-                        <m:r>
-                          <a:rPr lang="en-US" altLang="zh-CN" b="0" i="1" smtClean="0">
-                            <a:latin typeface="Cambria Math" panose="02040503050406030204" pitchFamily="18" charset="0"/>
-                          </a:rPr>
-                          <m:t>𝐶</m:t>
-                        </m:r>
-                      </m:e>
-                      <m:sub>
-                        <m:r>
-                          <a:rPr lang="en-US" altLang="zh-CN" b="0" i="1" smtClean="0">
-                            <a:latin typeface="Cambria Math" panose="02040503050406030204" pitchFamily="18" charset="0"/>
-                          </a:rPr>
-                          <m:t>𝑏</m:t>
-                        </m:r>
-                      </m:sub>
-                    </m:sSub>
-                  </m:oMath>
-                </a14:m>
-                <a:r>
-                  <a:rPr lang="en-US" altLang="zh-CN" dirty="0"/>
-                  <a:t>,using </a:t>
-                </a:r>
-                <a14:m>
-                  <m:oMath xmlns:m="http://schemas.openxmlformats.org/officeDocument/2006/math">
-                    <m:r>
-                      <a:rPr lang="en-US" altLang="zh-CN" b="0" i="1" smtClean="0">
-                        <a:latin typeface="Cambria Math" panose="02040503050406030204" pitchFamily="18" charset="0"/>
-                      </a:rPr>
-                      <m:t>𝑘</m:t>
-                    </m:r>
-                  </m:oMath>
-                </a14:m>
-                <a:r>
-                  <a:rPr lang="zh-CN" altLang="en-US" dirty="0"/>
-                  <a:t> </a:t>
-                </a:r>
-              </a:p>
-            </p:txBody>
-          </p:sp>
-        </mc:Choice>
-        <mc:Fallback xmlns="">
-          <p:sp>
-            <p:nvSpPr>
-              <p:cNvPr id="16" name="文本框 15">
-                <a:extLst>
-                  <a:ext uri="{FF2B5EF4-FFF2-40B4-BE49-F238E27FC236}">
-                    <a16:creationId xmlns:a16="http://schemas.microsoft.com/office/drawing/2014/main" id="{A829CF22-B340-4B9B-9898-7054E2CADB39}"/>
-                  </a:ext>
-                </a:extLst>
-              </p:cNvPr>
-              <p:cNvSpPr txBox="1">
-                <a:spLocks noRot="1" noChangeAspect="1" noMove="1" noResize="1" noEditPoints="1" noAdjustHandles="1" noChangeArrowheads="1" noChangeShapeType="1" noTextEdit="1"/>
-              </p:cNvSpPr>
-              <p:nvPr/>
-            </p:nvSpPr>
-            <p:spPr>
-              <a:xfrm>
-                <a:off x="10021372" y="3665226"/>
-                <a:ext cx="1519085" cy="646331"/>
-              </a:xfrm>
-              <a:prstGeom prst="rect">
-                <a:avLst/>
-              </a:prstGeom>
-              <a:blipFill>
-                <a:blip r:embed="rId8"/>
-                <a:stretch>
-                  <a:fillRect l="-3614" t="-4717" b="-14151"/>
-                </a:stretch>
-              </a:blipFill>
-            </p:spPr>
-            <p:txBody>
-              <a:bodyPr/>
-              <a:lstStyle/>
-              <a:p>
-                <a:r>
-                  <a:rPr lang="zh-CN" altLang="en-US">
-                    <a:noFill/>
-                  </a:rPr>
-                  <a:t> </a:t>
-                </a:r>
-              </a:p>
-            </p:txBody>
-          </p:sp>
-        </mc:Fallback>
-      </mc:AlternateContent>
-      <mc:AlternateContent xmlns:mc="http://schemas.openxmlformats.org/markup-compatibility/2006" xmlns:a14="http://schemas.microsoft.com/office/drawing/2010/main">
-        <mc:Choice Requires="a14">
-          <p:sp>
-            <p:nvSpPr>
-              <p:cNvPr id="17" name="文本框 16">
-                <a:extLst>
-                  <a:ext uri="{FF2B5EF4-FFF2-40B4-BE49-F238E27FC236}">
-                    <a16:creationId xmlns:a16="http://schemas.microsoft.com/office/drawing/2014/main" id="{10BF864E-B9B1-4E67-B176-E2B42C34AE5C}"/>
-                  </a:ext>
-                </a:extLst>
-              </p:cNvPr>
-              <p:cNvSpPr txBox="1"/>
-              <p:nvPr/>
-            </p:nvSpPr>
-            <p:spPr>
-              <a:xfrm>
-                <a:off x="9550297" y="2536733"/>
-                <a:ext cx="2659627" cy="683970"/>
-              </a:xfrm>
-              <a:prstGeom prst="rect">
-                <a:avLst/>
-              </a:prstGeom>
-              <a:noFill/>
-            </p:spPr>
-            <p:txBody>
-              <a:bodyPr wrap="square" rtlCol="0">
-                <a:spAutoFit/>
-              </a:bodyPr>
-              <a:lstStyle/>
-              <a:p>
-                <a:pPr algn="ctr"/>
-                <a14:m>
-                  <m:oMathPara xmlns:m="http://schemas.openxmlformats.org/officeDocument/2006/math">
-                    <m:oMathParaPr>
-                      <m:jc m:val="centerGroup"/>
-                    </m:oMathParaPr>
-                    <m:oMath xmlns:m="http://schemas.openxmlformats.org/officeDocument/2006/math">
-                      <m:r>
-                        <a:rPr lang="en-US" altLang="zh-CN" b="0" i="1" smtClean="0">
-                          <a:latin typeface="Cambria Math" panose="02040503050406030204" pitchFamily="18" charset="0"/>
-                        </a:rPr>
-                        <m:t>𝑘</m:t>
-                      </m:r>
-                      <m:r>
-                        <a:rPr lang="en-US" altLang="zh-CN" b="0" i="1" smtClean="0">
-                          <a:latin typeface="Cambria Math" panose="02040503050406030204" pitchFamily="18" charset="0"/>
-                        </a:rPr>
-                        <m:t>⇐</m:t>
-                      </m:r>
-                      <m:sSub>
-                        <m:sSubPr>
-                          <m:ctrlPr>
-                            <a:rPr lang="en-US" altLang="zh-CN" b="0" i="1" smtClean="0">
-                              <a:latin typeface="Cambria Math" panose="02040503050406030204" pitchFamily="18" charset="0"/>
-                            </a:rPr>
-                          </m:ctrlPr>
-                        </m:sSubPr>
-                        <m:e>
-                          <m:r>
-                            <a:rPr lang="en-US" altLang="zh-CN" b="0" i="1" smtClean="0">
-                              <a:latin typeface="Cambria Math" panose="02040503050406030204" pitchFamily="18" charset="0"/>
-                            </a:rPr>
-                            <m:t>ℤ</m:t>
-                          </m:r>
-                        </m:e>
-                        <m:sub>
-                          <m:r>
-                            <a:rPr lang="en-US" altLang="zh-CN" b="0" i="1" smtClean="0">
-                              <a:latin typeface="Cambria Math" panose="02040503050406030204" pitchFamily="18" charset="0"/>
-                            </a:rPr>
-                            <m:t>𝑝</m:t>
-                          </m:r>
-                        </m:sub>
-                      </m:sSub>
-                      <m:r>
-                        <a:rPr lang="en-US" altLang="zh-CN" b="0" i="1" smtClean="0">
-                          <a:latin typeface="Cambria Math" panose="02040503050406030204" pitchFamily="18" charset="0"/>
-                        </a:rPr>
-                        <m:t>, </m:t>
-                      </m:r>
-                      <m:r>
-                        <a:rPr lang="en-US" altLang="zh-CN" b="0" i="1" smtClean="0">
-                          <a:latin typeface="Cambria Math" panose="02040503050406030204" pitchFamily="18" charset="0"/>
-                        </a:rPr>
-                        <m:t>𝑃</m:t>
-                      </m:r>
-                      <m:sSub>
-                        <m:sSubPr>
-                          <m:ctrlPr>
-                            <a:rPr lang="en-US" altLang="zh-CN" b="0" i="1" smtClean="0">
-                              <a:latin typeface="Cambria Math" panose="02040503050406030204" pitchFamily="18" charset="0"/>
-                            </a:rPr>
-                          </m:ctrlPr>
-                        </m:sSubPr>
-                        <m:e>
-                          <m:r>
-                            <a:rPr lang="en-US" altLang="zh-CN" b="0" i="1" smtClean="0">
-                              <a:latin typeface="Cambria Math" panose="02040503050406030204" pitchFamily="18" charset="0"/>
-                            </a:rPr>
-                            <m:t>𝐾</m:t>
-                          </m:r>
-                        </m:e>
-                        <m:sub>
-                          <m:r>
-                            <a:rPr lang="en-US" altLang="zh-CN" b="0" i="1" smtClean="0">
-                              <a:latin typeface="Cambria Math" panose="02040503050406030204" pitchFamily="18" charset="0"/>
-                            </a:rPr>
-                            <m:t>𝑏</m:t>
-                          </m:r>
-                        </m:sub>
-                      </m:sSub>
-                      <m:r>
-                        <a:rPr lang="en-US" altLang="zh-CN" b="0" i="1" smtClean="0">
-                          <a:latin typeface="Cambria Math" panose="02040503050406030204" pitchFamily="18" charset="0"/>
-                        </a:rPr>
-                        <m:t>=</m:t>
-                      </m:r>
-                      <m:sSup>
-                        <m:sSupPr>
-                          <m:ctrlPr>
-                            <a:rPr lang="en-US" altLang="zh-CN" b="0" i="1" smtClean="0">
-                              <a:latin typeface="Cambria Math" panose="02040503050406030204" pitchFamily="18" charset="0"/>
-                            </a:rPr>
-                          </m:ctrlPr>
-                        </m:sSupPr>
-                        <m:e>
-                          <m:r>
-                            <a:rPr lang="en-US" altLang="zh-CN" b="0" i="1" smtClean="0">
-                              <a:latin typeface="Cambria Math" panose="02040503050406030204" pitchFamily="18" charset="0"/>
-                            </a:rPr>
-                            <m:t>𝑔</m:t>
-                          </m:r>
-                        </m:e>
-                        <m:sup>
-                          <m:r>
-                            <a:rPr lang="en-US" altLang="zh-CN" b="0" i="1" smtClean="0">
-                              <a:latin typeface="Cambria Math" panose="02040503050406030204" pitchFamily="18" charset="0"/>
-                            </a:rPr>
-                            <m:t>𝑘</m:t>
-                          </m:r>
-                        </m:sup>
-                      </m:sSup>
-                      <m:r>
-                        <a:rPr lang="en-US" altLang="zh-CN" b="0" i="1" smtClean="0">
-                          <a:latin typeface="Cambria Math" panose="02040503050406030204" pitchFamily="18" charset="0"/>
-                        </a:rPr>
-                        <m:t>, </m:t>
-                      </m:r>
-                    </m:oMath>
-                  </m:oMathPara>
-                </a14:m>
-                <a:endParaRPr lang="en-US" altLang="zh-CN" b="0" i="1" dirty="0">
-                  <a:latin typeface="Cambria Math" panose="02040503050406030204" pitchFamily="18" charset="0"/>
-                </a:endParaRPr>
-              </a:p>
-              <a:p>
-                <a:pPr algn="ctr"/>
-                <a14:m>
-                  <m:oMathPara xmlns:m="http://schemas.openxmlformats.org/officeDocument/2006/math">
-                    <m:oMathParaPr>
-                      <m:jc m:val="centerGroup"/>
-                    </m:oMathParaPr>
-                    <m:oMath xmlns:m="http://schemas.openxmlformats.org/officeDocument/2006/math">
-                      <m:r>
-                        <a:rPr lang="en-US" altLang="zh-CN" b="0" i="1" smtClean="0">
-                          <a:latin typeface="Cambria Math" panose="02040503050406030204" pitchFamily="18" charset="0"/>
-                        </a:rPr>
-                        <m:t>𝑃</m:t>
-                      </m:r>
-                      <m:sSub>
-                        <m:sSubPr>
-                          <m:ctrlPr>
-                            <a:rPr lang="en-US" altLang="zh-CN" b="0" i="1" smtClean="0">
-                              <a:latin typeface="Cambria Math" panose="02040503050406030204" pitchFamily="18" charset="0"/>
-                            </a:rPr>
-                          </m:ctrlPr>
-                        </m:sSubPr>
-                        <m:e>
-                          <m:r>
-                            <a:rPr lang="en-US" altLang="zh-CN" b="0" i="1" smtClean="0">
-                              <a:latin typeface="Cambria Math" panose="02040503050406030204" pitchFamily="18" charset="0"/>
-                            </a:rPr>
-                            <m:t>𝐾</m:t>
-                          </m:r>
-                        </m:e>
-                        <m:sub>
-                          <m:r>
-                            <a:rPr lang="en-US" altLang="zh-CN" b="0" i="1" smtClean="0">
-                              <a:latin typeface="Cambria Math" panose="02040503050406030204" pitchFamily="18" charset="0"/>
-                            </a:rPr>
-                            <m:t>1−</m:t>
-                          </m:r>
-                          <m:r>
-                            <a:rPr lang="en-US" altLang="zh-CN" b="0" i="1" smtClean="0">
-                              <a:latin typeface="Cambria Math" panose="02040503050406030204" pitchFamily="18" charset="0"/>
-                            </a:rPr>
-                            <m:t>𝑏</m:t>
-                          </m:r>
-                        </m:sub>
-                      </m:sSub>
-                      <m:r>
-                        <a:rPr lang="en-US" altLang="zh-CN" b="0" i="1" smtClean="0">
-                          <a:latin typeface="Cambria Math" panose="02040503050406030204" pitchFamily="18" charset="0"/>
-                        </a:rPr>
-                        <m:t>=</m:t>
-                      </m:r>
-                      <m:r>
-                        <a:rPr lang="en-US" altLang="zh-CN" b="0" i="1" smtClean="0">
-                          <a:latin typeface="Cambria Math" panose="02040503050406030204" pitchFamily="18" charset="0"/>
-                        </a:rPr>
-                        <m:t>𝑐</m:t>
-                      </m:r>
-                      <m:r>
-                        <a:rPr lang="en-US" altLang="zh-CN" b="0" i="1" smtClean="0">
-                          <a:latin typeface="Cambria Math" panose="02040503050406030204" pitchFamily="18" charset="0"/>
-                        </a:rPr>
-                        <m:t>/</m:t>
-                      </m:r>
-                      <m:sSup>
-                        <m:sSupPr>
-                          <m:ctrlPr>
-                            <a:rPr lang="en-US" altLang="zh-CN" b="0" i="1" smtClean="0">
-                              <a:latin typeface="Cambria Math" panose="02040503050406030204" pitchFamily="18" charset="0"/>
-                            </a:rPr>
-                          </m:ctrlPr>
-                        </m:sSupPr>
-                        <m:e>
-                          <m:r>
-                            <a:rPr lang="en-US" altLang="zh-CN" b="0" i="1" smtClean="0">
-                              <a:latin typeface="Cambria Math" panose="02040503050406030204" pitchFamily="18" charset="0"/>
-                            </a:rPr>
-                            <m:t>𝑔</m:t>
-                          </m:r>
-                        </m:e>
-                        <m:sup>
-                          <m:r>
-                            <a:rPr lang="en-US" altLang="zh-CN" b="0" i="1" smtClean="0">
-                              <a:latin typeface="Cambria Math" panose="02040503050406030204" pitchFamily="18" charset="0"/>
-                            </a:rPr>
-                            <m:t>𝑘</m:t>
-                          </m:r>
-                        </m:sup>
-                      </m:sSup>
-                      <m:r>
-                        <a:rPr lang="en-US" altLang="zh-CN" b="0" i="1" smtClean="0">
-                          <a:latin typeface="Cambria Math" panose="02040503050406030204" pitchFamily="18" charset="0"/>
-                        </a:rPr>
-                        <m:t> </m:t>
-                      </m:r>
-                    </m:oMath>
-                  </m:oMathPara>
-                </a14:m>
-                <a:endParaRPr lang="en-US" altLang="zh-CN" b="0" i="0" dirty="0">
-                  <a:latin typeface="+mj-lt"/>
-                </a:endParaRPr>
-              </a:p>
-            </p:txBody>
-          </p:sp>
-        </mc:Choice>
-        <mc:Fallback xmlns="">
-          <p:sp>
-            <p:nvSpPr>
-              <p:cNvPr id="17" name="文本框 16">
-                <a:extLst>
-                  <a:ext uri="{FF2B5EF4-FFF2-40B4-BE49-F238E27FC236}">
-                    <a16:creationId xmlns:a16="http://schemas.microsoft.com/office/drawing/2014/main" id="{10BF864E-B9B1-4E67-B176-E2B42C34AE5C}"/>
-                  </a:ext>
-                </a:extLst>
-              </p:cNvPr>
-              <p:cNvSpPr txBox="1">
-                <a:spLocks noRot="1" noChangeAspect="1" noMove="1" noResize="1" noEditPoints="1" noAdjustHandles="1" noChangeArrowheads="1" noChangeShapeType="1" noTextEdit="1"/>
-              </p:cNvSpPr>
-              <p:nvPr/>
-            </p:nvSpPr>
-            <p:spPr>
-              <a:xfrm>
-                <a:off x="9550297" y="2536733"/>
-                <a:ext cx="2659627" cy="683970"/>
-              </a:xfrm>
-              <a:prstGeom prst="rect">
-                <a:avLst/>
-              </a:prstGeom>
-              <a:blipFill>
-                <a:blip r:embed="rId9"/>
-                <a:stretch>
-                  <a:fillRect b="-8929"/>
-                </a:stretch>
-              </a:blipFill>
-            </p:spPr>
-            <p:txBody>
-              <a:bodyPr/>
-              <a:lstStyle/>
-              <a:p>
-                <a:r>
-                  <a:rPr lang="zh-CN" altLang="en-US">
-                    <a:noFill/>
-                  </a:rPr>
-                  <a:t> </a:t>
-                </a:r>
-              </a:p>
-            </p:txBody>
-          </p:sp>
-        </mc:Fallback>
-      </mc:AlternateContent>
-      <mc:AlternateContent xmlns:mc="http://schemas.openxmlformats.org/markup-compatibility/2006" xmlns:a14="http://schemas.microsoft.com/office/drawing/2010/main">
-        <mc:Choice Requires="a14">
-          <p:sp>
-            <p:nvSpPr>
-              <p:cNvPr id="18" name="文本框 17">
-                <a:extLst>
-                  <a:ext uri="{FF2B5EF4-FFF2-40B4-BE49-F238E27FC236}">
-                    <a16:creationId xmlns:a16="http://schemas.microsoft.com/office/drawing/2014/main" id="{3F5DAA3F-7A5B-4785-A5E6-F8398E5B2285}"/>
-                  </a:ext>
-                </a:extLst>
-              </p:cNvPr>
-              <p:cNvSpPr txBox="1"/>
-              <p:nvPr/>
-            </p:nvSpPr>
-            <p:spPr>
-              <a:xfrm>
-                <a:off x="2319387" y="2940806"/>
-                <a:ext cx="2269819" cy="369332"/>
-              </a:xfrm>
-              <a:prstGeom prst="rect">
-                <a:avLst/>
-              </a:prstGeom>
-              <a:noFill/>
-            </p:spPr>
-            <p:txBody>
-              <a:bodyPr wrap="square" rtlCol="0">
-                <a:spAutoFit/>
-              </a:bodyPr>
-              <a:lstStyle/>
-              <a:p>
-                <a:r>
-                  <a:rPr lang="en-US" altLang="zh-CN" dirty="0"/>
-                  <a:t>Check </a:t>
-                </a:r>
-                <a14:m>
-                  <m:oMath xmlns:m="http://schemas.openxmlformats.org/officeDocument/2006/math">
-                    <m:r>
-                      <a:rPr lang="en-US" altLang="zh-CN" b="0" i="1" smtClean="0">
-                        <a:latin typeface="Cambria Math" panose="02040503050406030204" pitchFamily="18" charset="0"/>
-                      </a:rPr>
-                      <m:t>𝑃</m:t>
-                    </m:r>
-                    <m:sSub>
-                      <m:sSubPr>
-                        <m:ctrlPr>
-                          <a:rPr lang="en-US" altLang="zh-CN" b="0" i="1" smtClean="0">
-                            <a:latin typeface="Cambria Math" panose="02040503050406030204" pitchFamily="18" charset="0"/>
-                          </a:rPr>
-                        </m:ctrlPr>
-                      </m:sSubPr>
-                      <m:e>
-                        <m:r>
-                          <a:rPr lang="en-US" altLang="zh-CN" b="0" i="1" smtClean="0">
-                            <a:latin typeface="Cambria Math" panose="02040503050406030204" pitchFamily="18" charset="0"/>
-                          </a:rPr>
-                          <m:t>𝐾</m:t>
-                        </m:r>
-                      </m:e>
-                      <m:sub>
-                        <m:r>
-                          <a:rPr lang="en-US" altLang="zh-CN" b="0" i="1" smtClean="0">
-                            <a:latin typeface="Cambria Math" panose="02040503050406030204" pitchFamily="18" charset="0"/>
-                          </a:rPr>
-                          <m:t>0</m:t>
-                        </m:r>
-                      </m:sub>
-                    </m:sSub>
-                    <m:r>
-                      <a:rPr lang="en-US" altLang="zh-CN" b="0" i="1" smtClean="0">
-                        <a:latin typeface="Cambria Math" panose="02040503050406030204" pitchFamily="18" charset="0"/>
-                      </a:rPr>
-                      <m:t>𝑃</m:t>
-                    </m:r>
-                    <m:sSub>
-                      <m:sSubPr>
-                        <m:ctrlPr>
-                          <a:rPr lang="en-US" altLang="zh-CN" b="0" i="1" smtClean="0">
-                            <a:latin typeface="Cambria Math" panose="02040503050406030204" pitchFamily="18" charset="0"/>
-                          </a:rPr>
-                        </m:ctrlPr>
-                      </m:sSubPr>
-                      <m:e>
-                        <m:r>
-                          <a:rPr lang="en-US" altLang="zh-CN" b="0" i="1" smtClean="0">
-                            <a:latin typeface="Cambria Math" panose="02040503050406030204" pitchFamily="18" charset="0"/>
-                          </a:rPr>
-                          <m:t>𝐾</m:t>
-                        </m:r>
-                      </m:e>
-                      <m:sub>
-                        <m:r>
-                          <a:rPr lang="en-US" altLang="zh-CN" b="0" i="1" smtClean="0">
-                            <a:latin typeface="Cambria Math" panose="02040503050406030204" pitchFamily="18" charset="0"/>
-                          </a:rPr>
-                          <m:t>1</m:t>
-                        </m:r>
-                      </m:sub>
-                    </m:sSub>
-                    <m:r>
-                      <a:rPr lang="en-US" altLang="zh-CN" b="0" i="1" smtClean="0">
-                        <a:latin typeface="Cambria Math" panose="02040503050406030204" pitchFamily="18" charset="0"/>
-                      </a:rPr>
-                      <m:t>=</m:t>
-                    </m:r>
-                    <m:r>
-                      <a:rPr lang="en-US" altLang="zh-CN" b="0" i="1" smtClean="0">
-                        <a:latin typeface="Cambria Math" panose="02040503050406030204" pitchFamily="18" charset="0"/>
-                      </a:rPr>
-                      <m:t>𝑐</m:t>
-                    </m:r>
-                  </m:oMath>
-                </a14:m>
-                <a:endParaRPr lang="en-US" altLang="zh-CN" dirty="0"/>
-              </a:p>
-            </p:txBody>
-          </p:sp>
-        </mc:Choice>
-        <mc:Fallback xmlns="">
-          <p:sp>
-            <p:nvSpPr>
-              <p:cNvPr id="18" name="文本框 17">
-                <a:extLst>
-                  <a:ext uri="{FF2B5EF4-FFF2-40B4-BE49-F238E27FC236}">
-                    <a16:creationId xmlns:a16="http://schemas.microsoft.com/office/drawing/2014/main" id="{3F5DAA3F-7A5B-4785-A5E6-F8398E5B2285}"/>
-                  </a:ext>
-                </a:extLst>
-              </p:cNvPr>
-              <p:cNvSpPr txBox="1">
-                <a:spLocks noRot="1" noChangeAspect="1" noMove="1" noResize="1" noEditPoints="1" noAdjustHandles="1" noChangeArrowheads="1" noChangeShapeType="1" noTextEdit="1"/>
-              </p:cNvSpPr>
-              <p:nvPr/>
-            </p:nvSpPr>
-            <p:spPr>
-              <a:xfrm>
-                <a:off x="2319387" y="2940806"/>
-                <a:ext cx="2269819" cy="369332"/>
-              </a:xfrm>
-              <a:prstGeom prst="rect">
-                <a:avLst/>
-              </a:prstGeom>
-              <a:blipFill>
-                <a:blip r:embed="rId10"/>
-                <a:stretch>
-                  <a:fillRect l="-2145" t="-8197" b="-24590"/>
-                </a:stretch>
-              </a:blipFill>
-            </p:spPr>
-            <p:txBody>
-              <a:bodyPr/>
-              <a:lstStyle/>
-              <a:p>
-                <a:r>
-                  <a:rPr lang="zh-CN" altLang="en-US">
-                    <a:noFill/>
-                  </a:rPr>
-                  <a:t> </a:t>
-                </a:r>
-              </a:p>
-            </p:txBody>
-          </p:sp>
-        </mc:Fallback>
-      </mc:AlternateContent>
-      <mc:AlternateContent xmlns:mc="http://schemas.openxmlformats.org/markup-compatibility/2006" xmlns:a14="http://schemas.microsoft.com/office/drawing/2010/main">
-        <mc:Choice Requires="a14">
-          <p:sp>
-            <p:nvSpPr>
-              <p:cNvPr id="19" name="文本框 18">
-                <a:extLst>
-                  <a:ext uri="{FF2B5EF4-FFF2-40B4-BE49-F238E27FC236}">
-                    <a16:creationId xmlns:a16="http://schemas.microsoft.com/office/drawing/2014/main" id="{6DEEB235-3BF4-4271-9923-6E96BE2AAA5D}"/>
-                  </a:ext>
-                </a:extLst>
-              </p:cNvPr>
-              <p:cNvSpPr txBox="1"/>
-              <p:nvPr/>
-            </p:nvSpPr>
-            <p:spPr>
-              <a:xfrm>
-                <a:off x="1870078" y="3314604"/>
-                <a:ext cx="4090219" cy="369332"/>
-              </a:xfrm>
-              <a:prstGeom prst="rect">
-                <a:avLst/>
-              </a:prstGeom>
-              <a:noFill/>
-            </p:spPr>
-            <p:txBody>
-              <a:bodyPr wrap="square" rtlCol="0">
-                <a:spAutoFit/>
-              </a:bodyPr>
-              <a:lstStyle/>
-              <a:p>
-                <a14:m>
-                  <m:oMath xmlns:m="http://schemas.openxmlformats.org/officeDocument/2006/math">
-                    <m:sSub>
-                      <m:sSubPr>
-                        <m:ctrlPr>
-                          <a:rPr lang="en-US" altLang="zh-CN" b="0" i="1" smtClean="0">
-                            <a:latin typeface="Cambria Math" panose="02040503050406030204" pitchFamily="18" charset="0"/>
-                          </a:rPr>
-                        </m:ctrlPr>
-                      </m:sSubPr>
-                      <m:e>
-                        <m:r>
-                          <a:rPr lang="en-US" altLang="zh-CN" b="0" i="1" smtClean="0">
-                            <a:latin typeface="Cambria Math" panose="02040503050406030204" pitchFamily="18" charset="0"/>
-                          </a:rPr>
-                          <m:t>𝐶</m:t>
-                        </m:r>
-                      </m:e>
-                      <m:sub>
-                        <m:r>
-                          <a:rPr lang="en-US" altLang="zh-CN" b="0" i="1" smtClean="0">
-                            <a:latin typeface="Cambria Math" panose="02040503050406030204" pitchFamily="18" charset="0"/>
-                          </a:rPr>
-                          <m:t>0</m:t>
-                        </m:r>
-                      </m:sub>
-                    </m:sSub>
-                    <m:r>
-                      <a:rPr lang="en-US" altLang="zh-CN" b="0" i="1" smtClean="0">
-                        <a:latin typeface="Cambria Math" panose="02040503050406030204" pitchFamily="18" charset="0"/>
-                      </a:rPr>
-                      <m:t>=</m:t>
-                    </m:r>
-                  </m:oMath>
-                </a14:m>
-                <a:r>
-                  <a:rPr lang="en-US" altLang="zh-CN" dirty="0"/>
-                  <a:t>Enc(</a:t>
-                </a:r>
-                <a14:m>
-                  <m:oMath xmlns:m="http://schemas.openxmlformats.org/officeDocument/2006/math">
-                    <m:sSub>
-                      <m:sSubPr>
-                        <m:ctrlPr>
-                          <a:rPr lang="en-US" altLang="zh-CN" b="0" i="1" smtClean="0">
-                            <a:latin typeface="Cambria Math" panose="02040503050406030204" pitchFamily="18" charset="0"/>
-                          </a:rPr>
-                        </m:ctrlPr>
-                      </m:sSubPr>
-                      <m:e>
-                        <m:r>
-                          <a:rPr lang="en-US" altLang="zh-CN" b="0" i="1" smtClean="0">
-                            <a:latin typeface="Cambria Math" panose="02040503050406030204" pitchFamily="18" charset="0"/>
-                          </a:rPr>
-                          <m:t>𝑃</m:t>
-                        </m:r>
-                        <m:sSub>
-                          <m:sSubPr>
-                            <m:ctrlPr>
-                              <a:rPr lang="en-US" altLang="zh-CN" b="0" i="1" smtClean="0">
-                                <a:latin typeface="Cambria Math" panose="02040503050406030204" pitchFamily="18" charset="0"/>
-                              </a:rPr>
-                            </m:ctrlPr>
-                          </m:sSubPr>
-                          <m:e>
-                            <m:r>
-                              <a:rPr lang="en-US" altLang="zh-CN" b="0" i="1" smtClean="0">
-                                <a:latin typeface="Cambria Math" panose="02040503050406030204" pitchFamily="18" charset="0"/>
-                              </a:rPr>
-                              <m:t>𝐾</m:t>
-                            </m:r>
-                          </m:e>
-                          <m:sub>
-                            <m:r>
-                              <a:rPr lang="en-US" altLang="zh-CN" b="0" i="1" smtClean="0">
-                                <a:latin typeface="Cambria Math" panose="02040503050406030204" pitchFamily="18" charset="0"/>
-                              </a:rPr>
-                              <m:t>0</m:t>
-                            </m:r>
-                          </m:sub>
-                        </m:sSub>
-                        <m:r>
-                          <a:rPr lang="en-US" altLang="zh-CN" b="0" i="1" smtClean="0">
-                            <a:latin typeface="Cambria Math" panose="02040503050406030204" pitchFamily="18" charset="0"/>
-                          </a:rPr>
-                          <m:t>, </m:t>
-                        </m:r>
-                        <m:r>
-                          <a:rPr lang="en-US" altLang="zh-CN" b="0" i="1" smtClean="0">
-                            <a:latin typeface="Cambria Math" panose="02040503050406030204" pitchFamily="18" charset="0"/>
-                          </a:rPr>
-                          <m:t>𝑥</m:t>
-                        </m:r>
-                      </m:e>
-                      <m:sub>
-                        <m:r>
-                          <a:rPr lang="en-US" altLang="zh-CN" b="0" i="1" smtClean="0">
-                            <a:latin typeface="Cambria Math" panose="02040503050406030204" pitchFamily="18" charset="0"/>
-                          </a:rPr>
-                          <m:t>0</m:t>
-                        </m:r>
-                      </m:sub>
-                    </m:sSub>
-                  </m:oMath>
-                </a14:m>
-                <a:r>
-                  <a:rPr lang="en-US" altLang="zh-CN" dirty="0"/>
-                  <a:t>),</a:t>
-                </a:r>
-                <a14:m>
-                  <m:oMath xmlns:m="http://schemas.openxmlformats.org/officeDocument/2006/math">
-                    <m:sSub>
-                      <m:sSubPr>
-                        <m:ctrlPr>
-                          <a:rPr lang="en-US" altLang="zh-CN" i="1">
-                            <a:latin typeface="Cambria Math" panose="02040503050406030204" pitchFamily="18" charset="0"/>
-                          </a:rPr>
-                        </m:ctrlPr>
-                      </m:sSubPr>
-                      <m:e>
-                        <m:r>
-                          <a:rPr lang="en-US" altLang="zh-CN" i="1">
-                            <a:latin typeface="Cambria Math" panose="02040503050406030204" pitchFamily="18" charset="0"/>
-                          </a:rPr>
-                          <m:t>𝐶</m:t>
-                        </m:r>
-                      </m:e>
-                      <m:sub>
-                        <m:r>
-                          <a:rPr lang="en-US" altLang="zh-CN" i="1">
-                            <a:latin typeface="Cambria Math" panose="02040503050406030204" pitchFamily="18" charset="0"/>
-                          </a:rPr>
-                          <m:t>1</m:t>
-                        </m:r>
-                      </m:sub>
-                    </m:sSub>
-                    <m:r>
-                      <a:rPr lang="en-US" altLang="zh-CN" b="0" i="1" dirty="0" smtClean="0">
-                        <a:latin typeface="Cambria Math" panose="02040503050406030204" pitchFamily="18" charset="0"/>
-                      </a:rPr>
-                      <m:t>=</m:t>
-                    </m:r>
-                  </m:oMath>
-                </a14:m>
-                <a:r>
-                  <a:rPr lang="en-US" altLang="zh-CN" dirty="0"/>
-                  <a:t>Enc(</a:t>
-                </a:r>
-                <a14:m>
-                  <m:oMath xmlns:m="http://schemas.openxmlformats.org/officeDocument/2006/math">
-                    <m:r>
-                      <a:rPr lang="en-US" altLang="zh-CN" b="0" i="1" smtClean="0">
-                        <a:latin typeface="Cambria Math" panose="02040503050406030204" pitchFamily="18" charset="0"/>
-                      </a:rPr>
-                      <m:t>𝑃</m:t>
-                    </m:r>
-                    <m:sSub>
-                      <m:sSubPr>
-                        <m:ctrlPr>
-                          <a:rPr lang="en-US" altLang="zh-CN" b="0" i="1" smtClean="0">
-                            <a:latin typeface="Cambria Math" panose="02040503050406030204" pitchFamily="18" charset="0"/>
-                          </a:rPr>
-                        </m:ctrlPr>
-                      </m:sSubPr>
-                      <m:e>
-                        <m:r>
-                          <a:rPr lang="en-US" altLang="zh-CN" b="0" i="1" smtClean="0">
-                            <a:latin typeface="Cambria Math" panose="02040503050406030204" pitchFamily="18" charset="0"/>
-                          </a:rPr>
-                          <m:t>𝐾</m:t>
-                        </m:r>
-                      </m:e>
-                      <m:sub>
-                        <m:r>
-                          <a:rPr lang="en-US" altLang="zh-CN" b="0" i="1" smtClean="0">
-                            <a:latin typeface="Cambria Math" panose="02040503050406030204" pitchFamily="18" charset="0"/>
-                          </a:rPr>
-                          <m:t>1</m:t>
-                        </m:r>
-                      </m:sub>
-                    </m:sSub>
-                    <m:r>
-                      <a:rPr lang="en-US" altLang="zh-CN" b="0" i="1" smtClean="0">
-                        <a:latin typeface="Cambria Math" panose="02040503050406030204" pitchFamily="18" charset="0"/>
-                      </a:rPr>
-                      <m:t>,</m:t>
-                    </m:r>
-                    <m:sSub>
-                      <m:sSubPr>
-                        <m:ctrlPr>
-                          <a:rPr lang="en-US" altLang="zh-CN" b="0" i="1" smtClean="0">
-                            <a:latin typeface="Cambria Math" panose="02040503050406030204" pitchFamily="18" charset="0"/>
-                          </a:rPr>
-                        </m:ctrlPr>
-                      </m:sSubPr>
-                      <m:e>
-                        <m:r>
-                          <a:rPr lang="en-US" altLang="zh-CN" b="0" i="1" smtClean="0">
-                            <a:latin typeface="Cambria Math" panose="02040503050406030204" pitchFamily="18" charset="0"/>
-                          </a:rPr>
-                          <m:t>𝑥</m:t>
-                        </m:r>
-                      </m:e>
-                      <m:sub>
-                        <m:r>
-                          <a:rPr lang="en-US" altLang="zh-CN" b="0" i="1" smtClean="0">
-                            <a:latin typeface="Cambria Math" panose="02040503050406030204" pitchFamily="18" charset="0"/>
-                          </a:rPr>
-                          <m:t>1</m:t>
-                        </m:r>
-                      </m:sub>
-                    </m:sSub>
-                  </m:oMath>
-                </a14:m>
-                <a:r>
-                  <a:rPr lang="en-US" altLang="zh-CN" dirty="0"/>
-                  <a:t>)</a:t>
-                </a:r>
-              </a:p>
-            </p:txBody>
-          </p:sp>
-        </mc:Choice>
-        <mc:Fallback xmlns="">
-          <p:sp>
-            <p:nvSpPr>
-              <p:cNvPr id="19" name="文本框 18">
-                <a:extLst>
-                  <a:ext uri="{FF2B5EF4-FFF2-40B4-BE49-F238E27FC236}">
-                    <a16:creationId xmlns:a16="http://schemas.microsoft.com/office/drawing/2014/main" id="{6DEEB235-3BF4-4271-9923-6E96BE2AAA5D}"/>
-                  </a:ext>
-                </a:extLst>
-              </p:cNvPr>
-              <p:cNvSpPr txBox="1">
-                <a:spLocks noRot="1" noChangeAspect="1" noMove="1" noResize="1" noEditPoints="1" noAdjustHandles="1" noChangeArrowheads="1" noChangeShapeType="1" noTextEdit="1"/>
-              </p:cNvSpPr>
-              <p:nvPr/>
-            </p:nvSpPr>
-            <p:spPr>
-              <a:xfrm>
-                <a:off x="1870078" y="3314604"/>
-                <a:ext cx="4090219" cy="369332"/>
-              </a:xfrm>
-              <a:prstGeom prst="rect">
-                <a:avLst/>
-              </a:prstGeom>
-              <a:blipFill>
-                <a:blip r:embed="rId11"/>
-                <a:stretch>
-                  <a:fillRect t="-10000" b="-26667"/>
-                </a:stretch>
-              </a:blipFill>
-            </p:spPr>
-            <p:txBody>
-              <a:bodyPr/>
-              <a:lstStyle/>
-              <a:p>
-                <a:r>
-                  <a:rPr lang="zh-CN" altLang="en-US">
-                    <a:noFill/>
-                  </a:rPr>
-                  <a:t> </a:t>
-                </a:r>
-              </a:p>
-            </p:txBody>
-          </p:sp>
-        </mc:Fallback>
-      </mc:AlternateContent>
-    </p:spTree>
-    <p:extLst>
-      <p:ext uri="{BB962C8B-B14F-4D97-AF65-F5344CB8AC3E}">
-        <p14:creationId xmlns:p14="http://schemas.microsoft.com/office/powerpoint/2010/main" val="2142180512"/>
       </p:ext>
     </p:extLst>
   </p:cSld>
